--- a/doc/alameda.pptx
+++ b/doc/alameda.pptx
@@ -3984,7 +3984,7 @@
             </a:r>
             <a:r>
               <a:rPr lang="en-US" altLang="zh-CN" dirty="0" err="1" smtClean="0"/>
-              <a:t>datestore</a:t>
+              <a:t>datastore</a:t>
             </a:r>
             <a:endParaRPr lang="zh-CN" altLang="en-US" dirty="0"/>
           </a:p>
@@ -4205,10 +4205,9 @@
           </a:lstStyle>
           <a:p>
             <a:r>
-              <a:rPr lang="en-US" altLang="zh-CN" sz="1800" dirty="0" err="1" smtClean="0"/>
-              <a:t>Connnection</a:t>
-            </a:r>
-            <a:endParaRPr lang="en-US" altLang="zh-CN" sz="1800" dirty="0" smtClean="0"/>
+              <a:rPr lang="en-US" altLang="zh-CN" sz="1800" dirty="0" smtClean="0"/>
+              <a:t>Connection</a:t>
+            </a:r>
           </a:p>
           <a:p>
             <a:r>

--- a/doc/alameda.pptx
+++ b/doc/alameda.pptx
@@ -7,21 +7,26 @@
   <p:sldIdLst>
     <p:sldId id="265" r:id="rId2"/>
     <p:sldId id="266" r:id="rId3"/>
-    <p:sldId id="257" r:id="rId4"/>
-    <p:sldId id="264" r:id="rId5"/>
-    <p:sldId id="256" r:id="rId6"/>
-    <p:sldId id="259" r:id="rId7"/>
-    <p:sldId id="258" r:id="rId8"/>
-    <p:sldId id="260" r:id="rId9"/>
-    <p:sldId id="261" r:id="rId10"/>
-    <p:sldId id="263" r:id="rId11"/>
-    <p:sldId id="267" r:id="rId12"/>
-    <p:sldId id="268" r:id="rId13"/>
-    <p:sldId id="269" r:id="rId14"/>
-    <p:sldId id="274" r:id="rId15"/>
-    <p:sldId id="270" r:id="rId16"/>
-    <p:sldId id="271" r:id="rId17"/>
-    <p:sldId id="273" r:id="rId18"/>
+    <p:sldId id="278" r:id="rId4"/>
+    <p:sldId id="279" r:id="rId5"/>
+    <p:sldId id="275" r:id="rId6"/>
+    <p:sldId id="277" r:id="rId7"/>
+    <p:sldId id="257" r:id="rId8"/>
+    <p:sldId id="264" r:id="rId9"/>
+    <p:sldId id="256" r:id="rId10"/>
+    <p:sldId id="259" r:id="rId11"/>
+    <p:sldId id="258" r:id="rId12"/>
+    <p:sldId id="260" r:id="rId13"/>
+    <p:sldId id="261" r:id="rId14"/>
+    <p:sldId id="263" r:id="rId15"/>
+    <p:sldId id="267" r:id="rId16"/>
+    <p:sldId id="268" r:id="rId17"/>
+    <p:sldId id="269" r:id="rId18"/>
+    <p:sldId id="274" r:id="rId19"/>
+    <p:sldId id="270" r:id="rId20"/>
+    <p:sldId id="271" r:id="rId21"/>
+    <p:sldId id="273" r:id="rId22"/>
+    <p:sldId id="276" r:id="rId23"/>
   </p:sldIdLst>
   <p:sldSz cx="12192000" cy="6858000"/>
   <p:notesSz cx="6858000" cy="9144000"/>
@@ -122,7 +127,7 @@
   </p:defaultTextStyle>
   <p:extLst>
     <p:ext uri="{EFAFB233-063F-42B5-8137-9DF3F51BA10A}">
-      <p15:sldGuideLst xmlns:p15="http://schemas.microsoft.com/office/powerpoint/2012/main" xmlns="">
+      <p15:sldGuideLst xmlns="" xmlns:p15="http://schemas.microsoft.com/office/powerpoint/2012/main">
         <p15:guide id="1" orient="horz" pos="2160" userDrawn="1">
           <p15:clr>
             <a:srgbClr val="A4A3A4"/>
@@ -161,7 +166,7 @@
           <p:cNvPr id="2" name="Title 1">
             <a:extLst>
               <a:ext uri="{FF2B5EF4-FFF2-40B4-BE49-F238E27FC236}">
-                <a16:creationId xmlns:a16="http://schemas.microsoft.com/office/drawing/2014/main" xmlns="" id="{F54FFD6A-9F0D-4D8A-84E1-81529D4CB593}"/>
+                <a16:creationId xmlns="" xmlns:a16="http://schemas.microsoft.com/office/drawing/2014/main" id="{F54FFD6A-9F0D-4D8A-84E1-81529D4CB593}"/>
               </a:ext>
             </a:extLst>
           </p:cNvPr>
@@ -198,7 +203,7 @@
           <p:cNvPr id="3" name="Subtitle 2">
             <a:extLst>
               <a:ext uri="{FF2B5EF4-FFF2-40B4-BE49-F238E27FC236}">
-                <a16:creationId xmlns:a16="http://schemas.microsoft.com/office/drawing/2014/main" xmlns="" id="{CFAE37A4-1775-4045-B67A-A8A8CD1C0077}"/>
+                <a16:creationId xmlns="" xmlns:a16="http://schemas.microsoft.com/office/drawing/2014/main" id="{CFAE37A4-1775-4045-B67A-A8A8CD1C0077}"/>
               </a:ext>
             </a:extLst>
           </p:cNvPr>
@@ -268,7 +273,7 @@
           <p:cNvPr id="4" name="Date Placeholder 3">
             <a:extLst>
               <a:ext uri="{FF2B5EF4-FFF2-40B4-BE49-F238E27FC236}">
-                <a16:creationId xmlns:a16="http://schemas.microsoft.com/office/drawing/2014/main" xmlns="" id="{D356D301-2629-4101-A31A-A384A63091CA}"/>
+                <a16:creationId xmlns="" xmlns:a16="http://schemas.microsoft.com/office/drawing/2014/main" id="{D356D301-2629-4101-A31A-A384A63091CA}"/>
               </a:ext>
             </a:extLst>
           </p:cNvPr>
@@ -286,7 +291,7 @@
           <a:p>
             <a:fld id="{851AEE95-2569-4C43-9BD1-B77EE05EAFB8}" type="datetimeFigureOut">
               <a:rPr lang="en-US" smtClean="0"/>
-              <a:t>1/11/2021</a:t>
+              <a:t>1/13/2021</a:t>
             </a:fld>
             <a:endParaRPr lang="en-US"/>
           </a:p>
@@ -297,7 +302,7 @@
           <p:cNvPr id="5" name="Footer Placeholder 4">
             <a:extLst>
               <a:ext uri="{FF2B5EF4-FFF2-40B4-BE49-F238E27FC236}">
-                <a16:creationId xmlns:a16="http://schemas.microsoft.com/office/drawing/2014/main" xmlns="" id="{18A16A61-04B9-4B52-9737-788C611E4338}"/>
+                <a16:creationId xmlns="" xmlns:a16="http://schemas.microsoft.com/office/drawing/2014/main" id="{18A16A61-04B9-4B52-9737-788C611E4338}"/>
               </a:ext>
             </a:extLst>
           </p:cNvPr>
@@ -322,7 +327,7 @@
           <p:cNvPr id="6" name="Slide Number Placeholder 5">
             <a:extLst>
               <a:ext uri="{FF2B5EF4-FFF2-40B4-BE49-F238E27FC236}">
-                <a16:creationId xmlns:a16="http://schemas.microsoft.com/office/drawing/2014/main" xmlns="" id="{EE674C9F-2AC4-40E9-B637-C77B7FF0A318}"/>
+                <a16:creationId xmlns="" xmlns:a16="http://schemas.microsoft.com/office/drawing/2014/main" id="{EE674C9F-2AC4-40E9-B637-C77B7FF0A318}"/>
               </a:ext>
             </a:extLst>
           </p:cNvPr>
@@ -381,7 +386,7 @@
           <p:cNvPr id="2" name="Title 1">
             <a:extLst>
               <a:ext uri="{FF2B5EF4-FFF2-40B4-BE49-F238E27FC236}">
-                <a16:creationId xmlns:a16="http://schemas.microsoft.com/office/drawing/2014/main" xmlns="" id="{77E2478C-DF38-4E1A-9FC4-0AA4367A9A20}"/>
+                <a16:creationId xmlns="" xmlns:a16="http://schemas.microsoft.com/office/drawing/2014/main" id="{77E2478C-DF38-4E1A-9FC4-0AA4367A9A20}"/>
               </a:ext>
             </a:extLst>
           </p:cNvPr>
@@ -409,7 +414,7 @@
           <p:cNvPr id="3" name="Vertical Text Placeholder 2">
             <a:extLst>
               <a:ext uri="{FF2B5EF4-FFF2-40B4-BE49-F238E27FC236}">
-                <a16:creationId xmlns:a16="http://schemas.microsoft.com/office/drawing/2014/main" xmlns="" id="{F1F1E50C-6D22-49A6-8C43-46F5A084ABE6}"/>
+                <a16:creationId xmlns="" xmlns:a16="http://schemas.microsoft.com/office/drawing/2014/main" id="{F1F1E50C-6D22-49A6-8C43-46F5A084ABE6}"/>
               </a:ext>
             </a:extLst>
           </p:cNvPr>
@@ -466,7 +471,7 @@
           <p:cNvPr id="4" name="Date Placeholder 3">
             <a:extLst>
               <a:ext uri="{FF2B5EF4-FFF2-40B4-BE49-F238E27FC236}">
-                <a16:creationId xmlns:a16="http://schemas.microsoft.com/office/drawing/2014/main" xmlns="" id="{8852374A-E0D6-4DF0-B0C4-9B8E13A83AD1}"/>
+                <a16:creationId xmlns="" xmlns:a16="http://schemas.microsoft.com/office/drawing/2014/main" id="{8852374A-E0D6-4DF0-B0C4-9B8E13A83AD1}"/>
               </a:ext>
             </a:extLst>
           </p:cNvPr>
@@ -484,7 +489,7 @@
           <a:p>
             <a:fld id="{851AEE95-2569-4C43-9BD1-B77EE05EAFB8}" type="datetimeFigureOut">
               <a:rPr lang="en-US" smtClean="0"/>
-              <a:t>1/11/2021</a:t>
+              <a:t>1/13/2021</a:t>
             </a:fld>
             <a:endParaRPr lang="en-US"/>
           </a:p>
@@ -495,7 +500,7 @@
           <p:cNvPr id="5" name="Footer Placeholder 4">
             <a:extLst>
               <a:ext uri="{FF2B5EF4-FFF2-40B4-BE49-F238E27FC236}">
-                <a16:creationId xmlns:a16="http://schemas.microsoft.com/office/drawing/2014/main" xmlns="" id="{2EA2D46A-0441-42E3-9EB5-EFCBF29DA31E}"/>
+                <a16:creationId xmlns="" xmlns:a16="http://schemas.microsoft.com/office/drawing/2014/main" id="{2EA2D46A-0441-42E3-9EB5-EFCBF29DA31E}"/>
               </a:ext>
             </a:extLst>
           </p:cNvPr>
@@ -520,7 +525,7 @@
           <p:cNvPr id="6" name="Slide Number Placeholder 5">
             <a:extLst>
               <a:ext uri="{FF2B5EF4-FFF2-40B4-BE49-F238E27FC236}">
-                <a16:creationId xmlns:a16="http://schemas.microsoft.com/office/drawing/2014/main" xmlns="" id="{B2466100-BA18-47A3-BB37-A8E8F075E76F}"/>
+                <a16:creationId xmlns="" xmlns:a16="http://schemas.microsoft.com/office/drawing/2014/main" id="{B2466100-BA18-47A3-BB37-A8E8F075E76F}"/>
               </a:ext>
             </a:extLst>
           </p:cNvPr>
@@ -579,7 +584,7 @@
           <p:cNvPr id="2" name="Vertical Title 1">
             <a:extLst>
               <a:ext uri="{FF2B5EF4-FFF2-40B4-BE49-F238E27FC236}">
-                <a16:creationId xmlns:a16="http://schemas.microsoft.com/office/drawing/2014/main" xmlns="" id="{10A20E06-E938-4007-BE81-D314DFD8B0F7}"/>
+                <a16:creationId xmlns="" xmlns:a16="http://schemas.microsoft.com/office/drawing/2014/main" id="{10A20E06-E938-4007-BE81-D314DFD8B0F7}"/>
               </a:ext>
             </a:extLst>
           </p:cNvPr>
@@ -612,7 +617,7 @@
           <p:cNvPr id="3" name="Vertical Text Placeholder 2">
             <a:extLst>
               <a:ext uri="{FF2B5EF4-FFF2-40B4-BE49-F238E27FC236}">
-                <a16:creationId xmlns:a16="http://schemas.microsoft.com/office/drawing/2014/main" xmlns="" id="{75092203-FB07-4A4A-9207-FABBE8D24468}"/>
+                <a16:creationId xmlns="" xmlns:a16="http://schemas.microsoft.com/office/drawing/2014/main" id="{75092203-FB07-4A4A-9207-FABBE8D24468}"/>
               </a:ext>
             </a:extLst>
           </p:cNvPr>
@@ -674,7 +679,7 @@
           <p:cNvPr id="4" name="Date Placeholder 3">
             <a:extLst>
               <a:ext uri="{FF2B5EF4-FFF2-40B4-BE49-F238E27FC236}">
-                <a16:creationId xmlns:a16="http://schemas.microsoft.com/office/drawing/2014/main" xmlns="" id="{4CDAB42A-EF6A-4B3C-ADC7-4BEF4CE1FE38}"/>
+                <a16:creationId xmlns="" xmlns:a16="http://schemas.microsoft.com/office/drawing/2014/main" id="{4CDAB42A-EF6A-4B3C-ADC7-4BEF4CE1FE38}"/>
               </a:ext>
             </a:extLst>
           </p:cNvPr>
@@ -692,7 +697,7 @@
           <a:p>
             <a:fld id="{851AEE95-2569-4C43-9BD1-B77EE05EAFB8}" type="datetimeFigureOut">
               <a:rPr lang="en-US" smtClean="0"/>
-              <a:t>1/11/2021</a:t>
+              <a:t>1/13/2021</a:t>
             </a:fld>
             <a:endParaRPr lang="en-US"/>
           </a:p>
@@ -703,7 +708,7 @@
           <p:cNvPr id="5" name="Footer Placeholder 4">
             <a:extLst>
               <a:ext uri="{FF2B5EF4-FFF2-40B4-BE49-F238E27FC236}">
-                <a16:creationId xmlns:a16="http://schemas.microsoft.com/office/drawing/2014/main" xmlns="" id="{ED3083AF-644B-4CB9-9635-688353BEE1C9}"/>
+                <a16:creationId xmlns="" xmlns:a16="http://schemas.microsoft.com/office/drawing/2014/main" id="{ED3083AF-644B-4CB9-9635-688353BEE1C9}"/>
               </a:ext>
             </a:extLst>
           </p:cNvPr>
@@ -728,7 +733,7 @@
           <p:cNvPr id="6" name="Slide Number Placeholder 5">
             <a:extLst>
               <a:ext uri="{FF2B5EF4-FFF2-40B4-BE49-F238E27FC236}">
-                <a16:creationId xmlns:a16="http://schemas.microsoft.com/office/drawing/2014/main" xmlns="" id="{E7365CD1-1482-40D0-9111-7947FE585862}"/>
+                <a16:creationId xmlns="" xmlns:a16="http://schemas.microsoft.com/office/drawing/2014/main" id="{E7365CD1-1482-40D0-9111-7947FE585862}"/>
               </a:ext>
             </a:extLst>
           </p:cNvPr>
@@ -787,7 +792,7 @@
           <p:cNvPr id="2" name="Title 1">
             <a:extLst>
               <a:ext uri="{FF2B5EF4-FFF2-40B4-BE49-F238E27FC236}">
-                <a16:creationId xmlns:a16="http://schemas.microsoft.com/office/drawing/2014/main" xmlns="" id="{2DA429AD-08BB-4C0C-897F-07136E5A7154}"/>
+                <a16:creationId xmlns="" xmlns:a16="http://schemas.microsoft.com/office/drawing/2014/main" id="{2DA429AD-08BB-4C0C-897F-07136E5A7154}"/>
               </a:ext>
             </a:extLst>
           </p:cNvPr>
@@ -815,7 +820,7 @@
           <p:cNvPr id="3" name="Content Placeholder 2">
             <a:extLst>
               <a:ext uri="{FF2B5EF4-FFF2-40B4-BE49-F238E27FC236}">
-                <a16:creationId xmlns:a16="http://schemas.microsoft.com/office/drawing/2014/main" xmlns="" id="{5CCDAFFB-7004-4E4E-87F9-7429D1233047}"/>
+                <a16:creationId xmlns="" xmlns:a16="http://schemas.microsoft.com/office/drawing/2014/main" id="{5CCDAFFB-7004-4E4E-87F9-7429D1233047}"/>
               </a:ext>
             </a:extLst>
           </p:cNvPr>
@@ -872,7 +877,7 @@
           <p:cNvPr id="4" name="Date Placeholder 3">
             <a:extLst>
               <a:ext uri="{FF2B5EF4-FFF2-40B4-BE49-F238E27FC236}">
-                <a16:creationId xmlns:a16="http://schemas.microsoft.com/office/drawing/2014/main" xmlns="" id="{9D665D29-A45F-46B4-A8D6-43DD829CF911}"/>
+                <a16:creationId xmlns="" xmlns:a16="http://schemas.microsoft.com/office/drawing/2014/main" id="{9D665D29-A45F-46B4-A8D6-43DD829CF911}"/>
               </a:ext>
             </a:extLst>
           </p:cNvPr>
@@ -890,7 +895,7 @@
           <a:p>
             <a:fld id="{851AEE95-2569-4C43-9BD1-B77EE05EAFB8}" type="datetimeFigureOut">
               <a:rPr lang="en-US" smtClean="0"/>
-              <a:t>1/11/2021</a:t>
+              <a:t>1/13/2021</a:t>
             </a:fld>
             <a:endParaRPr lang="en-US"/>
           </a:p>
@@ -901,7 +906,7 @@
           <p:cNvPr id="5" name="Footer Placeholder 4">
             <a:extLst>
               <a:ext uri="{FF2B5EF4-FFF2-40B4-BE49-F238E27FC236}">
-                <a16:creationId xmlns:a16="http://schemas.microsoft.com/office/drawing/2014/main" xmlns="" id="{C28BC8E8-6B17-452D-9172-C63E2771D86C}"/>
+                <a16:creationId xmlns="" xmlns:a16="http://schemas.microsoft.com/office/drawing/2014/main" id="{C28BC8E8-6B17-452D-9172-C63E2771D86C}"/>
               </a:ext>
             </a:extLst>
           </p:cNvPr>
@@ -926,7 +931,7 @@
           <p:cNvPr id="6" name="Slide Number Placeholder 5">
             <a:extLst>
               <a:ext uri="{FF2B5EF4-FFF2-40B4-BE49-F238E27FC236}">
-                <a16:creationId xmlns:a16="http://schemas.microsoft.com/office/drawing/2014/main" xmlns="" id="{3CF95FD4-76E3-4D7E-BC02-201EA16636B7}"/>
+                <a16:creationId xmlns="" xmlns:a16="http://schemas.microsoft.com/office/drawing/2014/main" id="{3CF95FD4-76E3-4D7E-BC02-201EA16636B7}"/>
               </a:ext>
             </a:extLst>
           </p:cNvPr>
@@ -985,7 +990,7 @@
           <p:cNvPr id="2" name="Title 1">
             <a:extLst>
               <a:ext uri="{FF2B5EF4-FFF2-40B4-BE49-F238E27FC236}">
-                <a16:creationId xmlns:a16="http://schemas.microsoft.com/office/drawing/2014/main" xmlns="" id="{CCCC9B64-2F50-42A0-8A20-F63C72544EDA}"/>
+                <a16:creationId xmlns="" xmlns:a16="http://schemas.microsoft.com/office/drawing/2014/main" id="{CCCC9B64-2F50-42A0-8A20-F63C72544EDA}"/>
               </a:ext>
             </a:extLst>
           </p:cNvPr>
@@ -1022,7 +1027,7 @@
           <p:cNvPr id="3" name="Text Placeholder 2">
             <a:extLst>
               <a:ext uri="{FF2B5EF4-FFF2-40B4-BE49-F238E27FC236}">
-                <a16:creationId xmlns:a16="http://schemas.microsoft.com/office/drawing/2014/main" xmlns="" id="{7AEBB8E3-95B4-43DE-8929-0F95760675A6}"/>
+                <a16:creationId xmlns="" xmlns:a16="http://schemas.microsoft.com/office/drawing/2014/main" id="{7AEBB8E3-95B4-43DE-8929-0F95760675A6}"/>
               </a:ext>
             </a:extLst>
           </p:cNvPr>
@@ -1147,7 +1152,7 @@
           <p:cNvPr id="4" name="Date Placeholder 3">
             <a:extLst>
               <a:ext uri="{FF2B5EF4-FFF2-40B4-BE49-F238E27FC236}">
-                <a16:creationId xmlns:a16="http://schemas.microsoft.com/office/drawing/2014/main" xmlns="" id="{DF95555E-99B2-4706-B055-9074EFAEBA98}"/>
+                <a16:creationId xmlns="" xmlns:a16="http://schemas.microsoft.com/office/drawing/2014/main" id="{DF95555E-99B2-4706-B055-9074EFAEBA98}"/>
               </a:ext>
             </a:extLst>
           </p:cNvPr>
@@ -1165,7 +1170,7 @@
           <a:p>
             <a:fld id="{851AEE95-2569-4C43-9BD1-B77EE05EAFB8}" type="datetimeFigureOut">
               <a:rPr lang="en-US" smtClean="0"/>
-              <a:t>1/11/2021</a:t>
+              <a:t>1/13/2021</a:t>
             </a:fld>
             <a:endParaRPr lang="en-US"/>
           </a:p>
@@ -1176,7 +1181,7 @@
           <p:cNvPr id="5" name="Footer Placeholder 4">
             <a:extLst>
               <a:ext uri="{FF2B5EF4-FFF2-40B4-BE49-F238E27FC236}">
-                <a16:creationId xmlns:a16="http://schemas.microsoft.com/office/drawing/2014/main" xmlns="" id="{21F7E050-2D0D-4642-AEF7-AD59AED1346D}"/>
+                <a16:creationId xmlns="" xmlns:a16="http://schemas.microsoft.com/office/drawing/2014/main" id="{21F7E050-2D0D-4642-AEF7-AD59AED1346D}"/>
               </a:ext>
             </a:extLst>
           </p:cNvPr>
@@ -1201,7 +1206,7 @@
           <p:cNvPr id="6" name="Slide Number Placeholder 5">
             <a:extLst>
               <a:ext uri="{FF2B5EF4-FFF2-40B4-BE49-F238E27FC236}">
-                <a16:creationId xmlns:a16="http://schemas.microsoft.com/office/drawing/2014/main" xmlns="" id="{32985E12-035A-4231-B818-C4DE5B668235}"/>
+                <a16:creationId xmlns="" xmlns:a16="http://schemas.microsoft.com/office/drawing/2014/main" id="{32985E12-035A-4231-B818-C4DE5B668235}"/>
               </a:ext>
             </a:extLst>
           </p:cNvPr>
@@ -1260,7 +1265,7 @@
           <p:cNvPr id="2" name="Title 1">
             <a:extLst>
               <a:ext uri="{FF2B5EF4-FFF2-40B4-BE49-F238E27FC236}">
-                <a16:creationId xmlns:a16="http://schemas.microsoft.com/office/drawing/2014/main" xmlns="" id="{417AF47F-CC8F-42E5-889C-0482015B1F2D}"/>
+                <a16:creationId xmlns="" xmlns:a16="http://schemas.microsoft.com/office/drawing/2014/main" id="{417AF47F-CC8F-42E5-889C-0482015B1F2D}"/>
               </a:ext>
             </a:extLst>
           </p:cNvPr>
@@ -1288,7 +1293,7 @@
           <p:cNvPr id="3" name="Content Placeholder 2">
             <a:extLst>
               <a:ext uri="{FF2B5EF4-FFF2-40B4-BE49-F238E27FC236}">
-                <a16:creationId xmlns:a16="http://schemas.microsoft.com/office/drawing/2014/main" xmlns="" id="{AD5E1748-9751-40E1-B63A-0F2F876D0CC6}"/>
+                <a16:creationId xmlns="" xmlns:a16="http://schemas.microsoft.com/office/drawing/2014/main" id="{AD5E1748-9751-40E1-B63A-0F2F876D0CC6}"/>
               </a:ext>
             </a:extLst>
           </p:cNvPr>
@@ -1350,7 +1355,7 @@
           <p:cNvPr id="4" name="Content Placeholder 3">
             <a:extLst>
               <a:ext uri="{FF2B5EF4-FFF2-40B4-BE49-F238E27FC236}">
-                <a16:creationId xmlns:a16="http://schemas.microsoft.com/office/drawing/2014/main" xmlns="" id="{BE2FA331-3770-4558-8F05-9ABEE2062D98}"/>
+                <a16:creationId xmlns="" xmlns:a16="http://schemas.microsoft.com/office/drawing/2014/main" id="{BE2FA331-3770-4558-8F05-9ABEE2062D98}"/>
               </a:ext>
             </a:extLst>
           </p:cNvPr>
@@ -1412,7 +1417,7 @@
           <p:cNvPr id="5" name="Date Placeholder 4">
             <a:extLst>
               <a:ext uri="{FF2B5EF4-FFF2-40B4-BE49-F238E27FC236}">
-                <a16:creationId xmlns:a16="http://schemas.microsoft.com/office/drawing/2014/main" xmlns="" id="{B3F78E5C-C52E-4D07-AEFC-4AB4B810499E}"/>
+                <a16:creationId xmlns="" xmlns:a16="http://schemas.microsoft.com/office/drawing/2014/main" id="{B3F78E5C-C52E-4D07-AEFC-4AB4B810499E}"/>
               </a:ext>
             </a:extLst>
           </p:cNvPr>
@@ -1430,7 +1435,7 @@
           <a:p>
             <a:fld id="{851AEE95-2569-4C43-9BD1-B77EE05EAFB8}" type="datetimeFigureOut">
               <a:rPr lang="en-US" smtClean="0"/>
-              <a:t>1/11/2021</a:t>
+              <a:t>1/13/2021</a:t>
             </a:fld>
             <a:endParaRPr lang="en-US"/>
           </a:p>
@@ -1441,7 +1446,7 @@
           <p:cNvPr id="6" name="Footer Placeholder 5">
             <a:extLst>
               <a:ext uri="{FF2B5EF4-FFF2-40B4-BE49-F238E27FC236}">
-                <a16:creationId xmlns:a16="http://schemas.microsoft.com/office/drawing/2014/main" xmlns="" id="{98A13EF6-F3F1-44D6-9095-85674F6BE1C8}"/>
+                <a16:creationId xmlns="" xmlns:a16="http://schemas.microsoft.com/office/drawing/2014/main" id="{98A13EF6-F3F1-44D6-9095-85674F6BE1C8}"/>
               </a:ext>
             </a:extLst>
           </p:cNvPr>
@@ -1466,7 +1471,7 @@
           <p:cNvPr id="7" name="Slide Number Placeholder 6">
             <a:extLst>
               <a:ext uri="{FF2B5EF4-FFF2-40B4-BE49-F238E27FC236}">
-                <a16:creationId xmlns:a16="http://schemas.microsoft.com/office/drawing/2014/main" xmlns="" id="{7AF58DFD-7851-4EF4-9CE6-B5CC99D5227B}"/>
+                <a16:creationId xmlns="" xmlns:a16="http://schemas.microsoft.com/office/drawing/2014/main" id="{7AF58DFD-7851-4EF4-9CE6-B5CC99D5227B}"/>
               </a:ext>
             </a:extLst>
           </p:cNvPr>
@@ -1525,7 +1530,7 @@
           <p:cNvPr id="2" name="Title 1">
             <a:extLst>
               <a:ext uri="{FF2B5EF4-FFF2-40B4-BE49-F238E27FC236}">
-                <a16:creationId xmlns:a16="http://schemas.microsoft.com/office/drawing/2014/main" xmlns="" id="{DD193C23-E735-4CA3-B99D-6E9C8D371431}"/>
+                <a16:creationId xmlns="" xmlns:a16="http://schemas.microsoft.com/office/drawing/2014/main" id="{DD193C23-E735-4CA3-B99D-6E9C8D371431}"/>
               </a:ext>
             </a:extLst>
           </p:cNvPr>
@@ -1558,7 +1563,7 @@
           <p:cNvPr id="3" name="Text Placeholder 2">
             <a:extLst>
               <a:ext uri="{FF2B5EF4-FFF2-40B4-BE49-F238E27FC236}">
-                <a16:creationId xmlns:a16="http://schemas.microsoft.com/office/drawing/2014/main" xmlns="" id="{7D417A86-BFC8-4679-A716-739D8DC6E3DF}"/>
+                <a16:creationId xmlns="" xmlns:a16="http://schemas.microsoft.com/office/drawing/2014/main" id="{7D417A86-BFC8-4679-A716-739D8DC6E3DF}"/>
               </a:ext>
             </a:extLst>
           </p:cNvPr>
@@ -1629,7 +1634,7 @@
           <p:cNvPr id="4" name="Content Placeholder 3">
             <a:extLst>
               <a:ext uri="{FF2B5EF4-FFF2-40B4-BE49-F238E27FC236}">
-                <a16:creationId xmlns:a16="http://schemas.microsoft.com/office/drawing/2014/main" xmlns="" id="{2E60DB06-858A-403A-8E4B-EA3004B1E98E}"/>
+                <a16:creationId xmlns="" xmlns:a16="http://schemas.microsoft.com/office/drawing/2014/main" id="{2E60DB06-858A-403A-8E4B-EA3004B1E98E}"/>
               </a:ext>
             </a:extLst>
           </p:cNvPr>
@@ -1691,7 +1696,7 @@
           <p:cNvPr id="5" name="Text Placeholder 4">
             <a:extLst>
               <a:ext uri="{FF2B5EF4-FFF2-40B4-BE49-F238E27FC236}">
-                <a16:creationId xmlns:a16="http://schemas.microsoft.com/office/drawing/2014/main" xmlns="" id="{C5123883-EB0C-4B84-993E-972552AEAE0C}"/>
+                <a16:creationId xmlns="" xmlns:a16="http://schemas.microsoft.com/office/drawing/2014/main" id="{C5123883-EB0C-4B84-993E-972552AEAE0C}"/>
               </a:ext>
             </a:extLst>
           </p:cNvPr>
@@ -1762,7 +1767,7 @@
           <p:cNvPr id="6" name="Content Placeholder 5">
             <a:extLst>
               <a:ext uri="{FF2B5EF4-FFF2-40B4-BE49-F238E27FC236}">
-                <a16:creationId xmlns:a16="http://schemas.microsoft.com/office/drawing/2014/main" xmlns="" id="{1EB69384-704C-41C4-B3D0-217F0346A6D4}"/>
+                <a16:creationId xmlns="" xmlns:a16="http://schemas.microsoft.com/office/drawing/2014/main" id="{1EB69384-704C-41C4-B3D0-217F0346A6D4}"/>
               </a:ext>
             </a:extLst>
           </p:cNvPr>
@@ -1824,7 +1829,7 @@
           <p:cNvPr id="7" name="Date Placeholder 6">
             <a:extLst>
               <a:ext uri="{FF2B5EF4-FFF2-40B4-BE49-F238E27FC236}">
-                <a16:creationId xmlns:a16="http://schemas.microsoft.com/office/drawing/2014/main" xmlns="" id="{2FBCF45B-2148-4F32-96C1-067549EC4D1C}"/>
+                <a16:creationId xmlns="" xmlns:a16="http://schemas.microsoft.com/office/drawing/2014/main" id="{2FBCF45B-2148-4F32-96C1-067549EC4D1C}"/>
               </a:ext>
             </a:extLst>
           </p:cNvPr>
@@ -1842,7 +1847,7 @@
           <a:p>
             <a:fld id="{851AEE95-2569-4C43-9BD1-B77EE05EAFB8}" type="datetimeFigureOut">
               <a:rPr lang="en-US" smtClean="0"/>
-              <a:t>1/11/2021</a:t>
+              <a:t>1/13/2021</a:t>
             </a:fld>
             <a:endParaRPr lang="en-US"/>
           </a:p>
@@ -1853,7 +1858,7 @@
           <p:cNvPr id="8" name="Footer Placeholder 7">
             <a:extLst>
               <a:ext uri="{FF2B5EF4-FFF2-40B4-BE49-F238E27FC236}">
-                <a16:creationId xmlns:a16="http://schemas.microsoft.com/office/drawing/2014/main" xmlns="" id="{EC3CCD26-2089-4625-B84E-5DD367070E80}"/>
+                <a16:creationId xmlns="" xmlns:a16="http://schemas.microsoft.com/office/drawing/2014/main" id="{EC3CCD26-2089-4625-B84E-5DD367070E80}"/>
               </a:ext>
             </a:extLst>
           </p:cNvPr>
@@ -1878,7 +1883,7 @@
           <p:cNvPr id="9" name="Slide Number Placeholder 8">
             <a:extLst>
               <a:ext uri="{FF2B5EF4-FFF2-40B4-BE49-F238E27FC236}">
-                <a16:creationId xmlns:a16="http://schemas.microsoft.com/office/drawing/2014/main" xmlns="" id="{32C8C822-29E7-43E2-BF54-406350402DA3}"/>
+                <a16:creationId xmlns="" xmlns:a16="http://schemas.microsoft.com/office/drawing/2014/main" id="{32C8C822-29E7-43E2-BF54-406350402DA3}"/>
               </a:ext>
             </a:extLst>
           </p:cNvPr>
@@ -1937,7 +1942,7 @@
           <p:cNvPr id="2" name="Title 1">
             <a:extLst>
               <a:ext uri="{FF2B5EF4-FFF2-40B4-BE49-F238E27FC236}">
-                <a16:creationId xmlns:a16="http://schemas.microsoft.com/office/drawing/2014/main" xmlns="" id="{C2D2C844-30A7-4080-8B4F-3392EBE08434}"/>
+                <a16:creationId xmlns="" xmlns:a16="http://schemas.microsoft.com/office/drawing/2014/main" id="{C2D2C844-30A7-4080-8B4F-3392EBE08434}"/>
               </a:ext>
             </a:extLst>
           </p:cNvPr>
@@ -1965,7 +1970,7 @@
           <p:cNvPr id="3" name="Date Placeholder 2">
             <a:extLst>
               <a:ext uri="{FF2B5EF4-FFF2-40B4-BE49-F238E27FC236}">
-                <a16:creationId xmlns:a16="http://schemas.microsoft.com/office/drawing/2014/main" xmlns="" id="{1EDC5E67-C25C-4ADE-9CE5-DFED1C5B8299}"/>
+                <a16:creationId xmlns="" xmlns:a16="http://schemas.microsoft.com/office/drawing/2014/main" id="{1EDC5E67-C25C-4ADE-9CE5-DFED1C5B8299}"/>
               </a:ext>
             </a:extLst>
           </p:cNvPr>
@@ -1983,7 +1988,7 @@
           <a:p>
             <a:fld id="{851AEE95-2569-4C43-9BD1-B77EE05EAFB8}" type="datetimeFigureOut">
               <a:rPr lang="en-US" smtClean="0"/>
-              <a:t>1/11/2021</a:t>
+              <a:t>1/13/2021</a:t>
             </a:fld>
             <a:endParaRPr lang="en-US"/>
           </a:p>
@@ -1994,7 +1999,7 @@
           <p:cNvPr id="4" name="Footer Placeholder 3">
             <a:extLst>
               <a:ext uri="{FF2B5EF4-FFF2-40B4-BE49-F238E27FC236}">
-                <a16:creationId xmlns:a16="http://schemas.microsoft.com/office/drawing/2014/main" xmlns="" id="{FAA24DD6-0D58-4453-90AE-A254C2417D25}"/>
+                <a16:creationId xmlns="" xmlns:a16="http://schemas.microsoft.com/office/drawing/2014/main" id="{FAA24DD6-0D58-4453-90AE-A254C2417D25}"/>
               </a:ext>
             </a:extLst>
           </p:cNvPr>
@@ -2019,7 +2024,7 @@
           <p:cNvPr id="5" name="Slide Number Placeholder 4">
             <a:extLst>
               <a:ext uri="{FF2B5EF4-FFF2-40B4-BE49-F238E27FC236}">
-                <a16:creationId xmlns:a16="http://schemas.microsoft.com/office/drawing/2014/main" xmlns="" id="{79D0054B-8E41-4FD4-B888-27EBBB98826B}"/>
+                <a16:creationId xmlns="" xmlns:a16="http://schemas.microsoft.com/office/drawing/2014/main" id="{79D0054B-8E41-4FD4-B888-27EBBB98826B}"/>
               </a:ext>
             </a:extLst>
           </p:cNvPr>
@@ -2078,7 +2083,7 @@
           <p:cNvPr id="2" name="Date Placeholder 1">
             <a:extLst>
               <a:ext uri="{FF2B5EF4-FFF2-40B4-BE49-F238E27FC236}">
-                <a16:creationId xmlns:a16="http://schemas.microsoft.com/office/drawing/2014/main" xmlns="" id="{91803B2D-DBE1-4A99-83DA-ED67EAC41501}"/>
+                <a16:creationId xmlns="" xmlns:a16="http://schemas.microsoft.com/office/drawing/2014/main" id="{91803B2D-DBE1-4A99-83DA-ED67EAC41501}"/>
               </a:ext>
             </a:extLst>
           </p:cNvPr>
@@ -2096,7 +2101,7 @@
           <a:p>
             <a:fld id="{851AEE95-2569-4C43-9BD1-B77EE05EAFB8}" type="datetimeFigureOut">
               <a:rPr lang="en-US" smtClean="0"/>
-              <a:t>1/11/2021</a:t>
+              <a:t>1/13/2021</a:t>
             </a:fld>
             <a:endParaRPr lang="en-US"/>
           </a:p>
@@ -2107,7 +2112,7 @@
           <p:cNvPr id="3" name="Footer Placeholder 2">
             <a:extLst>
               <a:ext uri="{FF2B5EF4-FFF2-40B4-BE49-F238E27FC236}">
-                <a16:creationId xmlns:a16="http://schemas.microsoft.com/office/drawing/2014/main" xmlns="" id="{E26E4841-9D6B-4AB4-8804-10887325B933}"/>
+                <a16:creationId xmlns="" xmlns:a16="http://schemas.microsoft.com/office/drawing/2014/main" id="{E26E4841-9D6B-4AB4-8804-10887325B933}"/>
               </a:ext>
             </a:extLst>
           </p:cNvPr>
@@ -2132,7 +2137,7 @@
           <p:cNvPr id="4" name="Slide Number Placeholder 3">
             <a:extLst>
               <a:ext uri="{FF2B5EF4-FFF2-40B4-BE49-F238E27FC236}">
-                <a16:creationId xmlns:a16="http://schemas.microsoft.com/office/drawing/2014/main" xmlns="" id="{0DA365B6-7102-4EB1-BEA5-E495079F7769}"/>
+                <a16:creationId xmlns="" xmlns:a16="http://schemas.microsoft.com/office/drawing/2014/main" id="{0DA365B6-7102-4EB1-BEA5-E495079F7769}"/>
               </a:ext>
             </a:extLst>
           </p:cNvPr>
@@ -2191,7 +2196,7 @@
           <p:cNvPr id="2" name="Title 1">
             <a:extLst>
               <a:ext uri="{FF2B5EF4-FFF2-40B4-BE49-F238E27FC236}">
-                <a16:creationId xmlns:a16="http://schemas.microsoft.com/office/drawing/2014/main" xmlns="" id="{33CC50AE-60D2-4E0A-817D-B35289ED8AB2}"/>
+                <a16:creationId xmlns="" xmlns:a16="http://schemas.microsoft.com/office/drawing/2014/main" id="{33CC50AE-60D2-4E0A-817D-B35289ED8AB2}"/>
               </a:ext>
             </a:extLst>
           </p:cNvPr>
@@ -2228,7 +2233,7 @@
           <p:cNvPr id="3" name="Content Placeholder 2">
             <a:extLst>
               <a:ext uri="{FF2B5EF4-FFF2-40B4-BE49-F238E27FC236}">
-                <a16:creationId xmlns:a16="http://schemas.microsoft.com/office/drawing/2014/main" xmlns="" id="{AC50B48C-28AF-4196-AD35-A5FC5768D566}"/>
+                <a16:creationId xmlns="" xmlns:a16="http://schemas.microsoft.com/office/drawing/2014/main" id="{AC50B48C-28AF-4196-AD35-A5FC5768D566}"/>
               </a:ext>
             </a:extLst>
           </p:cNvPr>
@@ -2318,7 +2323,7 @@
           <p:cNvPr id="4" name="Text Placeholder 3">
             <a:extLst>
               <a:ext uri="{FF2B5EF4-FFF2-40B4-BE49-F238E27FC236}">
-                <a16:creationId xmlns:a16="http://schemas.microsoft.com/office/drawing/2014/main" xmlns="" id="{AA44DA92-1B2F-49DB-97E6-C7527BB6E16D}"/>
+                <a16:creationId xmlns="" xmlns:a16="http://schemas.microsoft.com/office/drawing/2014/main" id="{AA44DA92-1B2F-49DB-97E6-C7527BB6E16D}"/>
               </a:ext>
             </a:extLst>
           </p:cNvPr>
@@ -2389,7 +2394,7 @@
           <p:cNvPr id="5" name="Date Placeholder 4">
             <a:extLst>
               <a:ext uri="{FF2B5EF4-FFF2-40B4-BE49-F238E27FC236}">
-                <a16:creationId xmlns:a16="http://schemas.microsoft.com/office/drawing/2014/main" xmlns="" id="{0C372378-8A9A-4743-B9B5-D37F937B30A2}"/>
+                <a16:creationId xmlns="" xmlns:a16="http://schemas.microsoft.com/office/drawing/2014/main" id="{0C372378-8A9A-4743-B9B5-D37F937B30A2}"/>
               </a:ext>
             </a:extLst>
           </p:cNvPr>
@@ -2407,7 +2412,7 @@
           <a:p>
             <a:fld id="{851AEE95-2569-4C43-9BD1-B77EE05EAFB8}" type="datetimeFigureOut">
               <a:rPr lang="en-US" smtClean="0"/>
-              <a:t>1/11/2021</a:t>
+              <a:t>1/13/2021</a:t>
             </a:fld>
             <a:endParaRPr lang="en-US"/>
           </a:p>
@@ -2418,7 +2423,7 @@
           <p:cNvPr id="6" name="Footer Placeholder 5">
             <a:extLst>
               <a:ext uri="{FF2B5EF4-FFF2-40B4-BE49-F238E27FC236}">
-                <a16:creationId xmlns:a16="http://schemas.microsoft.com/office/drawing/2014/main" xmlns="" id="{BEA62CD4-C8D2-4FFA-8E26-363939C821EB}"/>
+                <a16:creationId xmlns="" xmlns:a16="http://schemas.microsoft.com/office/drawing/2014/main" id="{BEA62CD4-C8D2-4FFA-8E26-363939C821EB}"/>
               </a:ext>
             </a:extLst>
           </p:cNvPr>
@@ -2443,7 +2448,7 @@
           <p:cNvPr id="7" name="Slide Number Placeholder 6">
             <a:extLst>
               <a:ext uri="{FF2B5EF4-FFF2-40B4-BE49-F238E27FC236}">
-                <a16:creationId xmlns:a16="http://schemas.microsoft.com/office/drawing/2014/main" xmlns="" id="{54D64F31-1FCC-4C28-9744-A7F3670F45A6}"/>
+                <a16:creationId xmlns="" xmlns:a16="http://schemas.microsoft.com/office/drawing/2014/main" id="{54D64F31-1FCC-4C28-9744-A7F3670F45A6}"/>
               </a:ext>
             </a:extLst>
           </p:cNvPr>
@@ -2502,7 +2507,7 @@
           <p:cNvPr id="2" name="Title 1">
             <a:extLst>
               <a:ext uri="{FF2B5EF4-FFF2-40B4-BE49-F238E27FC236}">
-                <a16:creationId xmlns:a16="http://schemas.microsoft.com/office/drawing/2014/main" xmlns="" id="{B24E4D75-6E3E-4263-AA63-1EF0D6B0CCC5}"/>
+                <a16:creationId xmlns="" xmlns:a16="http://schemas.microsoft.com/office/drawing/2014/main" id="{B24E4D75-6E3E-4263-AA63-1EF0D6B0CCC5}"/>
               </a:ext>
             </a:extLst>
           </p:cNvPr>
@@ -2539,7 +2544,7 @@
           <p:cNvPr id="3" name="Picture Placeholder 2">
             <a:extLst>
               <a:ext uri="{FF2B5EF4-FFF2-40B4-BE49-F238E27FC236}">
-                <a16:creationId xmlns:a16="http://schemas.microsoft.com/office/drawing/2014/main" xmlns="" id="{1A91D5BF-B85E-4853-B600-048FC4B2F0A4}"/>
+                <a16:creationId xmlns="" xmlns:a16="http://schemas.microsoft.com/office/drawing/2014/main" id="{1A91D5BF-B85E-4853-B600-048FC4B2F0A4}"/>
               </a:ext>
             </a:extLst>
           </p:cNvPr>
@@ -2606,7 +2611,7 @@
           <p:cNvPr id="4" name="Text Placeholder 3">
             <a:extLst>
               <a:ext uri="{FF2B5EF4-FFF2-40B4-BE49-F238E27FC236}">
-                <a16:creationId xmlns:a16="http://schemas.microsoft.com/office/drawing/2014/main" xmlns="" id="{2041D79E-753D-4BF0-AD30-511EE5C52127}"/>
+                <a16:creationId xmlns="" xmlns:a16="http://schemas.microsoft.com/office/drawing/2014/main" id="{2041D79E-753D-4BF0-AD30-511EE5C52127}"/>
               </a:ext>
             </a:extLst>
           </p:cNvPr>
@@ -2677,7 +2682,7 @@
           <p:cNvPr id="5" name="Date Placeholder 4">
             <a:extLst>
               <a:ext uri="{FF2B5EF4-FFF2-40B4-BE49-F238E27FC236}">
-                <a16:creationId xmlns:a16="http://schemas.microsoft.com/office/drawing/2014/main" xmlns="" id="{14341DD3-67FC-464D-A0DD-ECD4C34D4F00}"/>
+                <a16:creationId xmlns="" xmlns:a16="http://schemas.microsoft.com/office/drawing/2014/main" id="{14341DD3-67FC-464D-A0DD-ECD4C34D4F00}"/>
               </a:ext>
             </a:extLst>
           </p:cNvPr>
@@ -2695,7 +2700,7 @@
           <a:p>
             <a:fld id="{851AEE95-2569-4C43-9BD1-B77EE05EAFB8}" type="datetimeFigureOut">
               <a:rPr lang="en-US" smtClean="0"/>
-              <a:t>1/11/2021</a:t>
+              <a:t>1/13/2021</a:t>
             </a:fld>
             <a:endParaRPr lang="en-US"/>
           </a:p>
@@ -2706,7 +2711,7 @@
           <p:cNvPr id="6" name="Footer Placeholder 5">
             <a:extLst>
               <a:ext uri="{FF2B5EF4-FFF2-40B4-BE49-F238E27FC236}">
-                <a16:creationId xmlns:a16="http://schemas.microsoft.com/office/drawing/2014/main" xmlns="" id="{E29EBDB0-254E-47C1-BC7C-5E8318B57FE8}"/>
+                <a16:creationId xmlns="" xmlns:a16="http://schemas.microsoft.com/office/drawing/2014/main" id="{E29EBDB0-254E-47C1-BC7C-5E8318B57FE8}"/>
               </a:ext>
             </a:extLst>
           </p:cNvPr>
@@ -2731,7 +2736,7 @@
           <p:cNvPr id="7" name="Slide Number Placeholder 6">
             <a:extLst>
               <a:ext uri="{FF2B5EF4-FFF2-40B4-BE49-F238E27FC236}">
-                <a16:creationId xmlns:a16="http://schemas.microsoft.com/office/drawing/2014/main" xmlns="" id="{C75F04FB-52DE-4C28-8DFD-42F93303A96A}"/>
+                <a16:creationId xmlns="" xmlns:a16="http://schemas.microsoft.com/office/drawing/2014/main" id="{C75F04FB-52DE-4C28-8DFD-42F93303A96A}"/>
               </a:ext>
             </a:extLst>
           </p:cNvPr>
@@ -2795,7 +2800,7 @@
           <p:cNvPr id="2" name="Title Placeholder 1">
             <a:extLst>
               <a:ext uri="{FF2B5EF4-FFF2-40B4-BE49-F238E27FC236}">
-                <a16:creationId xmlns:a16="http://schemas.microsoft.com/office/drawing/2014/main" xmlns="" id="{D25BF6FD-3DAC-4C5A-A93C-A83C4981516E}"/>
+                <a16:creationId xmlns="" xmlns:a16="http://schemas.microsoft.com/office/drawing/2014/main" id="{D25BF6FD-3DAC-4C5A-A93C-A83C4981516E}"/>
               </a:ext>
             </a:extLst>
           </p:cNvPr>
@@ -2833,7 +2838,7 @@
           <p:cNvPr id="3" name="Text Placeholder 2">
             <a:extLst>
               <a:ext uri="{FF2B5EF4-FFF2-40B4-BE49-F238E27FC236}">
-                <a16:creationId xmlns:a16="http://schemas.microsoft.com/office/drawing/2014/main" xmlns="" id="{A2646C98-22A4-4CCF-962E-6678DB707F94}"/>
+                <a16:creationId xmlns="" xmlns:a16="http://schemas.microsoft.com/office/drawing/2014/main" id="{A2646C98-22A4-4CCF-962E-6678DB707F94}"/>
               </a:ext>
             </a:extLst>
           </p:cNvPr>
@@ -2900,7 +2905,7 @@
           <p:cNvPr id="4" name="Date Placeholder 3">
             <a:extLst>
               <a:ext uri="{FF2B5EF4-FFF2-40B4-BE49-F238E27FC236}">
-                <a16:creationId xmlns:a16="http://schemas.microsoft.com/office/drawing/2014/main" xmlns="" id="{26711597-2F2B-4663-B85F-6301103CB7C0}"/>
+                <a16:creationId xmlns="" xmlns:a16="http://schemas.microsoft.com/office/drawing/2014/main" id="{26711597-2F2B-4663-B85F-6301103CB7C0}"/>
               </a:ext>
             </a:extLst>
           </p:cNvPr>
@@ -2936,7 +2941,7 @@
           <a:p>
             <a:fld id="{851AEE95-2569-4C43-9BD1-B77EE05EAFB8}" type="datetimeFigureOut">
               <a:rPr lang="en-US" smtClean="0"/>
-              <a:t>1/11/2021</a:t>
+              <a:t>1/13/2021</a:t>
             </a:fld>
             <a:endParaRPr lang="en-US"/>
           </a:p>
@@ -2947,7 +2952,7 @@
           <p:cNvPr id="5" name="Footer Placeholder 4">
             <a:extLst>
               <a:ext uri="{FF2B5EF4-FFF2-40B4-BE49-F238E27FC236}">
-                <a16:creationId xmlns:a16="http://schemas.microsoft.com/office/drawing/2014/main" xmlns="" id="{31D8BA64-E5A1-4696-9E19-A3BA3EA85928}"/>
+                <a16:creationId xmlns="" xmlns:a16="http://schemas.microsoft.com/office/drawing/2014/main" id="{31D8BA64-E5A1-4696-9E19-A3BA3EA85928}"/>
               </a:ext>
             </a:extLst>
           </p:cNvPr>
@@ -2990,7 +2995,7 @@
           <p:cNvPr id="6" name="Slide Number Placeholder 5">
             <a:extLst>
               <a:ext uri="{FF2B5EF4-FFF2-40B4-BE49-F238E27FC236}">
-                <a16:creationId xmlns:a16="http://schemas.microsoft.com/office/drawing/2014/main" xmlns="" id="{AFF95F3E-43EA-43F9-9A42-1F1AFB84B6B1}"/>
+                <a16:creationId xmlns="" xmlns:a16="http://schemas.microsoft.com/office/drawing/2014/main" id="{AFF95F3E-43EA-43F9-9A42-1F1AFB84B6B1}"/>
               </a:ext>
             </a:extLst>
           </p:cNvPr>
@@ -3427,7 +3432,7 @@
       </p:grpSpPr>
       <p:pic>
         <p:nvPicPr>
-          <p:cNvPr id="7170" name="Picture 2"/>
+          <p:cNvPr id="2050" name="Picture 2"/>
           <p:cNvPicPr>
             <a:picLocks noChangeAspect="1" noChangeArrowheads="1"/>
           </p:cNvPicPr>
@@ -3448,8 +3453,8 @@
         </p:blipFill>
         <p:spPr bwMode="auto">
           <a:xfrm>
-            <a:off x="593434" y="182588"/>
-            <a:ext cx="11005132" cy="6492825"/>
+            <a:off x="145771" y="47335"/>
+            <a:ext cx="11873949" cy="6777493"/>
           </a:xfrm>
           <a:prstGeom prst="rect">
             <a:avLst/>
@@ -3482,6 +3487,342 @@
     </p:spTree>
     <p:extLst>
       <p:ext uri="{BB962C8B-B14F-4D97-AF65-F5344CB8AC3E}">
+        <p14:creationId xmlns:p14="http://schemas.microsoft.com/office/powerpoint/2010/main" val="3963758844"/>
+      </p:ext>
+    </p:extLst>
+  </p:cSld>
+  <p:clrMapOvr>
+    <a:masterClrMapping/>
+  </p:clrMapOvr>
+</p:sld>
+</file>
+
+<file path=ppt/slides/slide11.xml><?xml version="1.0" encoding="utf-8"?>
+<p:sld xmlns:a="http://schemas.openxmlformats.org/drawingml/2006/main" xmlns:r="http://schemas.openxmlformats.org/officeDocument/2006/relationships" xmlns:p="http://schemas.openxmlformats.org/presentationml/2006/main">
+  <p:cSld>
+    <p:spTree>
+      <p:nvGrpSpPr>
+        <p:cNvPr id="1" name=""/>
+        <p:cNvGrpSpPr/>
+        <p:nvPr/>
+      </p:nvGrpSpPr>
+      <p:grpSpPr>
+        <a:xfrm>
+          <a:off x="0" y="0"/>
+          <a:ext cx="0" cy="0"/>
+          <a:chOff x="0" y="0"/>
+          <a:chExt cx="0" cy="0"/>
+        </a:xfrm>
+      </p:grpSpPr>
+      <p:pic>
+        <p:nvPicPr>
+          <p:cNvPr id="1026" name="Picture 2"/>
+          <p:cNvPicPr>
+            <a:picLocks noChangeAspect="1" noChangeArrowheads="1"/>
+          </p:cNvPicPr>
+          <p:nvPr/>
+        </p:nvPicPr>
+        <p:blipFill>
+          <a:blip r:embed="rId2">
+            <a:extLst>
+              <a:ext uri="{28A0092B-C50C-407E-A947-70E740481C1C}">
+                <a14:useLocalDpi xmlns:a14="http://schemas.microsoft.com/office/drawing/2010/main" val="0"/>
+              </a:ext>
+            </a:extLst>
+          </a:blip>
+          <a:srcRect/>
+          <a:stretch>
+            <a:fillRect/>
+          </a:stretch>
+        </p:blipFill>
+        <p:spPr bwMode="auto">
+          <a:xfrm>
+            <a:off x="1723770" y="26504"/>
+            <a:ext cx="8559915" cy="6794062"/>
+          </a:xfrm>
+          <a:prstGeom prst="rect">
+            <a:avLst/>
+          </a:prstGeom>
+          <a:noFill/>
+          <a:ln>
+            <a:noFill/>
+          </a:ln>
+          <a:extLst>
+            <a:ext uri="{909E8E84-426E-40DD-AFC4-6F175D3DCCD1}">
+              <a14:hiddenFill xmlns:a14="http://schemas.microsoft.com/office/drawing/2010/main">
+                <a:solidFill>
+                  <a:schemeClr val="accent1"/>
+                </a:solidFill>
+              </a14:hiddenFill>
+            </a:ext>
+            <a:ext uri="{91240B29-F687-4F45-9708-019B960494DF}">
+              <a14:hiddenLine xmlns:a14="http://schemas.microsoft.com/office/drawing/2010/main" w="9525">
+                <a:solidFill>
+                  <a:schemeClr val="tx1"/>
+                </a:solidFill>
+                <a:miter lim="800000"/>
+                <a:headEnd/>
+                <a:tailEnd/>
+              </a14:hiddenLine>
+            </a:ext>
+          </a:extLst>
+        </p:spPr>
+      </p:pic>
+    </p:spTree>
+    <p:extLst>
+      <p:ext uri="{BB962C8B-B14F-4D97-AF65-F5344CB8AC3E}">
+        <p14:creationId xmlns:p14="http://schemas.microsoft.com/office/powerpoint/2010/main" val="94544922"/>
+      </p:ext>
+    </p:extLst>
+  </p:cSld>
+  <p:clrMapOvr>
+    <a:masterClrMapping/>
+  </p:clrMapOvr>
+</p:sld>
+</file>
+
+<file path=ppt/slides/slide12.xml><?xml version="1.0" encoding="utf-8"?>
+<p:sld xmlns:a="http://schemas.openxmlformats.org/drawingml/2006/main" xmlns:r="http://schemas.openxmlformats.org/officeDocument/2006/relationships" xmlns:p="http://schemas.openxmlformats.org/presentationml/2006/main">
+  <p:cSld>
+    <p:spTree>
+      <p:nvGrpSpPr>
+        <p:cNvPr id="1" name=""/>
+        <p:cNvGrpSpPr/>
+        <p:nvPr/>
+      </p:nvGrpSpPr>
+      <p:grpSpPr>
+        <a:xfrm>
+          <a:off x="0" y="0"/>
+          <a:ext cx="0" cy="0"/>
+          <a:chOff x="0" y="0"/>
+          <a:chExt cx="0" cy="0"/>
+        </a:xfrm>
+      </p:grpSpPr>
+      <p:pic>
+        <p:nvPicPr>
+          <p:cNvPr id="4098" name="Picture 2"/>
+          <p:cNvPicPr>
+            <a:picLocks noChangeAspect="1" noChangeArrowheads="1"/>
+          </p:cNvPicPr>
+          <p:nvPr/>
+        </p:nvPicPr>
+        <p:blipFill>
+          <a:blip r:embed="rId2">
+            <a:extLst>
+              <a:ext uri="{28A0092B-C50C-407E-A947-70E740481C1C}">
+                <a14:useLocalDpi xmlns:a14="http://schemas.microsoft.com/office/drawing/2010/main" val="0"/>
+              </a:ext>
+            </a:extLst>
+          </a:blip>
+          <a:srcRect/>
+          <a:stretch>
+            <a:fillRect/>
+          </a:stretch>
+        </p:blipFill>
+        <p:spPr bwMode="auto">
+          <a:xfrm>
+            <a:off x="68240" y="411608"/>
+            <a:ext cx="11995288" cy="5502759"/>
+          </a:xfrm>
+          <a:prstGeom prst="rect">
+            <a:avLst/>
+          </a:prstGeom>
+          <a:noFill/>
+          <a:ln>
+            <a:noFill/>
+          </a:ln>
+          <a:extLst>
+            <a:ext uri="{909E8E84-426E-40DD-AFC4-6F175D3DCCD1}">
+              <a14:hiddenFill xmlns:a14="http://schemas.microsoft.com/office/drawing/2010/main">
+                <a:solidFill>
+                  <a:schemeClr val="accent1"/>
+                </a:solidFill>
+              </a14:hiddenFill>
+            </a:ext>
+            <a:ext uri="{91240B29-F687-4F45-9708-019B960494DF}">
+              <a14:hiddenLine xmlns:a14="http://schemas.microsoft.com/office/drawing/2010/main" w="9525">
+                <a:solidFill>
+                  <a:schemeClr val="tx1"/>
+                </a:solidFill>
+                <a:miter lim="800000"/>
+                <a:headEnd/>
+                <a:tailEnd/>
+              </a14:hiddenLine>
+            </a:ext>
+          </a:extLst>
+        </p:spPr>
+      </p:pic>
+    </p:spTree>
+    <p:extLst>
+      <p:ext uri="{BB962C8B-B14F-4D97-AF65-F5344CB8AC3E}">
+        <p14:creationId xmlns:p14="http://schemas.microsoft.com/office/powerpoint/2010/main" val="4170496742"/>
+      </p:ext>
+    </p:extLst>
+  </p:cSld>
+  <p:clrMapOvr>
+    <a:masterClrMapping/>
+  </p:clrMapOvr>
+</p:sld>
+</file>
+
+<file path=ppt/slides/slide13.xml><?xml version="1.0" encoding="utf-8"?>
+<p:sld xmlns:a="http://schemas.openxmlformats.org/drawingml/2006/main" xmlns:r="http://schemas.openxmlformats.org/officeDocument/2006/relationships" xmlns:p="http://schemas.openxmlformats.org/presentationml/2006/main">
+  <p:cSld>
+    <p:spTree>
+      <p:nvGrpSpPr>
+        <p:cNvPr id="1" name=""/>
+        <p:cNvGrpSpPr/>
+        <p:nvPr/>
+      </p:nvGrpSpPr>
+      <p:grpSpPr>
+        <a:xfrm>
+          <a:off x="0" y="0"/>
+          <a:ext cx="0" cy="0"/>
+          <a:chOff x="0" y="0"/>
+          <a:chExt cx="0" cy="0"/>
+        </a:xfrm>
+      </p:grpSpPr>
+      <p:pic>
+        <p:nvPicPr>
+          <p:cNvPr id="5122" name="Picture 2"/>
+          <p:cNvPicPr>
+            <a:picLocks noChangeAspect="1" noChangeArrowheads="1"/>
+          </p:cNvPicPr>
+          <p:nvPr/>
+        </p:nvPicPr>
+        <p:blipFill>
+          <a:blip r:embed="rId2">
+            <a:extLst>
+              <a:ext uri="{28A0092B-C50C-407E-A947-70E740481C1C}">
+                <a14:useLocalDpi xmlns:a14="http://schemas.microsoft.com/office/drawing/2010/main" val="0"/>
+              </a:ext>
+            </a:extLst>
+          </a:blip>
+          <a:srcRect/>
+          <a:stretch>
+            <a:fillRect/>
+          </a:stretch>
+        </p:blipFill>
+        <p:spPr bwMode="auto">
+          <a:xfrm>
+            <a:off x="297924" y="719383"/>
+            <a:ext cx="11594565" cy="5445738"/>
+          </a:xfrm>
+          <a:prstGeom prst="rect">
+            <a:avLst/>
+          </a:prstGeom>
+          <a:noFill/>
+          <a:ln>
+            <a:noFill/>
+          </a:ln>
+          <a:extLst>
+            <a:ext uri="{909E8E84-426E-40DD-AFC4-6F175D3DCCD1}">
+              <a14:hiddenFill xmlns:a14="http://schemas.microsoft.com/office/drawing/2010/main">
+                <a:solidFill>
+                  <a:schemeClr val="accent1"/>
+                </a:solidFill>
+              </a14:hiddenFill>
+            </a:ext>
+            <a:ext uri="{91240B29-F687-4F45-9708-019B960494DF}">
+              <a14:hiddenLine xmlns:a14="http://schemas.microsoft.com/office/drawing/2010/main" w="9525">
+                <a:solidFill>
+                  <a:schemeClr val="tx1"/>
+                </a:solidFill>
+                <a:miter lim="800000"/>
+                <a:headEnd/>
+                <a:tailEnd/>
+              </a14:hiddenLine>
+            </a:ext>
+          </a:extLst>
+        </p:spPr>
+      </p:pic>
+    </p:spTree>
+    <p:extLst>
+      <p:ext uri="{BB962C8B-B14F-4D97-AF65-F5344CB8AC3E}">
+        <p14:creationId xmlns:p14="http://schemas.microsoft.com/office/powerpoint/2010/main" val="1499877092"/>
+      </p:ext>
+    </p:extLst>
+  </p:cSld>
+  <p:clrMapOvr>
+    <a:masterClrMapping/>
+  </p:clrMapOvr>
+</p:sld>
+</file>
+
+<file path=ppt/slides/slide14.xml><?xml version="1.0" encoding="utf-8"?>
+<p:sld xmlns:a="http://schemas.openxmlformats.org/drawingml/2006/main" xmlns:r="http://schemas.openxmlformats.org/officeDocument/2006/relationships" xmlns:p="http://schemas.openxmlformats.org/presentationml/2006/main">
+  <p:cSld>
+    <p:spTree>
+      <p:nvGrpSpPr>
+        <p:cNvPr id="1" name=""/>
+        <p:cNvGrpSpPr/>
+        <p:nvPr/>
+      </p:nvGrpSpPr>
+      <p:grpSpPr>
+        <a:xfrm>
+          <a:off x="0" y="0"/>
+          <a:ext cx="0" cy="0"/>
+          <a:chOff x="0" y="0"/>
+          <a:chExt cx="0" cy="0"/>
+        </a:xfrm>
+      </p:grpSpPr>
+      <p:pic>
+        <p:nvPicPr>
+          <p:cNvPr id="7170" name="Picture 2"/>
+          <p:cNvPicPr>
+            <a:picLocks noChangeAspect="1" noChangeArrowheads="1"/>
+          </p:cNvPicPr>
+          <p:nvPr/>
+        </p:nvPicPr>
+        <p:blipFill>
+          <a:blip r:embed="rId2">
+            <a:extLst>
+              <a:ext uri="{28A0092B-C50C-407E-A947-70E740481C1C}">
+                <a14:useLocalDpi xmlns:a14="http://schemas.microsoft.com/office/drawing/2010/main" val="0"/>
+              </a:ext>
+            </a:extLst>
+          </a:blip>
+          <a:srcRect/>
+          <a:stretch>
+            <a:fillRect/>
+          </a:stretch>
+        </p:blipFill>
+        <p:spPr bwMode="auto">
+          <a:xfrm>
+            <a:off x="593434" y="182588"/>
+            <a:ext cx="11005132" cy="6492825"/>
+          </a:xfrm>
+          <a:prstGeom prst="rect">
+            <a:avLst/>
+          </a:prstGeom>
+          <a:noFill/>
+          <a:ln>
+            <a:noFill/>
+          </a:ln>
+          <a:extLst>
+            <a:ext uri="{909E8E84-426E-40DD-AFC4-6F175D3DCCD1}">
+              <a14:hiddenFill xmlns:a14="http://schemas.microsoft.com/office/drawing/2010/main">
+                <a:solidFill>
+                  <a:schemeClr val="accent1"/>
+                </a:solidFill>
+              </a14:hiddenFill>
+            </a:ext>
+            <a:ext uri="{91240B29-F687-4F45-9708-019B960494DF}">
+              <a14:hiddenLine xmlns:a14="http://schemas.microsoft.com/office/drawing/2010/main" w="9525">
+                <a:solidFill>
+                  <a:schemeClr val="tx1"/>
+                </a:solidFill>
+                <a:miter lim="800000"/>
+                <a:headEnd/>
+                <a:tailEnd/>
+              </a14:hiddenLine>
+            </a:ext>
+          </a:extLst>
+        </p:spPr>
+      </p:pic>
+    </p:spTree>
+    <p:extLst>
+      <p:ext uri="{BB962C8B-B14F-4D97-AF65-F5344CB8AC3E}">
         <p14:creationId xmlns:p14="http://schemas.microsoft.com/office/powerpoint/2010/main" val="3852438159"/>
       </p:ext>
     </p:extLst>
@@ -3492,7 +3833,7 @@
 </p:sld>
 </file>
 
-<file path=ppt/slides/slide11.xml><?xml version="1.0" encoding="utf-8"?>
+<file path=ppt/slides/slide15.xml><?xml version="1.0" encoding="utf-8"?>
 <p:sld xmlns:a="http://schemas.openxmlformats.org/drawingml/2006/main" xmlns:r="http://schemas.openxmlformats.org/officeDocument/2006/relationships" xmlns:p="http://schemas.openxmlformats.org/presentationml/2006/main">
   <p:cSld>
     <p:spTree>
@@ -3701,7 +4042,7 @@
 </p:sld>
 </file>
 
-<file path=ppt/slides/slide12.xml><?xml version="1.0" encoding="utf-8"?>
+<file path=ppt/slides/slide16.xml><?xml version="1.0" encoding="utf-8"?>
 <p:sld xmlns:a="http://schemas.openxmlformats.org/drawingml/2006/main" xmlns:r="http://schemas.openxmlformats.org/officeDocument/2006/relationships" xmlns:p="http://schemas.openxmlformats.org/presentationml/2006/main">
   <p:cSld>
     <p:spTree>
@@ -4003,7 +4344,7 @@
 </p:sld>
 </file>
 
-<file path=ppt/slides/slide13.xml><?xml version="1.0" encoding="utf-8"?>
+<file path=ppt/slides/slide17.xml><?xml version="1.0" encoding="utf-8"?>
 <p:sld xmlns:a="http://schemas.openxmlformats.org/drawingml/2006/main" xmlns:r="http://schemas.openxmlformats.org/officeDocument/2006/relationships" xmlns:p="http://schemas.openxmlformats.org/presentationml/2006/main">
   <p:cSld>
     <p:spTree>
@@ -4277,7 +4618,7 @@
 </p:sld>
 </file>
 
-<file path=ppt/slides/slide14.xml><?xml version="1.0" encoding="utf-8"?>
+<file path=ppt/slides/slide18.xml><?xml version="1.0" encoding="utf-8"?>
 <p:sld xmlns:a="http://schemas.openxmlformats.org/drawingml/2006/main" xmlns:r="http://schemas.openxmlformats.org/officeDocument/2006/relationships" xmlns:p="http://schemas.openxmlformats.org/presentationml/2006/main">
   <p:cSld>
     <p:spTree>
@@ -4606,7 +4947,7 @@
 </p:sld>
 </file>
 
-<file path=ppt/slides/slide15.xml><?xml version="1.0" encoding="utf-8"?>
+<file path=ppt/slides/slide19.xml><?xml version="1.0" encoding="utf-8"?>
 <p:sld xmlns:a="http://schemas.openxmlformats.org/drawingml/2006/main" xmlns:r="http://schemas.openxmlformats.org/officeDocument/2006/relationships" xmlns:p="http://schemas.openxmlformats.org/presentationml/2006/main">
   <p:cSld>
     <p:spTree>
@@ -4972,7 +5313,112 @@
 </p:sld>
 </file>
 
-<file path=ppt/slides/slide16.xml><?xml version="1.0" encoding="utf-8"?>
+<file path=ppt/slides/slide2.xml><?xml version="1.0" encoding="utf-8"?>
+<p:sld xmlns:a="http://schemas.openxmlformats.org/drawingml/2006/main" xmlns:r="http://schemas.openxmlformats.org/officeDocument/2006/relationships" xmlns:p="http://schemas.openxmlformats.org/presentationml/2006/main">
+  <p:cSld>
+    <p:spTree>
+      <p:nvGrpSpPr>
+        <p:cNvPr id="1" name=""/>
+        <p:cNvGrpSpPr/>
+        <p:nvPr/>
+      </p:nvGrpSpPr>
+      <p:grpSpPr>
+        <a:xfrm>
+          <a:off x="0" y="0"/>
+          <a:ext cx="0" cy="0"/>
+          <a:chOff x="0" y="0"/>
+          <a:chExt cx="0" cy="0"/>
+        </a:xfrm>
+      </p:grpSpPr>
+      <p:sp>
+        <p:nvSpPr>
+          <p:cNvPr id="2" name="标题 1"/>
+          <p:cNvSpPr>
+            <a:spLocks noGrp="1"/>
+          </p:cNvSpPr>
+          <p:nvPr>
+            <p:ph type="title"/>
+          </p:nvPr>
+        </p:nvSpPr>
+        <p:spPr/>
+        <p:txBody>
+          <a:bodyPr/>
+          <a:lstStyle/>
+          <a:p>
+            <a:r>
+              <a:rPr lang="en-US" altLang="zh-CN" dirty="0" smtClean="0"/>
+              <a:t>Vision</a:t>
+            </a:r>
+            <a:endParaRPr lang="zh-CN" altLang="en-US" dirty="0"/>
+          </a:p>
+        </p:txBody>
+      </p:sp>
+      <p:sp>
+        <p:nvSpPr>
+          <p:cNvPr id="3" name="内容占位符 2"/>
+          <p:cNvSpPr>
+            <a:spLocks noGrp="1"/>
+          </p:cNvSpPr>
+          <p:nvPr>
+            <p:ph idx="1"/>
+          </p:nvPr>
+        </p:nvSpPr>
+        <p:spPr/>
+        <p:txBody>
+          <a:bodyPr/>
+          <a:lstStyle/>
+          <a:p>
+            <a:r>
+              <a:rPr lang="en-US" altLang="zh-CN" dirty="0" smtClean="0"/>
+              <a:t>Alameda is </a:t>
+            </a:r>
+            <a:r>
+              <a:rPr lang="en-US" altLang="zh-CN" dirty="0"/>
+              <a:t>a prediction engine that foresees future resource usage of cluster from the cloud layer down to the instance level. </a:t>
+            </a:r>
+            <a:endParaRPr lang="en-US" altLang="zh-CN" dirty="0" smtClean="0"/>
+          </a:p>
+          <a:p>
+            <a:r>
+              <a:rPr lang="en-US" altLang="zh-CN" dirty="0" smtClean="0"/>
+              <a:t>We </a:t>
+            </a:r>
+            <a:r>
+              <a:rPr lang="en-US" altLang="zh-CN" dirty="0"/>
+              <a:t>use machine learning technology to provide intelligence that enables dynamic scaling and scheduling of your instances - effectively making us the “brain” of cluster resource orchestration. </a:t>
+            </a:r>
+            <a:endParaRPr lang="en-US" altLang="zh-CN" dirty="0" smtClean="0"/>
+          </a:p>
+          <a:p>
+            <a:r>
+              <a:rPr lang="en-US" altLang="zh-CN" dirty="0" smtClean="0"/>
+              <a:t>By </a:t>
+            </a:r>
+            <a:r>
+              <a:rPr lang="en-US" altLang="zh-CN" dirty="0"/>
+              <a:t>providing full foresight of resource availability, demand, health, impact and SLA, we enable cloud strategies that involve changing provisioned resources in real time.</a:t>
+            </a:r>
+            <a:endParaRPr lang="zh-CN" altLang="en-US" dirty="0"/>
+          </a:p>
+          <a:p>
+            <a:endParaRPr lang="zh-CN" altLang="en-US" dirty="0"/>
+          </a:p>
+        </p:txBody>
+      </p:sp>
+    </p:spTree>
+    <p:extLst>
+      <p:ext uri="{BB962C8B-B14F-4D97-AF65-F5344CB8AC3E}">
+        <p14:creationId xmlns:p14="http://schemas.microsoft.com/office/powerpoint/2010/main" val="2839036193"/>
+      </p:ext>
+    </p:extLst>
+  </p:cSld>
+  <p:clrMapOvr>
+    <a:masterClrMapping/>
+  </p:clrMapOvr>
+</p:sld>
+</file>
+
+<file path=ppt/slides/slide20.xml><?xml version="1.0" encoding="utf-8"?>
 <p:sld xmlns:a="http://schemas.openxmlformats.org/drawingml/2006/main" xmlns:r="http://schemas.openxmlformats.org/officeDocument/2006/relationships" xmlns:p="http://schemas.openxmlformats.org/presentationml/2006/main">
   <p:cSld>
     <p:spTree>
@@ -5343,7 +5789,7 @@
 </p:sld>
 </file>
 
-<file path=ppt/slides/slide17.xml><?xml version="1.0" encoding="utf-8"?>
+<file path=ppt/slides/slide21.xml><?xml version="1.0" encoding="utf-8"?>
 <p:sld xmlns:a="http://schemas.openxmlformats.org/drawingml/2006/main" xmlns:r="http://schemas.openxmlformats.org/officeDocument/2006/relationships" xmlns:p="http://schemas.openxmlformats.org/presentationml/2006/main">
   <p:cSld>
     <p:spTree>
@@ -5696,7 +6142,7 @@
 </p:sld>
 </file>
 
-<file path=ppt/slides/slide2.xml><?xml version="1.0" encoding="utf-8"?>
+<file path=ppt/slides/slide22.xml><?xml version="1.0" encoding="utf-8"?>
 <p:sld xmlns:a="http://schemas.openxmlformats.org/drawingml/2006/main" xmlns:r="http://schemas.openxmlformats.org/officeDocument/2006/relationships" xmlns:p="http://schemas.openxmlformats.org/presentationml/2006/main">
   <p:cSld>
     <p:spTree>
@@ -5713,77 +6159,72 @@
           <a:chExt cx="0" cy="0"/>
         </a:xfrm>
       </p:grpSpPr>
-      <p:sp>
-        <p:nvSpPr>
-          <p:cNvPr id="2" name="标题 1"/>
-          <p:cNvSpPr>
-            <a:spLocks noGrp="1"/>
-          </p:cNvSpPr>
-          <p:nvPr>
-            <p:ph type="title"/>
-          </p:nvPr>
-        </p:nvSpPr>
-        <p:spPr/>
-        <p:txBody>
-          <a:bodyPr/>
+      <p:pic>
+        <p:nvPicPr>
+          <p:cNvPr id="2050" name="Picture 2" descr="Image for post"/>
+          <p:cNvPicPr>
+            <a:picLocks noChangeAspect="1" noChangeArrowheads="1"/>
+          </p:cNvPicPr>
+          <p:nvPr/>
+        </p:nvPicPr>
+        <p:blipFill>
+          <a:blip r:embed="rId2">
+            <a:extLst>
+              <a:ext uri="{28A0092B-C50C-407E-A947-70E740481C1C}">
+                <a14:useLocalDpi xmlns:a14="http://schemas.microsoft.com/office/drawing/2010/main" val="0"/>
+              </a:ext>
+            </a:extLst>
+          </a:blip>
+          <a:srcRect/>
+          <a:stretch>
+            <a:fillRect/>
+          </a:stretch>
+        </p:blipFill>
+        <p:spPr bwMode="auto">
+          <a:xfrm>
+            <a:off x="282796" y="1071395"/>
+            <a:ext cx="11353800" cy="5200651"/>
+          </a:xfrm>
+          <a:prstGeom prst="rect">
+            <a:avLst/>
+          </a:prstGeom>
+          <a:noFill/>
+          <a:extLst>
+            <a:ext uri="{909E8E84-426E-40DD-AFC4-6F175D3DCCD1}">
+              <a14:hiddenFill xmlns:a14="http://schemas.microsoft.com/office/drawing/2010/main">
+                <a:solidFill>
+                  <a:srgbClr val="FFFFFF"/>
+                </a:solidFill>
+              </a14:hiddenFill>
+            </a:ext>
+          </a:extLst>
+        </p:spPr>
+      </p:pic>
+      <p:sp>
+        <p:nvSpPr>
+          <p:cNvPr id="2" name="矩形 1"/>
+          <p:cNvSpPr/>
+          <p:nvPr/>
+        </p:nvSpPr>
+        <p:spPr>
+          <a:xfrm>
+            <a:off x="111318" y="6157653"/>
+            <a:ext cx="12022372" cy="646331"/>
+          </a:xfrm>
+          <a:prstGeom prst="rect">
+            <a:avLst/>
+          </a:prstGeom>
+        </p:spPr>
+        <p:txBody>
+          <a:bodyPr wrap="square">
+            <a:spAutoFit/>
+          </a:bodyPr>
           <a:lstStyle/>
           <a:p>
             <a:r>
-              <a:rPr lang="en-US" altLang="zh-CN" dirty="0" smtClean="0"/>
-              <a:t>Vision</a:t>
-            </a:r>
-            <a:endParaRPr lang="zh-CN" altLang="en-US" dirty="0"/>
-          </a:p>
-        </p:txBody>
-      </p:sp>
-      <p:sp>
-        <p:nvSpPr>
-          <p:cNvPr id="3" name="内容占位符 2"/>
-          <p:cNvSpPr>
-            <a:spLocks noGrp="1"/>
-          </p:cNvSpPr>
-          <p:nvPr>
-            <p:ph idx="1"/>
-          </p:nvPr>
-        </p:nvSpPr>
-        <p:spPr/>
-        <p:txBody>
-          <a:bodyPr/>
-          <a:lstStyle/>
-          <a:p>
-            <a:r>
-              <a:rPr lang="en-US" altLang="zh-CN" dirty="0" smtClean="0"/>
-              <a:t>Alameda is </a:t>
-            </a:r>
-            <a:r>
               <a:rPr lang="en-US" altLang="zh-CN" dirty="0"/>
-              <a:t>a prediction engine that foresees future resource usage of cluster from the cloud layer down to the instance level. </a:t>
-            </a:r>
-            <a:endParaRPr lang="en-US" altLang="zh-CN" dirty="0" smtClean="0"/>
-          </a:p>
-          <a:p>
-            <a:r>
-              <a:rPr lang="en-US" altLang="zh-CN" dirty="0" smtClean="0"/>
-              <a:t>We </a:t>
-            </a:r>
-            <a:r>
-              <a:rPr lang="en-US" altLang="zh-CN" dirty="0"/>
-              <a:t>use machine learning technology to provide intelligence that enables dynamic scaling and scheduling of your instances - effectively making us the “brain” of cluster resource orchestration. </a:t>
-            </a:r>
-            <a:endParaRPr lang="en-US" altLang="zh-CN" dirty="0" smtClean="0"/>
-          </a:p>
-          <a:p>
-            <a:r>
-              <a:rPr lang="en-US" altLang="zh-CN" dirty="0" smtClean="0"/>
-              <a:t>By </a:t>
-            </a:r>
-            <a:r>
-              <a:rPr lang="en-US" altLang="zh-CN" dirty="0"/>
-              <a:t>providing full foresight of resource availability, demand, health, impact and SLA, we enable cloud strategies that involve changing provisioned resources in real time.</a:t>
-            </a:r>
-            <a:endParaRPr lang="zh-CN" altLang="en-US" dirty="0"/>
-          </a:p>
-          <a:p>
+              <a:t>https://prophetstor.medium.com/federator-ai-drastically-improves-cost-and-performance-of-kafka-running-on-kubernetes-92cea48f8887</a:t>
+            </a:r>
             <a:endParaRPr lang="zh-CN" altLang="en-US" dirty="0"/>
           </a:p>
         </p:txBody>
@@ -5791,7 +6232,7 @@
     </p:spTree>
     <p:extLst>
       <p:ext uri="{BB962C8B-B14F-4D97-AF65-F5344CB8AC3E}">
-        <p14:creationId xmlns:p14="http://schemas.microsoft.com/office/powerpoint/2010/main" val="2839036193"/>
+        <p14:creationId xmlns:p14="http://schemas.microsoft.com/office/powerpoint/2010/main" val="2801347432"/>
       </p:ext>
     </p:extLst>
   </p:cSld>
@@ -5818,6 +6259,440 @@
           <a:chExt cx="0" cy="0"/>
         </a:xfrm>
       </p:grpSpPr>
+      <p:sp>
+        <p:nvSpPr>
+          <p:cNvPr id="2" name="标题 1"/>
+          <p:cNvSpPr>
+            <a:spLocks noGrp="1"/>
+          </p:cNvSpPr>
+          <p:nvPr>
+            <p:ph type="title"/>
+          </p:nvPr>
+        </p:nvSpPr>
+        <p:spPr/>
+        <p:txBody>
+          <a:bodyPr/>
+          <a:lstStyle/>
+          <a:p>
+            <a:endParaRPr lang="zh-CN" altLang="en-US"/>
+          </a:p>
+        </p:txBody>
+      </p:sp>
+      <p:sp>
+        <p:nvSpPr>
+          <p:cNvPr id="3" name="内容占位符 2"/>
+          <p:cNvSpPr>
+            <a:spLocks noGrp="1"/>
+          </p:cNvSpPr>
+          <p:nvPr>
+            <p:ph idx="1"/>
+          </p:nvPr>
+        </p:nvSpPr>
+        <p:spPr/>
+        <p:txBody>
+          <a:bodyPr/>
+          <a:lstStyle/>
+          <a:p>
+            <a:endParaRPr lang="zh-CN" altLang="en-US"/>
+          </a:p>
+        </p:txBody>
+      </p:sp>
+      <p:pic>
+        <p:nvPicPr>
+          <p:cNvPr id="4098" name="Picture 2" descr="Image for post"/>
+          <p:cNvPicPr>
+            <a:picLocks noChangeAspect="1" noChangeArrowheads="1"/>
+          </p:cNvPicPr>
+          <p:nvPr/>
+        </p:nvPicPr>
+        <p:blipFill rotWithShape="1">
+          <a:blip r:embed="rId2">
+            <a:extLst>
+              <a:ext uri="{28A0092B-C50C-407E-A947-70E740481C1C}">
+                <a14:useLocalDpi xmlns:a14="http://schemas.microsoft.com/office/drawing/2010/main" val="0"/>
+              </a:ext>
+            </a:extLst>
+          </a:blip>
+          <a:srcRect l="19763" t="10939" r="18606" b="9008"/>
+          <a:stretch/>
+        </p:blipFill>
+        <p:spPr bwMode="auto">
+          <a:xfrm>
+            <a:off x="1144989" y="461176"/>
+            <a:ext cx="9549516" cy="6202134"/>
+          </a:xfrm>
+          <a:prstGeom prst="rect">
+            <a:avLst/>
+          </a:prstGeom>
+          <a:noFill/>
+          <a:extLst>
+            <a:ext uri="{909E8E84-426E-40DD-AFC4-6F175D3DCCD1}">
+              <a14:hiddenFill xmlns:a14="http://schemas.microsoft.com/office/drawing/2010/main">
+                <a:solidFill>
+                  <a:srgbClr val="FFFFFF"/>
+                </a:solidFill>
+              </a14:hiddenFill>
+            </a:ext>
+          </a:extLst>
+        </p:spPr>
+      </p:pic>
+    </p:spTree>
+    <p:extLst>
+      <p:ext uri="{BB962C8B-B14F-4D97-AF65-F5344CB8AC3E}">
+        <p14:creationId xmlns:p14="http://schemas.microsoft.com/office/powerpoint/2010/main" val="2082913019"/>
+      </p:ext>
+    </p:extLst>
+  </p:cSld>
+  <p:clrMapOvr>
+    <a:masterClrMapping/>
+  </p:clrMapOvr>
+</p:sld>
+</file>
+
+<file path=ppt/slides/slide4.xml><?xml version="1.0" encoding="utf-8"?>
+<p:sld xmlns:a="http://schemas.openxmlformats.org/drawingml/2006/main" xmlns:r="http://schemas.openxmlformats.org/officeDocument/2006/relationships" xmlns:p="http://schemas.openxmlformats.org/presentationml/2006/main">
+  <p:cSld>
+    <p:spTree>
+      <p:nvGrpSpPr>
+        <p:cNvPr id="1" name=""/>
+        <p:cNvGrpSpPr/>
+        <p:nvPr/>
+      </p:nvGrpSpPr>
+      <p:grpSpPr>
+        <a:xfrm>
+          <a:off x="0" y="0"/>
+          <a:ext cx="0" cy="0"/>
+          <a:chOff x="0" y="0"/>
+          <a:chExt cx="0" cy="0"/>
+        </a:xfrm>
+      </p:grpSpPr>
+      <p:sp>
+        <p:nvSpPr>
+          <p:cNvPr id="2" name="标题 1"/>
+          <p:cNvSpPr>
+            <a:spLocks noGrp="1"/>
+          </p:cNvSpPr>
+          <p:nvPr>
+            <p:ph type="title"/>
+          </p:nvPr>
+        </p:nvSpPr>
+        <p:spPr/>
+        <p:txBody>
+          <a:bodyPr/>
+          <a:lstStyle/>
+          <a:p>
+            <a:endParaRPr lang="zh-CN" altLang="en-US"/>
+          </a:p>
+        </p:txBody>
+      </p:sp>
+      <p:sp>
+        <p:nvSpPr>
+          <p:cNvPr id="3" name="内容占位符 2"/>
+          <p:cNvSpPr>
+            <a:spLocks noGrp="1"/>
+          </p:cNvSpPr>
+          <p:nvPr>
+            <p:ph idx="1"/>
+          </p:nvPr>
+        </p:nvSpPr>
+        <p:spPr/>
+        <p:txBody>
+          <a:bodyPr/>
+          <a:lstStyle/>
+          <a:p>
+            <a:endParaRPr lang="zh-CN" altLang="en-US"/>
+          </a:p>
+        </p:txBody>
+      </p:sp>
+      <p:pic>
+        <p:nvPicPr>
+          <p:cNvPr id="5122" name="Picture 2" descr="Image for post"/>
+          <p:cNvPicPr>
+            <a:picLocks noChangeAspect="1" noChangeArrowheads="1"/>
+          </p:cNvPicPr>
+          <p:nvPr/>
+        </p:nvPicPr>
+        <p:blipFill>
+          <a:blip r:embed="rId2">
+            <a:extLst>
+              <a:ext uri="{28A0092B-C50C-407E-A947-70E740481C1C}">
+                <a14:useLocalDpi xmlns:a14="http://schemas.microsoft.com/office/drawing/2010/main" val="0"/>
+              </a:ext>
+            </a:extLst>
+          </a:blip>
+          <a:srcRect/>
+          <a:stretch>
+            <a:fillRect/>
+          </a:stretch>
+        </p:blipFill>
+        <p:spPr bwMode="auto">
+          <a:xfrm>
+            <a:off x="490588" y="508194"/>
+            <a:ext cx="11351096" cy="6214634"/>
+          </a:xfrm>
+          <a:prstGeom prst="rect">
+            <a:avLst/>
+          </a:prstGeom>
+          <a:noFill/>
+          <a:extLst>
+            <a:ext uri="{909E8E84-426E-40DD-AFC4-6F175D3DCCD1}">
+              <a14:hiddenFill xmlns:a14="http://schemas.microsoft.com/office/drawing/2010/main">
+                <a:solidFill>
+                  <a:srgbClr val="FFFFFF"/>
+                </a:solidFill>
+              </a14:hiddenFill>
+            </a:ext>
+          </a:extLst>
+        </p:spPr>
+      </p:pic>
+    </p:spTree>
+    <p:extLst>
+      <p:ext uri="{BB962C8B-B14F-4D97-AF65-F5344CB8AC3E}">
+        <p14:creationId xmlns:p14="http://schemas.microsoft.com/office/powerpoint/2010/main" val="1458915818"/>
+      </p:ext>
+    </p:extLst>
+  </p:cSld>
+  <p:clrMapOvr>
+    <a:masterClrMapping/>
+  </p:clrMapOvr>
+</p:sld>
+</file>
+
+<file path=ppt/slides/slide5.xml><?xml version="1.0" encoding="utf-8"?>
+<p:sld xmlns:a="http://schemas.openxmlformats.org/drawingml/2006/main" xmlns:r="http://schemas.openxmlformats.org/officeDocument/2006/relationships" xmlns:p="http://schemas.openxmlformats.org/presentationml/2006/main">
+  <p:cSld>
+    <p:spTree>
+      <p:nvGrpSpPr>
+        <p:cNvPr id="1" name=""/>
+        <p:cNvGrpSpPr/>
+        <p:nvPr/>
+      </p:nvGrpSpPr>
+      <p:grpSpPr>
+        <a:xfrm>
+          <a:off x="0" y="0"/>
+          <a:ext cx="0" cy="0"/>
+          <a:chOff x="0" y="0"/>
+          <a:chExt cx="0" cy="0"/>
+        </a:xfrm>
+      </p:grpSpPr>
+      <p:sp>
+        <p:nvSpPr>
+          <p:cNvPr id="2" name="标题 1"/>
+          <p:cNvSpPr>
+            <a:spLocks noGrp="1"/>
+          </p:cNvSpPr>
+          <p:nvPr>
+            <p:ph type="title"/>
+          </p:nvPr>
+        </p:nvSpPr>
+        <p:spPr/>
+        <p:txBody>
+          <a:bodyPr/>
+          <a:lstStyle/>
+          <a:p>
+            <a:endParaRPr lang="zh-CN" altLang="en-US" dirty="0"/>
+          </a:p>
+        </p:txBody>
+      </p:sp>
+      <p:sp>
+        <p:nvSpPr>
+          <p:cNvPr id="3" name="内容占位符 2"/>
+          <p:cNvSpPr>
+            <a:spLocks noGrp="1"/>
+          </p:cNvSpPr>
+          <p:nvPr>
+            <p:ph idx="1"/>
+          </p:nvPr>
+        </p:nvSpPr>
+        <p:spPr/>
+        <p:txBody>
+          <a:bodyPr/>
+          <a:lstStyle/>
+          <a:p>
+            <a:endParaRPr lang="zh-CN" altLang="en-US"/>
+          </a:p>
+        </p:txBody>
+      </p:sp>
+      <p:pic>
+        <p:nvPicPr>
+          <p:cNvPr id="1026" name="Picture 2" descr="https://www.prophetstor.com/wp-content/uploads/2020/08/New-Screen-Shot-for-Federator.ai-for-OpenShift-.png"/>
+          <p:cNvPicPr>
+            <a:picLocks noChangeAspect="1" noChangeArrowheads="1"/>
+          </p:cNvPicPr>
+          <p:nvPr/>
+        </p:nvPicPr>
+        <p:blipFill>
+          <a:blip r:embed="rId2">
+            <a:extLst>
+              <a:ext uri="{28A0092B-C50C-407E-A947-70E740481C1C}">
+                <a14:useLocalDpi xmlns:a14="http://schemas.microsoft.com/office/drawing/2010/main" val="0"/>
+              </a:ext>
+            </a:extLst>
+          </a:blip>
+          <a:srcRect/>
+          <a:stretch>
+            <a:fillRect/>
+          </a:stretch>
+        </p:blipFill>
+        <p:spPr bwMode="auto">
+          <a:xfrm>
+            <a:off x="349857" y="1184388"/>
+            <a:ext cx="11563898" cy="5503607"/>
+          </a:xfrm>
+          <a:prstGeom prst="rect">
+            <a:avLst/>
+          </a:prstGeom>
+          <a:noFill/>
+          <a:extLst>
+            <a:ext uri="{909E8E84-426E-40DD-AFC4-6F175D3DCCD1}">
+              <a14:hiddenFill xmlns:a14="http://schemas.microsoft.com/office/drawing/2010/main">
+                <a:solidFill>
+                  <a:srgbClr val="FFFFFF"/>
+                </a:solidFill>
+              </a14:hiddenFill>
+            </a:ext>
+          </a:extLst>
+        </p:spPr>
+      </p:pic>
+    </p:spTree>
+    <p:extLst>
+      <p:ext uri="{BB962C8B-B14F-4D97-AF65-F5344CB8AC3E}">
+        <p14:creationId xmlns:p14="http://schemas.microsoft.com/office/powerpoint/2010/main" val="2352616794"/>
+      </p:ext>
+    </p:extLst>
+  </p:cSld>
+  <p:clrMapOvr>
+    <a:masterClrMapping/>
+  </p:clrMapOvr>
+</p:sld>
+</file>
+
+<file path=ppt/slides/slide6.xml><?xml version="1.0" encoding="utf-8"?>
+<p:sld xmlns:a="http://schemas.openxmlformats.org/drawingml/2006/main" xmlns:r="http://schemas.openxmlformats.org/officeDocument/2006/relationships" xmlns:p="http://schemas.openxmlformats.org/presentationml/2006/main">
+  <p:cSld>
+    <p:spTree>
+      <p:nvGrpSpPr>
+        <p:cNvPr id="1" name=""/>
+        <p:cNvGrpSpPr/>
+        <p:nvPr/>
+      </p:nvGrpSpPr>
+      <p:grpSpPr>
+        <a:xfrm>
+          <a:off x="0" y="0"/>
+          <a:ext cx="0" cy="0"/>
+          <a:chOff x="0" y="0"/>
+          <a:chExt cx="0" cy="0"/>
+        </a:xfrm>
+      </p:grpSpPr>
+      <p:sp>
+        <p:nvSpPr>
+          <p:cNvPr id="2" name="标题 1"/>
+          <p:cNvSpPr>
+            <a:spLocks noGrp="1"/>
+          </p:cNvSpPr>
+          <p:nvPr>
+            <p:ph type="title"/>
+          </p:nvPr>
+        </p:nvSpPr>
+        <p:spPr/>
+        <p:txBody>
+          <a:bodyPr/>
+          <a:lstStyle/>
+          <a:p>
+            <a:endParaRPr lang="zh-CN" altLang="en-US"/>
+          </a:p>
+        </p:txBody>
+      </p:sp>
+      <p:sp>
+        <p:nvSpPr>
+          <p:cNvPr id="3" name="内容占位符 2"/>
+          <p:cNvSpPr>
+            <a:spLocks noGrp="1"/>
+          </p:cNvSpPr>
+          <p:nvPr>
+            <p:ph idx="1"/>
+          </p:nvPr>
+        </p:nvSpPr>
+        <p:spPr/>
+        <p:txBody>
+          <a:bodyPr/>
+          <a:lstStyle/>
+          <a:p>
+            <a:endParaRPr lang="zh-CN" altLang="en-US"/>
+          </a:p>
+        </p:txBody>
+      </p:sp>
+      <p:pic>
+        <p:nvPicPr>
+          <p:cNvPr id="3074" name="Picture 2" descr="https://www.prophetstor.com/wp-content/uploads/2020/08/2-5.png"/>
+          <p:cNvPicPr>
+            <a:picLocks noChangeAspect="1" noChangeArrowheads="1"/>
+          </p:cNvPicPr>
+          <p:nvPr/>
+        </p:nvPicPr>
+        <p:blipFill>
+          <a:blip r:embed="rId2">
+            <a:extLst>
+              <a:ext uri="{28A0092B-C50C-407E-A947-70E740481C1C}">
+                <a14:useLocalDpi xmlns:a14="http://schemas.microsoft.com/office/drawing/2010/main" val="0"/>
+              </a:ext>
+            </a:extLst>
+          </a:blip>
+          <a:srcRect/>
+          <a:stretch>
+            <a:fillRect/>
+          </a:stretch>
+        </p:blipFill>
+        <p:spPr bwMode="auto">
+          <a:xfrm>
+            <a:off x="170283" y="1199219"/>
+            <a:ext cx="11837945" cy="5503730"/>
+          </a:xfrm>
+          <a:prstGeom prst="rect">
+            <a:avLst/>
+          </a:prstGeom>
+          <a:noFill/>
+          <a:extLst>
+            <a:ext uri="{909E8E84-426E-40DD-AFC4-6F175D3DCCD1}">
+              <a14:hiddenFill xmlns:a14="http://schemas.microsoft.com/office/drawing/2010/main">
+                <a:solidFill>
+                  <a:srgbClr val="FFFFFF"/>
+                </a:solidFill>
+              </a14:hiddenFill>
+            </a:ext>
+          </a:extLst>
+        </p:spPr>
+      </p:pic>
+    </p:spTree>
+    <p:extLst>
+      <p:ext uri="{BB962C8B-B14F-4D97-AF65-F5344CB8AC3E}">
+        <p14:creationId xmlns:p14="http://schemas.microsoft.com/office/powerpoint/2010/main" val="2027289507"/>
+      </p:ext>
+    </p:extLst>
+  </p:cSld>
+  <p:clrMapOvr>
+    <a:masterClrMapping/>
+  </p:clrMapOvr>
+</p:sld>
+</file>
+
+<file path=ppt/slides/slide7.xml><?xml version="1.0" encoding="utf-8"?>
+<p:sld xmlns:a="http://schemas.openxmlformats.org/drawingml/2006/main" xmlns:r="http://schemas.openxmlformats.org/officeDocument/2006/relationships" xmlns:p="http://schemas.openxmlformats.org/presentationml/2006/main">
+  <p:cSld>
+    <p:spTree>
+      <p:nvGrpSpPr>
+        <p:cNvPr id="1" name=""/>
+        <p:cNvGrpSpPr/>
+        <p:nvPr/>
+      </p:nvGrpSpPr>
+      <p:grpSpPr>
+        <a:xfrm>
+          <a:off x="0" y="0"/>
+          <a:ext cx="0" cy="0"/>
+          <a:chOff x="0" y="0"/>
+          <a:chExt cx="0" cy="0"/>
+        </a:xfrm>
+      </p:grpSpPr>
       <p:pic>
         <p:nvPicPr>
           <p:cNvPr id="1026" name="Picture 2"/>
@@ -5885,7 +6760,7 @@
 </p:sld>
 </file>
 
-<file path=ppt/slides/slide4.xml><?xml version="1.0" encoding="utf-8"?>
+<file path=ppt/slides/slide8.xml><?xml version="1.0" encoding="utf-8"?>
 <p:sld xmlns:a="http://schemas.openxmlformats.org/drawingml/2006/main" xmlns:r="http://schemas.openxmlformats.org/officeDocument/2006/relationships" xmlns:p="http://schemas.openxmlformats.org/presentationml/2006/main">
   <p:cSld>
     <p:spTree>
@@ -5969,7 +6844,7 @@
 </p:sld>
 </file>
 
-<file path=ppt/slides/slide5.xml><?xml version="1.0" encoding="utf-8"?>
+<file path=ppt/slides/slide9.xml><?xml version="1.0" encoding="utf-8"?>
 <p:sld xmlns:a="http://schemas.openxmlformats.org/drawingml/2006/main" xmlns:r="http://schemas.openxmlformats.org/officeDocument/2006/relationships" xmlns:p="http://schemas.openxmlformats.org/presentationml/2006/main">
   <p:cSld>
     <p:spTree>
@@ -5991,7 +6866,7 @@
           <p:cNvPr id="54" name="Straight Arrow Connector 53">
             <a:extLst>
               <a:ext uri="{FF2B5EF4-FFF2-40B4-BE49-F238E27FC236}">
-                <a16:creationId xmlns:a16="http://schemas.microsoft.com/office/drawing/2014/main" xmlns="" id="{E639245F-1D08-4D0F-B40B-3BE83552BCBE}"/>
+                <a16:creationId xmlns="" xmlns:a16="http://schemas.microsoft.com/office/drawing/2014/main" id="{E639245F-1D08-4D0F-B40B-3BE83552BCBE}"/>
               </a:ext>
             </a:extLst>
           </p:cNvPr>
@@ -6032,7 +6907,7 @@
           <p:cNvPr id="53" name="TextBox 52">
             <a:extLst>
               <a:ext uri="{FF2B5EF4-FFF2-40B4-BE49-F238E27FC236}">
-                <a16:creationId xmlns:a16="http://schemas.microsoft.com/office/drawing/2014/main" xmlns="" id="{8E9C385B-B477-483A-8D1A-DF40B00C49D5}"/>
+                <a16:creationId xmlns="" xmlns:a16="http://schemas.microsoft.com/office/drawing/2014/main" id="{8E9C385B-B477-483A-8D1A-DF40B00C49D5}"/>
               </a:ext>
             </a:extLst>
           </p:cNvPr>
@@ -6099,7 +6974,7 @@
           <p:cNvPr id="49" name="Straight Arrow Connector 48">
             <a:extLst>
               <a:ext uri="{FF2B5EF4-FFF2-40B4-BE49-F238E27FC236}">
-                <a16:creationId xmlns:a16="http://schemas.microsoft.com/office/drawing/2014/main" xmlns="" id="{84D7813A-581B-4C31-94B9-996630CD8520}"/>
+                <a16:creationId xmlns="" xmlns:a16="http://schemas.microsoft.com/office/drawing/2014/main" id="{84D7813A-581B-4C31-94B9-996630CD8520}"/>
               </a:ext>
             </a:extLst>
           </p:cNvPr>
@@ -6140,7 +7015,7 @@
           <p:cNvPr id="28" name="Straight Arrow Connector 27">
             <a:extLst>
               <a:ext uri="{FF2B5EF4-FFF2-40B4-BE49-F238E27FC236}">
-                <a16:creationId xmlns:a16="http://schemas.microsoft.com/office/drawing/2014/main" xmlns="" id="{9114EE52-F362-4D6F-92B3-CFD94DAD0581}"/>
+                <a16:creationId xmlns="" xmlns:a16="http://schemas.microsoft.com/office/drawing/2014/main" id="{9114EE52-F362-4D6F-92B3-CFD94DAD0581}"/>
               </a:ext>
             </a:extLst>
           </p:cNvPr>
@@ -6181,7 +7056,7 @@
           <p:cNvPr id="7" name="Rectangle 6">
             <a:extLst>
               <a:ext uri="{FF2B5EF4-FFF2-40B4-BE49-F238E27FC236}">
-                <a16:creationId xmlns:a16="http://schemas.microsoft.com/office/drawing/2014/main" xmlns="" id="{24395C30-C4DD-42F2-9970-6AA850F38E11}"/>
+                <a16:creationId xmlns="" xmlns:a16="http://schemas.microsoft.com/office/drawing/2014/main" id="{24395C30-C4DD-42F2-9970-6AA850F38E11}"/>
               </a:ext>
             </a:extLst>
           </p:cNvPr>
@@ -6240,7 +7115,7 @@
           <p:cNvPr id="8" name="Rectangle 7">
             <a:extLst>
               <a:ext uri="{FF2B5EF4-FFF2-40B4-BE49-F238E27FC236}">
-                <a16:creationId xmlns:a16="http://schemas.microsoft.com/office/drawing/2014/main" xmlns="" id="{BF710F7A-F8E4-474E-90D3-AA515DC901D3}"/>
+                <a16:creationId xmlns="" xmlns:a16="http://schemas.microsoft.com/office/drawing/2014/main" id="{BF710F7A-F8E4-474E-90D3-AA515DC901D3}"/>
               </a:ext>
             </a:extLst>
           </p:cNvPr>
@@ -6304,7 +7179,7 @@
           <p:cNvPr id="9" name="Rectangle 8">
             <a:extLst>
               <a:ext uri="{FF2B5EF4-FFF2-40B4-BE49-F238E27FC236}">
-                <a16:creationId xmlns:a16="http://schemas.microsoft.com/office/drawing/2014/main" xmlns="" id="{C431FE78-489F-4BA6-81C0-FE6F69D725DB}"/>
+                <a16:creationId xmlns="" xmlns:a16="http://schemas.microsoft.com/office/drawing/2014/main" id="{C431FE78-489F-4BA6-81C0-FE6F69D725DB}"/>
               </a:ext>
             </a:extLst>
           </p:cNvPr>
@@ -6431,7 +7306,7 @@
           <p:cNvPr id="11" name="Straight Arrow Connector 10">
             <a:extLst>
               <a:ext uri="{FF2B5EF4-FFF2-40B4-BE49-F238E27FC236}">
-                <a16:creationId xmlns:a16="http://schemas.microsoft.com/office/drawing/2014/main" xmlns="" id="{3BD5C017-8570-4CF5-A62C-3FA92A178C51}"/>
+                <a16:creationId xmlns="" xmlns:a16="http://schemas.microsoft.com/office/drawing/2014/main" id="{3BD5C017-8570-4CF5-A62C-3FA92A178C51}"/>
               </a:ext>
             </a:extLst>
           </p:cNvPr>
@@ -6473,7 +7348,7 @@
           <p:cNvPr id="14" name="Straight Arrow Connector 13">
             <a:extLst>
               <a:ext uri="{FF2B5EF4-FFF2-40B4-BE49-F238E27FC236}">
-                <a16:creationId xmlns:a16="http://schemas.microsoft.com/office/drawing/2014/main" xmlns="" id="{4050B6AF-2A26-468F-8759-B09AA714312A}"/>
+                <a16:creationId xmlns="" xmlns:a16="http://schemas.microsoft.com/office/drawing/2014/main" id="{4050B6AF-2A26-468F-8759-B09AA714312A}"/>
               </a:ext>
             </a:extLst>
           </p:cNvPr>
@@ -6514,7 +7389,7 @@
           <p:cNvPr id="18" name="TextBox 17">
             <a:extLst>
               <a:ext uri="{FF2B5EF4-FFF2-40B4-BE49-F238E27FC236}">
-                <a16:creationId xmlns:a16="http://schemas.microsoft.com/office/drawing/2014/main" xmlns="" id="{642BF4AE-75AC-44BD-9DAB-1E324194E3D1}"/>
+                <a16:creationId xmlns="" xmlns:a16="http://schemas.microsoft.com/office/drawing/2014/main" id="{642BF4AE-75AC-44BD-9DAB-1E324194E3D1}"/>
               </a:ext>
             </a:extLst>
           </p:cNvPr>
@@ -6561,7 +7436,7 @@
           <p:cNvPr id="19" name="TextBox 18">
             <a:extLst>
               <a:ext uri="{FF2B5EF4-FFF2-40B4-BE49-F238E27FC236}">
-                <a16:creationId xmlns:a16="http://schemas.microsoft.com/office/drawing/2014/main" xmlns="" id="{440F0FD9-D441-4B78-A38E-540362E4DEE5}"/>
+                <a16:creationId xmlns="" xmlns:a16="http://schemas.microsoft.com/office/drawing/2014/main" id="{440F0FD9-D441-4B78-A38E-540362E4DEE5}"/>
               </a:ext>
             </a:extLst>
           </p:cNvPr>
@@ -6601,7 +7476,7 @@
           <p:cNvPr id="20" name="Flowchart: Connector 19">
             <a:extLst>
               <a:ext uri="{FF2B5EF4-FFF2-40B4-BE49-F238E27FC236}">
-                <a16:creationId xmlns:a16="http://schemas.microsoft.com/office/drawing/2014/main" xmlns="" id="{BBF6734B-FA81-4DB1-B041-3C5C8FFFE092}"/>
+                <a16:creationId xmlns="" xmlns:a16="http://schemas.microsoft.com/office/drawing/2014/main" id="{BBF6734B-FA81-4DB1-B041-3C5C8FFFE092}"/>
               </a:ext>
             </a:extLst>
           </p:cNvPr>
@@ -6650,7 +7525,7 @@
           <p:cNvPr id="22" name="Flowchart: Connector 21">
             <a:extLst>
               <a:ext uri="{FF2B5EF4-FFF2-40B4-BE49-F238E27FC236}">
-                <a16:creationId xmlns:a16="http://schemas.microsoft.com/office/drawing/2014/main" xmlns="" id="{A3876B00-282A-4DF3-8A35-FD6B75B4FC80}"/>
+                <a16:creationId xmlns="" xmlns:a16="http://schemas.microsoft.com/office/drawing/2014/main" id="{A3876B00-282A-4DF3-8A35-FD6B75B4FC80}"/>
               </a:ext>
             </a:extLst>
           </p:cNvPr>
@@ -6699,7 +7574,7 @@
           <p:cNvPr id="27" name="Flowchart: Connector 26">
             <a:extLst>
               <a:ext uri="{FF2B5EF4-FFF2-40B4-BE49-F238E27FC236}">
-                <a16:creationId xmlns:a16="http://schemas.microsoft.com/office/drawing/2014/main" xmlns="" id="{D3233759-1ED5-44D2-B5F6-387E1E794A37}"/>
+                <a16:creationId xmlns="" xmlns:a16="http://schemas.microsoft.com/office/drawing/2014/main" id="{D3233759-1ED5-44D2-B5F6-387E1E794A37}"/>
               </a:ext>
             </a:extLst>
           </p:cNvPr>
@@ -6748,7 +7623,7 @@
           <p:cNvPr id="31" name="TextBox 30">
             <a:extLst>
               <a:ext uri="{FF2B5EF4-FFF2-40B4-BE49-F238E27FC236}">
-                <a16:creationId xmlns:a16="http://schemas.microsoft.com/office/drawing/2014/main" xmlns="" id="{77CBE75D-1670-4709-A510-06BA5E87D18A}"/>
+                <a16:creationId xmlns="" xmlns:a16="http://schemas.microsoft.com/office/drawing/2014/main" id="{77CBE75D-1670-4709-A510-06BA5E87D18A}"/>
               </a:ext>
             </a:extLst>
           </p:cNvPr>
@@ -6788,7 +7663,7 @@
           <p:cNvPr id="36" name="Table 36">
             <a:extLst>
               <a:ext uri="{FF2B5EF4-FFF2-40B4-BE49-F238E27FC236}">
-                <a16:creationId xmlns:a16="http://schemas.microsoft.com/office/drawing/2014/main" xmlns="" id="{0953DDE9-15B5-4283-A62B-E0B612B15147}"/>
+                <a16:creationId xmlns="" xmlns:a16="http://schemas.microsoft.com/office/drawing/2014/main" id="{0953DDE9-15B5-4283-A62B-E0B612B15147}"/>
               </a:ext>
             </a:extLst>
           </p:cNvPr>
@@ -6817,42 +7692,42 @@
                 <a:gridCol w="896467">
                   <a:extLst>
                     <a:ext uri="{9D8B030D-6E8A-4147-A177-3AD203B41FA5}">
-                      <a16:colId xmlns:a16="http://schemas.microsoft.com/office/drawing/2014/main" xmlns="" val="3256965434"/>
+                      <a16:colId xmlns="" xmlns:a16="http://schemas.microsoft.com/office/drawing/2014/main" val="3256965434"/>
                     </a:ext>
                   </a:extLst>
                 </a:gridCol>
                 <a:gridCol w="1302300">
                   <a:extLst>
                     <a:ext uri="{9D8B030D-6E8A-4147-A177-3AD203B41FA5}">
-                      <a16:colId xmlns:a16="http://schemas.microsoft.com/office/drawing/2014/main" xmlns="" val="3060366294"/>
+                      <a16:colId xmlns="" xmlns:a16="http://schemas.microsoft.com/office/drawing/2014/main" val="3060366294"/>
                     </a:ext>
                   </a:extLst>
                 </a:gridCol>
                 <a:gridCol w="1262891">
                   <a:extLst>
                     <a:ext uri="{9D8B030D-6E8A-4147-A177-3AD203B41FA5}">
-                      <a16:colId xmlns:a16="http://schemas.microsoft.com/office/drawing/2014/main" xmlns="" val="51315490"/>
+                      <a16:colId xmlns="" xmlns:a16="http://schemas.microsoft.com/office/drawing/2014/main" val="51315490"/>
                     </a:ext>
                   </a:extLst>
                 </a:gridCol>
                 <a:gridCol w="1305367">
                   <a:extLst>
                     <a:ext uri="{9D8B030D-6E8A-4147-A177-3AD203B41FA5}">
-                      <a16:colId xmlns:a16="http://schemas.microsoft.com/office/drawing/2014/main" xmlns="" val="813429945"/>
+                      <a16:colId xmlns="" xmlns:a16="http://schemas.microsoft.com/office/drawing/2014/main" val="813429945"/>
                     </a:ext>
                   </a:extLst>
                 </a:gridCol>
                 <a:gridCol w="274051">
                   <a:extLst>
                     <a:ext uri="{9D8B030D-6E8A-4147-A177-3AD203B41FA5}">
-                      <a16:colId xmlns:a16="http://schemas.microsoft.com/office/drawing/2014/main" xmlns="" val="2222218256"/>
+                      <a16:colId xmlns="" xmlns:a16="http://schemas.microsoft.com/office/drawing/2014/main" val="2222218256"/>
                     </a:ext>
                   </a:extLst>
                 </a:gridCol>
                 <a:gridCol w="1276596">
                   <a:extLst>
                     <a:ext uri="{9D8B030D-6E8A-4147-A177-3AD203B41FA5}">
-                      <a16:colId xmlns:a16="http://schemas.microsoft.com/office/drawing/2014/main" xmlns="" val="3416483484"/>
+                      <a16:colId xmlns="" xmlns:a16="http://schemas.microsoft.com/office/drawing/2014/main" val="3416483484"/>
                     </a:ext>
                   </a:extLst>
                 </a:gridCol>
@@ -6961,7 +7836,7 @@
                 </a:tc>
                 <a:extLst>
                   <a:ext uri="{0D108BD9-81ED-4DB2-BD59-A6C34878D82A}">
-                    <a16:rowId xmlns:a16="http://schemas.microsoft.com/office/drawing/2014/main" xmlns="" val="4033338659"/>
+                    <a16:rowId xmlns="" xmlns:a16="http://schemas.microsoft.com/office/drawing/2014/main" val="4033338659"/>
                   </a:ext>
                 </a:extLst>
               </a:tr>
@@ -7069,7 +7944,7 @@
                 </a:tc>
                 <a:extLst>
                   <a:ext uri="{0D108BD9-81ED-4DB2-BD59-A6C34878D82A}">
-                    <a16:rowId xmlns:a16="http://schemas.microsoft.com/office/drawing/2014/main" xmlns="" val="2592489538"/>
+                    <a16:rowId xmlns="" xmlns:a16="http://schemas.microsoft.com/office/drawing/2014/main" val="2592489538"/>
                   </a:ext>
                 </a:extLst>
               </a:tr>
@@ -7351,7 +8226,7 @@
                 </a:tc>
                 <a:extLst>
                   <a:ext uri="{0D108BD9-81ED-4DB2-BD59-A6C34878D82A}">
-                    <a16:rowId xmlns:a16="http://schemas.microsoft.com/office/drawing/2014/main" xmlns="" val="3303360143"/>
+                    <a16:rowId xmlns="" xmlns:a16="http://schemas.microsoft.com/office/drawing/2014/main" val="3303360143"/>
                   </a:ext>
                 </a:extLst>
               </a:tr>
@@ -7364,7 +8239,7 @@
           <p:cNvPr id="43" name="TextBox 42">
             <a:extLst>
               <a:ext uri="{FF2B5EF4-FFF2-40B4-BE49-F238E27FC236}">
-                <a16:creationId xmlns:a16="http://schemas.microsoft.com/office/drawing/2014/main" xmlns="" id="{B2EEFB7D-1780-42A5-92FA-AF36B1A7170C}"/>
+                <a16:creationId xmlns="" xmlns:a16="http://schemas.microsoft.com/office/drawing/2014/main" id="{B2EEFB7D-1780-42A5-92FA-AF36B1A7170C}"/>
               </a:ext>
             </a:extLst>
           </p:cNvPr>
@@ -7404,7 +8279,7 @@
           <p:cNvPr id="44" name="TextBox 43">
             <a:extLst>
               <a:ext uri="{FF2B5EF4-FFF2-40B4-BE49-F238E27FC236}">
-                <a16:creationId xmlns:a16="http://schemas.microsoft.com/office/drawing/2014/main" xmlns="" id="{4C568B08-12A0-4E09-B926-AC6DD856FAFE}"/>
+                <a16:creationId xmlns="" xmlns:a16="http://schemas.microsoft.com/office/drawing/2014/main" id="{4C568B08-12A0-4E09-B926-AC6DD856FAFE}"/>
               </a:ext>
             </a:extLst>
           </p:cNvPr>
@@ -7469,7 +8344,7 @@
           <p:cNvPr id="45" name="Flowchart: Connector 44">
             <a:extLst>
               <a:ext uri="{FF2B5EF4-FFF2-40B4-BE49-F238E27FC236}">
-                <a16:creationId xmlns:a16="http://schemas.microsoft.com/office/drawing/2014/main" xmlns="" id="{A4454098-8AC0-4A48-90EA-CA74C8785074}"/>
+                <a16:creationId xmlns="" xmlns:a16="http://schemas.microsoft.com/office/drawing/2014/main" id="{A4454098-8AC0-4A48-90EA-CA74C8785074}"/>
               </a:ext>
             </a:extLst>
           </p:cNvPr>
@@ -7518,7 +8393,7 @@
           <p:cNvPr id="52" name="Flowchart: Connector 51">
             <a:extLst>
               <a:ext uri="{FF2B5EF4-FFF2-40B4-BE49-F238E27FC236}">
-                <a16:creationId xmlns:a16="http://schemas.microsoft.com/office/drawing/2014/main" xmlns="" id="{38D3927D-60FD-46E6-915E-84B68FB48C61}"/>
+                <a16:creationId xmlns="" xmlns:a16="http://schemas.microsoft.com/office/drawing/2014/main" id="{38D3927D-60FD-46E6-915E-84B68FB48C61}"/>
               </a:ext>
             </a:extLst>
           </p:cNvPr>
@@ -7567,7 +8442,7 @@
           <p:cNvPr id="59" name="Flowchart: Connector 58">
             <a:extLst>
               <a:ext uri="{FF2B5EF4-FFF2-40B4-BE49-F238E27FC236}">
-                <a16:creationId xmlns:a16="http://schemas.microsoft.com/office/drawing/2014/main" xmlns="" id="{A99F686F-062C-4441-83DA-791F7726DE29}"/>
+                <a16:creationId xmlns="" xmlns:a16="http://schemas.microsoft.com/office/drawing/2014/main" id="{A99F686F-062C-4441-83DA-791F7726DE29}"/>
               </a:ext>
             </a:extLst>
           </p:cNvPr>
@@ -7616,7 +8491,7 @@
           <p:cNvPr id="62" name="TextBox 61">
             <a:extLst>
               <a:ext uri="{FF2B5EF4-FFF2-40B4-BE49-F238E27FC236}">
-                <a16:creationId xmlns:a16="http://schemas.microsoft.com/office/drawing/2014/main" xmlns="" id="{A17E813B-CFE7-4C47-9BBE-F356D83A02EF}"/>
+                <a16:creationId xmlns="" xmlns:a16="http://schemas.microsoft.com/office/drawing/2014/main" id="{A17E813B-CFE7-4C47-9BBE-F356D83A02EF}"/>
               </a:ext>
             </a:extLst>
           </p:cNvPr>
@@ -7664,7 +8539,7 @@
           <p:cNvPr id="63" name="TextBox 62">
             <a:extLst>
               <a:ext uri="{FF2B5EF4-FFF2-40B4-BE49-F238E27FC236}">
-                <a16:creationId xmlns:a16="http://schemas.microsoft.com/office/drawing/2014/main" xmlns="" id="{31CF2BD5-0230-4B01-A858-EB442FF58F6C}"/>
+                <a16:creationId xmlns="" xmlns:a16="http://schemas.microsoft.com/office/drawing/2014/main" id="{31CF2BD5-0230-4B01-A858-EB442FF58F6C}"/>
               </a:ext>
             </a:extLst>
           </p:cNvPr>
@@ -7700,7 +8575,7 @@
           <p:cNvPr id="64" name="Table 36">
             <a:extLst>
               <a:ext uri="{FF2B5EF4-FFF2-40B4-BE49-F238E27FC236}">
-                <a16:creationId xmlns:a16="http://schemas.microsoft.com/office/drawing/2014/main" xmlns="" id="{4F741B30-D54E-4F5A-ADE5-382397CCF575}"/>
+                <a16:creationId xmlns="" xmlns:a16="http://schemas.microsoft.com/office/drawing/2014/main" id="{4F741B30-D54E-4F5A-ADE5-382397CCF575}"/>
               </a:ext>
             </a:extLst>
           </p:cNvPr>
@@ -7729,14 +8604,14 @@
                 <a:gridCol w="943737">
                   <a:extLst>
                     <a:ext uri="{9D8B030D-6E8A-4147-A177-3AD203B41FA5}">
-                      <a16:colId xmlns:a16="http://schemas.microsoft.com/office/drawing/2014/main" xmlns="" val="3256965434"/>
+                      <a16:colId xmlns="" xmlns:a16="http://schemas.microsoft.com/office/drawing/2014/main" val="3256965434"/>
                     </a:ext>
                   </a:extLst>
                 </a:gridCol>
                 <a:gridCol w="1343907">
                   <a:extLst>
                     <a:ext uri="{9D8B030D-6E8A-4147-A177-3AD203B41FA5}">
-                      <a16:colId xmlns:a16="http://schemas.microsoft.com/office/drawing/2014/main" xmlns="" val="3416483484"/>
+                      <a16:colId xmlns="" xmlns:a16="http://schemas.microsoft.com/office/drawing/2014/main" val="3416483484"/>
                     </a:ext>
                   </a:extLst>
                 </a:gridCol>
@@ -7839,7 +8714,7 @@
                 </a:tc>
                 <a:extLst>
                   <a:ext uri="{0D108BD9-81ED-4DB2-BD59-A6C34878D82A}">
-                    <a16:rowId xmlns:a16="http://schemas.microsoft.com/office/drawing/2014/main" xmlns="" val="3303360143"/>
+                    <a16:rowId xmlns="" xmlns:a16="http://schemas.microsoft.com/office/drawing/2014/main" val="3303360143"/>
                   </a:ext>
                 </a:extLst>
               </a:tr>
@@ -7852,7 +8727,7 @@
           <p:cNvPr id="29" name="Rectangle 28">
             <a:extLst>
               <a:ext uri="{FF2B5EF4-FFF2-40B4-BE49-F238E27FC236}">
-                <a16:creationId xmlns:a16="http://schemas.microsoft.com/office/drawing/2014/main" xmlns="" id="{2B619487-847E-4B38-AAF8-CC98B5845628}"/>
+                <a16:creationId xmlns="" xmlns:a16="http://schemas.microsoft.com/office/drawing/2014/main" id="{2B619487-847E-4B38-AAF8-CC98B5845628}"/>
               </a:ext>
             </a:extLst>
           </p:cNvPr>
@@ -7916,7 +8791,7 @@
           <p:cNvPr id="30" name="Straight Arrow Connector 29">
             <a:extLst>
               <a:ext uri="{FF2B5EF4-FFF2-40B4-BE49-F238E27FC236}">
-                <a16:creationId xmlns:a16="http://schemas.microsoft.com/office/drawing/2014/main" xmlns="" id="{6FF4CE29-0926-484A-A863-5A6D931DBB62}"/>
+                <a16:creationId xmlns="" xmlns:a16="http://schemas.microsoft.com/office/drawing/2014/main" id="{6FF4CE29-0926-484A-A863-5A6D931DBB62}"/>
               </a:ext>
             </a:extLst>
           </p:cNvPr>
@@ -7957,7 +8832,7 @@
           <p:cNvPr id="32" name="Flowchart: Connector 31">
             <a:extLst>
               <a:ext uri="{FF2B5EF4-FFF2-40B4-BE49-F238E27FC236}">
-                <a16:creationId xmlns:a16="http://schemas.microsoft.com/office/drawing/2014/main" xmlns="" id="{BA7C9F43-16FD-4511-9E87-245B3E036C35}"/>
+                <a16:creationId xmlns="" xmlns:a16="http://schemas.microsoft.com/office/drawing/2014/main" id="{BA7C9F43-16FD-4511-9E87-245B3E036C35}"/>
               </a:ext>
             </a:extLst>
           </p:cNvPr>
@@ -8006,7 +8881,7 @@
           <p:cNvPr id="33" name="TextBox 32">
             <a:extLst>
               <a:ext uri="{FF2B5EF4-FFF2-40B4-BE49-F238E27FC236}">
-                <a16:creationId xmlns:a16="http://schemas.microsoft.com/office/drawing/2014/main" xmlns="" id="{6CB1F636-1909-4A62-9000-26FD7AE03A88}"/>
+                <a16:creationId xmlns="" xmlns:a16="http://schemas.microsoft.com/office/drawing/2014/main" id="{6CB1F636-1909-4A62-9000-26FD7AE03A88}"/>
               </a:ext>
             </a:extLst>
           </p:cNvPr>
@@ -8046,7 +8921,7 @@
           <p:cNvPr id="5" name="Straight Arrow Connector 4">
             <a:extLst>
               <a:ext uri="{FF2B5EF4-FFF2-40B4-BE49-F238E27FC236}">
-                <a16:creationId xmlns:a16="http://schemas.microsoft.com/office/drawing/2014/main" xmlns="" id="{84BC61FD-CFE3-423B-B4AC-3F78F9C9A9E5}"/>
+                <a16:creationId xmlns="" xmlns:a16="http://schemas.microsoft.com/office/drawing/2014/main" id="{84BC61FD-CFE3-423B-B4AC-3F78F9C9A9E5}"/>
               </a:ext>
             </a:extLst>
           </p:cNvPr>
@@ -8087,7 +8962,7 @@
           <p:cNvPr id="12" name="Straight Connector 11">
             <a:extLst>
               <a:ext uri="{FF2B5EF4-FFF2-40B4-BE49-F238E27FC236}">
-                <a16:creationId xmlns:a16="http://schemas.microsoft.com/office/drawing/2014/main" xmlns="" id="{35112823-D001-4960-84F6-746A7C87F7DA}"/>
+                <a16:creationId xmlns="" xmlns:a16="http://schemas.microsoft.com/office/drawing/2014/main" id="{35112823-D001-4960-84F6-746A7C87F7DA}"/>
               </a:ext>
             </a:extLst>
           </p:cNvPr>
@@ -8124,7 +8999,7 @@
           <p:cNvPr id="41" name="Straight Connector 40">
             <a:extLst>
               <a:ext uri="{FF2B5EF4-FFF2-40B4-BE49-F238E27FC236}">
-                <a16:creationId xmlns:a16="http://schemas.microsoft.com/office/drawing/2014/main" xmlns="" id="{2A730419-0C8F-4DA5-9C4C-AEF56AF0F459}"/>
+                <a16:creationId xmlns="" xmlns:a16="http://schemas.microsoft.com/office/drawing/2014/main" id="{2A730419-0C8F-4DA5-9C4C-AEF56AF0F459}"/>
               </a:ext>
             </a:extLst>
           </p:cNvPr>
@@ -8161,7 +9036,7 @@
           <p:cNvPr id="42" name="Straight Connector 41">
             <a:extLst>
               <a:ext uri="{FF2B5EF4-FFF2-40B4-BE49-F238E27FC236}">
-                <a16:creationId xmlns:a16="http://schemas.microsoft.com/office/drawing/2014/main" xmlns="" id="{7E37862B-8C7A-43AA-9059-E9F6E3BAA9F7}"/>
+                <a16:creationId xmlns="" xmlns:a16="http://schemas.microsoft.com/office/drawing/2014/main" id="{7E37862B-8C7A-43AA-9059-E9F6E3BAA9F7}"/>
               </a:ext>
             </a:extLst>
           </p:cNvPr>
@@ -8198,7 +9073,7 @@
           <p:cNvPr id="46" name="Straight Connector 45">
             <a:extLst>
               <a:ext uri="{FF2B5EF4-FFF2-40B4-BE49-F238E27FC236}">
-                <a16:creationId xmlns:a16="http://schemas.microsoft.com/office/drawing/2014/main" xmlns="" id="{32EB01D7-D11B-49BE-97FF-5B91CFF9D516}"/>
+                <a16:creationId xmlns="" xmlns:a16="http://schemas.microsoft.com/office/drawing/2014/main" id="{32EB01D7-D11B-49BE-97FF-5B91CFF9D516}"/>
               </a:ext>
             </a:extLst>
           </p:cNvPr>
@@ -8235,7 +9110,7 @@
           <p:cNvPr id="56" name="Straight Connector 55">
             <a:extLst>
               <a:ext uri="{FF2B5EF4-FFF2-40B4-BE49-F238E27FC236}">
-                <a16:creationId xmlns:a16="http://schemas.microsoft.com/office/drawing/2014/main" xmlns="" id="{3CA235E4-21DC-4C08-84FE-3A8EFE80AC11}"/>
+                <a16:creationId xmlns="" xmlns:a16="http://schemas.microsoft.com/office/drawing/2014/main" id="{3CA235E4-21DC-4C08-84FE-3A8EFE80AC11}"/>
               </a:ext>
             </a:extLst>
           </p:cNvPr>
@@ -8272,7 +9147,7 @@
           <p:cNvPr id="57" name="Straight Connector 56">
             <a:extLst>
               <a:ext uri="{FF2B5EF4-FFF2-40B4-BE49-F238E27FC236}">
-                <a16:creationId xmlns:a16="http://schemas.microsoft.com/office/drawing/2014/main" xmlns="" id="{DBCF14D2-C2CD-45FF-AEDA-6D2AC1CC95A1}"/>
+                <a16:creationId xmlns="" xmlns:a16="http://schemas.microsoft.com/office/drawing/2014/main" id="{DBCF14D2-C2CD-45FF-AEDA-6D2AC1CC95A1}"/>
               </a:ext>
             </a:extLst>
           </p:cNvPr>
@@ -8309,7 +9184,7 @@
           <p:cNvPr id="13" name="TextBox 12">
             <a:extLst>
               <a:ext uri="{FF2B5EF4-FFF2-40B4-BE49-F238E27FC236}">
-                <a16:creationId xmlns:a16="http://schemas.microsoft.com/office/drawing/2014/main" xmlns="" id="{31F550F2-9054-4CA6-B0EE-05053D0D654A}"/>
+                <a16:creationId xmlns="" xmlns:a16="http://schemas.microsoft.com/office/drawing/2014/main" id="{31F550F2-9054-4CA6-B0EE-05053D0D654A}"/>
               </a:ext>
             </a:extLst>
           </p:cNvPr>
@@ -8369,7 +9244,7 @@
           <p:cNvPr id="58" name="TextBox 57">
             <a:extLst>
               <a:ext uri="{FF2B5EF4-FFF2-40B4-BE49-F238E27FC236}">
-                <a16:creationId xmlns:a16="http://schemas.microsoft.com/office/drawing/2014/main" xmlns="" id="{F49B56CA-8B54-4479-B2E4-746A0BDE749C}"/>
+                <a16:creationId xmlns="" xmlns:a16="http://schemas.microsoft.com/office/drawing/2014/main" id="{F49B56CA-8B54-4479-B2E4-746A0BDE749C}"/>
               </a:ext>
             </a:extLst>
           </p:cNvPr>
@@ -8429,7 +9304,7 @@
           <p:cNvPr id="65" name="TextBox 64">
             <a:extLst>
               <a:ext uri="{FF2B5EF4-FFF2-40B4-BE49-F238E27FC236}">
-                <a16:creationId xmlns:a16="http://schemas.microsoft.com/office/drawing/2014/main" xmlns="" id="{05401156-05AE-4192-92DE-E3A3435796F6}"/>
+                <a16:creationId xmlns="" xmlns:a16="http://schemas.microsoft.com/office/drawing/2014/main" id="{05401156-05AE-4192-92DE-E3A3435796F6}"/>
               </a:ext>
             </a:extLst>
           </p:cNvPr>
@@ -8465,7 +9340,7 @@
           <p:cNvPr id="16" name="Straight Arrow Connector 15">
             <a:extLst>
               <a:ext uri="{FF2B5EF4-FFF2-40B4-BE49-F238E27FC236}">
-                <a16:creationId xmlns:a16="http://schemas.microsoft.com/office/drawing/2014/main" xmlns="" id="{D2F8B902-AC04-4BEA-A5A6-5E242A48E6DA}"/>
+                <a16:creationId xmlns="" xmlns:a16="http://schemas.microsoft.com/office/drawing/2014/main" id="{D2F8B902-AC04-4BEA-A5A6-5E242A48E6DA}"/>
               </a:ext>
             </a:extLst>
           </p:cNvPr>
@@ -8507,7 +9382,7 @@
           <p:cNvPr id="66" name="TextBox 65">
             <a:extLst>
               <a:ext uri="{FF2B5EF4-FFF2-40B4-BE49-F238E27FC236}">
-                <a16:creationId xmlns:a16="http://schemas.microsoft.com/office/drawing/2014/main" xmlns="" id="{A936CDA1-2727-43E8-8C32-BD2FD4F96CD4}"/>
+                <a16:creationId xmlns="" xmlns:a16="http://schemas.microsoft.com/office/drawing/2014/main" id="{A936CDA1-2727-43E8-8C32-BD2FD4F96CD4}"/>
               </a:ext>
             </a:extLst>
           </p:cNvPr>
@@ -8575,7 +9450,7 @@
           <p:cNvPr id="67" name="TextBox 66">
             <a:extLst>
               <a:ext uri="{FF2B5EF4-FFF2-40B4-BE49-F238E27FC236}">
-                <a16:creationId xmlns:a16="http://schemas.microsoft.com/office/drawing/2014/main" xmlns="" id="{BF311376-2326-4B1D-83FA-5F3B7107D813}"/>
+                <a16:creationId xmlns="" xmlns:a16="http://schemas.microsoft.com/office/drawing/2014/main" id="{BF311376-2326-4B1D-83FA-5F3B7107D813}"/>
               </a:ext>
             </a:extLst>
           </p:cNvPr>
@@ -8611,7 +9486,7 @@
           <p:cNvPr id="68" name="TextBox 67">
             <a:extLst>
               <a:ext uri="{FF2B5EF4-FFF2-40B4-BE49-F238E27FC236}">
-                <a16:creationId xmlns:a16="http://schemas.microsoft.com/office/drawing/2014/main" xmlns="" id="{44BE4952-36AE-4788-93D2-60192DD6F610}"/>
+                <a16:creationId xmlns="" xmlns:a16="http://schemas.microsoft.com/office/drawing/2014/main" id="{44BE4952-36AE-4788-93D2-60192DD6F610}"/>
               </a:ext>
             </a:extLst>
           </p:cNvPr>
@@ -8671,7 +9546,7 @@
           <p:cNvPr id="69" name="TextBox 68">
             <a:extLst>
               <a:ext uri="{FF2B5EF4-FFF2-40B4-BE49-F238E27FC236}">
-                <a16:creationId xmlns:a16="http://schemas.microsoft.com/office/drawing/2014/main" xmlns="" id="{1D7658CF-1969-4E52-A899-AEAB82D48E51}"/>
+                <a16:creationId xmlns="" xmlns:a16="http://schemas.microsoft.com/office/drawing/2014/main" id="{1D7658CF-1969-4E52-A899-AEAB82D48E51}"/>
               </a:ext>
             </a:extLst>
           </p:cNvPr>
@@ -8735,7 +9610,7 @@
           <p:cNvPr id="70" name="TextBox 69">
             <a:extLst>
               <a:ext uri="{FF2B5EF4-FFF2-40B4-BE49-F238E27FC236}">
-                <a16:creationId xmlns:a16="http://schemas.microsoft.com/office/drawing/2014/main" xmlns="" id="{1C408405-9293-47D0-8225-596CF4AF831F}"/>
+                <a16:creationId xmlns="" xmlns:a16="http://schemas.microsoft.com/office/drawing/2014/main" id="{1C408405-9293-47D0-8225-596CF4AF831F}"/>
               </a:ext>
             </a:extLst>
           </p:cNvPr>
@@ -8795,7 +9670,7 @@
           <p:cNvPr id="72" name="TextBox 71">
             <a:extLst>
               <a:ext uri="{FF2B5EF4-FFF2-40B4-BE49-F238E27FC236}">
-                <a16:creationId xmlns:a16="http://schemas.microsoft.com/office/drawing/2014/main" xmlns="" id="{88F12AFC-32B9-4196-B3C3-D383B3894C82}"/>
+                <a16:creationId xmlns="" xmlns:a16="http://schemas.microsoft.com/office/drawing/2014/main" id="{88F12AFC-32B9-4196-B3C3-D383B3894C82}"/>
               </a:ext>
             </a:extLst>
           </p:cNvPr>
@@ -8831,7 +9706,7 @@
           <p:cNvPr id="55" name="TextBox 54">
             <a:extLst>
               <a:ext uri="{FF2B5EF4-FFF2-40B4-BE49-F238E27FC236}">
-                <a16:creationId xmlns:a16="http://schemas.microsoft.com/office/drawing/2014/main" xmlns="" id="{BC7114C6-6EE4-40C0-8956-8FCB809A04AD}"/>
+                <a16:creationId xmlns="" xmlns:a16="http://schemas.microsoft.com/office/drawing/2014/main" id="{BC7114C6-6EE4-40C0-8956-8FCB809A04AD}"/>
               </a:ext>
             </a:extLst>
           </p:cNvPr>
@@ -8867,7 +9742,7 @@
           <p:cNvPr id="60" name="TextBox 59">
             <a:extLst>
               <a:ext uri="{FF2B5EF4-FFF2-40B4-BE49-F238E27FC236}">
-                <a16:creationId xmlns:a16="http://schemas.microsoft.com/office/drawing/2014/main" xmlns="" id="{31D121CB-E9A6-4377-8EC7-996DCE7FE7F0}"/>
+                <a16:creationId xmlns="" xmlns:a16="http://schemas.microsoft.com/office/drawing/2014/main" id="{31D121CB-E9A6-4377-8EC7-996DCE7FE7F0}"/>
               </a:ext>
             </a:extLst>
           </p:cNvPr>
@@ -8923,7 +9798,7 @@
           <p:cNvPr id="61" name="TextBox 60">
             <a:extLst>
               <a:ext uri="{FF2B5EF4-FFF2-40B4-BE49-F238E27FC236}">
-                <a16:creationId xmlns:a16="http://schemas.microsoft.com/office/drawing/2014/main" xmlns="" id="{9B4F65B1-838F-4233-AB9F-17D7266A0A61}"/>
+                <a16:creationId xmlns="" xmlns:a16="http://schemas.microsoft.com/office/drawing/2014/main" id="{9B4F65B1-838F-4233-AB9F-17D7266A0A61}"/>
               </a:ext>
             </a:extLst>
           </p:cNvPr>
@@ -8959,7 +9834,7 @@
           <p:cNvPr id="71" name="TextBox 70">
             <a:extLst>
               <a:ext uri="{FF2B5EF4-FFF2-40B4-BE49-F238E27FC236}">
-                <a16:creationId xmlns:a16="http://schemas.microsoft.com/office/drawing/2014/main" xmlns="" id="{4D617EB8-F045-43AF-929B-A0B60FED8684}"/>
+                <a16:creationId xmlns="" xmlns:a16="http://schemas.microsoft.com/office/drawing/2014/main" id="{4D617EB8-F045-43AF-929B-A0B60FED8684}"/>
               </a:ext>
             </a:extLst>
           </p:cNvPr>
@@ -8995,7 +9870,7 @@
           <p:cNvPr id="34" name="Rectangle 33">
             <a:extLst>
               <a:ext uri="{FF2B5EF4-FFF2-40B4-BE49-F238E27FC236}">
-                <a16:creationId xmlns:a16="http://schemas.microsoft.com/office/drawing/2014/main" xmlns="" id="{8D55A658-EF6A-403D-AD82-5D812BA0E7FF}"/>
+                <a16:creationId xmlns="" xmlns:a16="http://schemas.microsoft.com/office/drawing/2014/main" id="{8D55A658-EF6A-403D-AD82-5D812BA0E7FF}"/>
               </a:ext>
             </a:extLst>
           </p:cNvPr>
@@ -9044,7 +9919,7 @@
           <p:cNvPr id="26" name="TextBox 25">
             <a:extLst>
               <a:ext uri="{FF2B5EF4-FFF2-40B4-BE49-F238E27FC236}">
-                <a16:creationId xmlns:a16="http://schemas.microsoft.com/office/drawing/2014/main" xmlns="" id="{F321309D-A351-4898-B9AB-57E1A05DFE86}"/>
+                <a16:creationId xmlns="" xmlns:a16="http://schemas.microsoft.com/office/drawing/2014/main" id="{F321309D-A351-4898-B9AB-57E1A05DFE86}"/>
               </a:ext>
             </a:extLst>
           </p:cNvPr>
@@ -9162,7 +10037,7 @@
           <p:cNvPr id="73" name="TextBox 72">
             <a:extLst>
               <a:ext uri="{FF2B5EF4-FFF2-40B4-BE49-F238E27FC236}">
-                <a16:creationId xmlns:a16="http://schemas.microsoft.com/office/drawing/2014/main" xmlns="" id="{0DB575F4-55E1-4346-A54B-4CE7421E81A3}"/>
+                <a16:creationId xmlns="" xmlns:a16="http://schemas.microsoft.com/office/drawing/2014/main" id="{0DB575F4-55E1-4346-A54B-4CE7421E81A3}"/>
               </a:ext>
             </a:extLst>
           </p:cNvPr>
@@ -9197,7 +10072,7 @@
           <p:cNvPr id="74" name="Straight Arrow Connector 73">
             <a:extLst>
               <a:ext uri="{FF2B5EF4-FFF2-40B4-BE49-F238E27FC236}">
-                <a16:creationId xmlns:a16="http://schemas.microsoft.com/office/drawing/2014/main" xmlns="" id="{32B9A1BC-DA09-4C47-8B52-71AFC36D1287}"/>
+                <a16:creationId xmlns="" xmlns:a16="http://schemas.microsoft.com/office/drawing/2014/main" id="{32B9A1BC-DA09-4C47-8B52-71AFC36D1287}"/>
               </a:ext>
             </a:extLst>
           </p:cNvPr>
@@ -9239,7 +10114,7 @@
           <p:cNvPr id="75" name="Flowchart: Connector 74">
             <a:extLst>
               <a:ext uri="{FF2B5EF4-FFF2-40B4-BE49-F238E27FC236}">
-                <a16:creationId xmlns:a16="http://schemas.microsoft.com/office/drawing/2014/main" xmlns="" id="{7C771497-424E-43E0-81FE-FAE2DEB88FA1}"/>
+                <a16:creationId xmlns="" xmlns:a16="http://schemas.microsoft.com/office/drawing/2014/main" id="{7C771497-424E-43E0-81FE-FAE2DEB88FA1}"/>
               </a:ext>
             </a:extLst>
           </p:cNvPr>
@@ -9288,7 +10163,7 @@
           <p:cNvPr id="76" name="Straight Arrow Connector 75">
             <a:extLst>
               <a:ext uri="{FF2B5EF4-FFF2-40B4-BE49-F238E27FC236}">
-                <a16:creationId xmlns:a16="http://schemas.microsoft.com/office/drawing/2014/main" xmlns="" id="{026B2301-C0E2-497F-91BB-00422EBB02BA}"/>
+                <a16:creationId xmlns="" xmlns:a16="http://schemas.microsoft.com/office/drawing/2014/main" id="{026B2301-C0E2-497F-91BB-00422EBB02BA}"/>
               </a:ext>
             </a:extLst>
           </p:cNvPr>
@@ -9329,7 +10204,7 @@
           <p:cNvPr id="82" name="TextBox 81">
             <a:extLst>
               <a:ext uri="{FF2B5EF4-FFF2-40B4-BE49-F238E27FC236}">
-                <a16:creationId xmlns:a16="http://schemas.microsoft.com/office/drawing/2014/main" xmlns="" id="{68683C05-4105-487F-9BA4-03485595111C}"/>
+                <a16:creationId xmlns="" xmlns:a16="http://schemas.microsoft.com/office/drawing/2014/main" id="{68683C05-4105-487F-9BA4-03485595111C}"/>
               </a:ext>
             </a:extLst>
           </p:cNvPr>
@@ -9369,7 +10244,7 @@
           <p:cNvPr id="83" name="Flowchart: Connector 82">
             <a:extLst>
               <a:ext uri="{FF2B5EF4-FFF2-40B4-BE49-F238E27FC236}">
-                <a16:creationId xmlns:a16="http://schemas.microsoft.com/office/drawing/2014/main" xmlns="" id="{17C7495C-033F-4719-A0D0-C4F6BB1129B5}"/>
+                <a16:creationId xmlns="" xmlns:a16="http://schemas.microsoft.com/office/drawing/2014/main" id="{17C7495C-033F-4719-A0D0-C4F6BB1129B5}"/>
               </a:ext>
             </a:extLst>
           </p:cNvPr>
@@ -9418,7 +10293,7 @@
           <p:cNvPr id="84" name="TextBox 83">
             <a:extLst>
               <a:ext uri="{FF2B5EF4-FFF2-40B4-BE49-F238E27FC236}">
-                <a16:creationId xmlns:a16="http://schemas.microsoft.com/office/drawing/2014/main" xmlns="" id="{90636DAF-6FB7-4EE4-B1C6-3BD109D8A6E9}"/>
+                <a16:creationId xmlns="" xmlns:a16="http://schemas.microsoft.com/office/drawing/2014/main" id="{90636DAF-6FB7-4EE4-B1C6-3BD109D8A6E9}"/>
               </a:ext>
             </a:extLst>
           </p:cNvPr>
@@ -9457,342 +10332,6 @@
     <p:extLst>
       <p:ext uri="{BB962C8B-B14F-4D97-AF65-F5344CB8AC3E}">
         <p14:creationId xmlns:p14="http://schemas.microsoft.com/office/powerpoint/2010/main" val="1332768106"/>
-      </p:ext>
-    </p:extLst>
-  </p:cSld>
-  <p:clrMapOvr>
-    <a:masterClrMapping/>
-  </p:clrMapOvr>
-</p:sld>
-</file>
-
-<file path=ppt/slides/slide6.xml><?xml version="1.0" encoding="utf-8"?>
-<p:sld xmlns:a="http://schemas.openxmlformats.org/drawingml/2006/main" xmlns:r="http://schemas.openxmlformats.org/officeDocument/2006/relationships" xmlns:p="http://schemas.openxmlformats.org/presentationml/2006/main">
-  <p:cSld>
-    <p:spTree>
-      <p:nvGrpSpPr>
-        <p:cNvPr id="1" name=""/>
-        <p:cNvGrpSpPr/>
-        <p:nvPr/>
-      </p:nvGrpSpPr>
-      <p:grpSpPr>
-        <a:xfrm>
-          <a:off x="0" y="0"/>
-          <a:ext cx="0" cy="0"/>
-          <a:chOff x="0" y="0"/>
-          <a:chExt cx="0" cy="0"/>
-        </a:xfrm>
-      </p:grpSpPr>
-      <p:pic>
-        <p:nvPicPr>
-          <p:cNvPr id="2050" name="Picture 2"/>
-          <p:cNvPicPr>
-            <a:picLocks noChangeAspect="1" noChangeArrowheads="1"/>
-          </p:cNvPicPr>
-          <p:nvPr/>
-        </p:nvPicPr>
-        <p:blipFill>
-          <a:blip r:embed="rId2">
-            <a:extLst>
-              <a:ext uri="{28A0092B-C50C-407E-A947-70E740481C1C}">
-                <a14:useLocalDpi xmlns:a14="http://schemas.microsoft.com/office/drawing/2010/main" val="0"/>
-              </a:ext>
-            </a:extLst>
-          </a:blip>
-          <a:srcRect/>
-          <a:stretch>
-            <a:fillRect/>
-          </a:stretch>
-        </p:blipFill>
-        <p:spPr bwMode="auto">
-          <a:xfrm>
-            <a:off x="145771" y="47335"/>
-            <a:ext cx="11873949" cy="6777493"/>
-          </a:xfrm>
-          <a:prstGeom prst="rect">
-            <a:avLst/>
-          </a:prstGeom>
-          <a:noFill/>
-          <a:ln>
-            <a:noFill/>
-          </a:ln>
-          <a:extLst>
-            <a:ext uri="{909E8E84-426E-40DD-AFC4-6F175D3DCCD1}">
-              <a14:hiddenFill xmlns:a14="http://schemas.microsoft.com/office/drawing/2010/main">
-                <a:solidFill>
-                  <a:schemeClr val="accent1"/>
-                </a:solidFill>
-              </a14:hiddenFill>
-            </a:ext>
-            <a:ext uri="{91240B29-F687-4F45-9708-019B960494DF}">
-              <a14:hiddenLine xmlns:a14="http://schemas.microsoft.com/office/drawing/2010/main" w="9525">
-                <a:solidFill>
-                  <a:schemeClr val="tx1"/>
-                </a:solidFill>
-                <a:miter lim="800000"/>
-                <a:headEnd/>
-                <a:tailEnd/>
-              </a14:hiddenLine>
-            </a:ext>
-          </a:extLst>
-        </p:spPr>
-      </p:pic>
-    </p:spTree>
-    <p:extLst>
-      <p:ext uri="{BB962C8B-B14F-4D97-AF65-F5344CB8AC3E}">
-        <p14:creationId xmlns:p14="http://schemas.microsoft.com/office/powerpoint/2010/main" val="3963758844"/>
-      </p:ext>
-    </p:extLst>
-  </p:cSld>
-  <p:clrMapOvr>
-    <a:masterClrMapping/>
-  </p:clrMapOvr>
-</p:sld>
-</file>
-
-<file path=ppt/slides/slide7.xml><?xml version="1.0" encoding="utf-8"?>
-<p:sld xmlns:a="http://schemas.openxmlformats.org/drawingml/2006/main" xmlns:r="http://schemas.openxmlformats.org/officeDocument/2006/relationships" xmlns:p="http://schemas.openxmlformats.org/presentationml/2006/main">
-  <p:cSld>
-    <p:spTree>
-      <p:nvGrpSpPr>
-        <p:cNvPr id="1" name=""/>
-        <p:cNvGrpSpPr/>
-        <p:nvPr/>
-      </p:nvGrpSpPr>
-      <p:grpSpPr>
-        <a:xfrm>
-          <a:off x="0" y="0"/>
-          <a:ext cx="0" cy="0"/>
-          <a:chOff x="0" y="0"/>
-          <a:chExt cx="0" cy="0"/>
-        </a:xfrm>
-      </p:grpSpPr>
-      <p:pic>
-        <p:nvPicPr>
-          <p:cNvPr id="1026" name="Picture 2"/>
-          <p:cNvPicPr>
-            <a:picLocks noChangeAspect="1" noChangeArrowheads="1"/>
-          </p:cNvPicPr>
-          <p:nvPr/>
-        </p:nvPicPr>
-        <p:blipFill>
-          <a:blip r:embed="rId2">
-            <a:extLst>
-              <a:ext uri="{28A0092B-C50C-407E-A947-70E740481C1C}">
-                <a14:useLocalDpi xmlns:a14="http://schemas.microsoft.com/office/drawing/2010/main" val="0"/>
-              </a:ext>
-            </a:extLst>
-          </a:blip>
-          <a:srcRect/>
-          <a:stretch>
-            <a:fillRect/>
-          </a:stretch>
-        </p:blipFill>
-        <p:spPr bwMode="auto">
-          <a:xfrm>
-            <a:off x="1723770" y="26504"/>
-            <a:ext cx="8559915" cy="6794062"/>
-          </a:xfrm>
-          <a:prstGeom prst="rect">
-            <a:avLst/>
-          </a:prstGeom>
-          <a:noFill/>
-          <a:ln>
-            <a:noFill/>
-          </a:ln>
-          <a:extLst>
-            <a:ext uri="{909E8E84-426E-40DD-AFC4-6F175D3DCCD1}">
-              <a14:hiddenFill xmlns:a14="http://schemas.microsoft.com/office/drawing/2010/main">
-                <a:solidFill>
-                  <a:schemeClr val="accent1"/>
-                </a:solidFill>
-              </a14:hiddenFill>
-            </a:ext>
-            <a:ext uri="{91240B29-F687-4F45-9708-019B960494DF}">
-              <a14:hiddenLine xmlns:a14="http://schemas.microsoft.com/office/drawing/2010/main" w="9525">
-                <a:solidFill>
-                  <a:schemeClr val="tx1"/>
-                </a:solidFill>
-                <a:miter lim="800000"/>
-                <a:headEnd/>
-                <a:tailEnd/>
-              </a14:hiddenLine>
-            </a:ext>
-          </a:extLst>
-        </p:spPr>
-      </p:pic>
-    </p:spTree>
-    <p:extLst>
-      <p:ext uri="{BB962C8B-B14F-4D97-AF65-F5344CB8AC3E}">
-        <p14:creationId xmlns:p14="http://schemas.microsoft.com/office/powerpoint/2010/main" val="94544922"/>
-      </p:ext>
-    </p:extLst>
-  </p:cSld>
-  <p:clrMapOvr>
-    <a:masterClrMapping/>
-  </p:clrMapOvr>
-</p:sld>
-</file>
-
-<file path=ppt/slides/slide8.xml><?xml version="1.0" encoding="utf-8"?>
-<p:sld xmlns:a="http://schemas.openxmlformats.org/drawingml/2006/main" xmlns:r="http://schemas.openxmlformats.org/officeDocument/2006/relationships" xmlns:p="http://schemas.openxmlformats.org/presentationml/2006/main">
-  <p:cSld>
-    <p:spTree>
-      <p:nvGrpSpPr>
-        <p:cNvPr id="1" name=""/>
-        <p:cNvGrpSpPr/>
-        <p:nvPr/>
-      </p:nvGrpSpPr>
-      <p:grpSpPr>
-        <a:xfrm>
-          <a:off x="0" y="0"/>
-          <a:ext cx="0" cy="0"/>
-          <a:chOff x="0" y="0"/>
-          <a:chExt cx="0" cy="0"/>
-        </a:xfrm>
-      </p:grpSpPr>
-      <p:pic>
-        <p:nvPicPr>
-          <p:cNvPr id="4098" name="Picture 2"/>
-          <p:cNvPicPr>
-            <a:picLocks noChangeAspect="1" noChangeArrowheads="1"/>
-          </p:cNvPicPr>
-          <p:nvPr/>
-        </p:nvPicPr>
-        <p:blipFill>
-          <a:blip r:embed="rId2">
-            <a:extLst>
-              <a:ext uri="{28A0092B-C50C-407E-A947-70E740481C1C}">
-                <a14:useLocalDpi xmlns:a14="http://schemas.microsoft.com/office/drawing/2010/main" val="0"/>
-              </a:ext>
-            </a:extLst>
-          </a:blip>
-          <a:srcRect/>
-          <a:stretch>
-            <a:fillRect/>
-          </a:stretch>
-        </p:blipFill>
-        <p:spPr bwMode="auto">
-          <a:xfrm>
-            <a:off x="68240" y="411608"/>
-            <a:ext cx="11995288" cy="5502759"/>
-          </a:xfrm>
-          <a:prstGeom prst="rect">
-            <a:avLst/>
-          </a:prstGeom>
-          <a:noFill/>
-          <a:ln>
-            <a:noFill/>
-          </a:ln>
-          <a:extLst>
-            <a:ext uri="{909E8E84-426E-40DD-AFC4-6F175D3DCCD1}">
-              <a14:hiddenFill xmlns:a14="http://schemas.microsoft.com/office/drawing/2010/main">
-                <a:solidFill>
-                  <a:schemeClr val="accent1"/>
-                </a:solidFill>
-              </a14:hiddenFill>
-            </a:ext>
-            <a:ext uri="{91240B29-F687-4F45-9708-019B960494DF}">
-              <a14:hiddenLine xmlns:a14="http://schemas.microsoft.com/office/drawing/2010/main" w="9525">
-                <a:solidFill>
-                  <a:schemeClr val="tx1"/>
-                </a:solidFill>
-                <a:miter lim="800000"/>
-                <a:headEnd/>
-                <a:tailEnd/>
-              </a14:hiddenLine>
-            </a:ext>
-          </a:extLst>
-        </p:spPr>
-      </p:pic>
-    </p:spTree>
-    <p:extLst>
-      <p:ext uri="{BB962C8B-B14F-4D97-AF65-F5344CB8AC3E}">
-        <p14:creationId xmlns:p14="http://schemas.microsoft.com/office/powerpoint/2010/main" val="4170496742"/>
-      </p:ext>
-    </p:extLst>
-  </p:cSld>
-  <p:clrMapOvr>
-    <a:masterClrMapping/>
-  </p:clrMapOvr>
-</p:sld>
-</file>
-
-<file path=ppt/slides/slide9.xml><?xml version="1.0" encoding="utf-8"?>
-<p:sld xmlns:a="http://schemas.openxmlformats.org/drawingml/2006/main" xmlns:r="http://schemas.openxmlformats.org/officeDocument/2006/relationships" xmlns:p="http://schemas.openxmlformats.org/presentationml/2006/main">
-  <p:cSld>
-    <p:spTree>
-      <p:nvGrpSpPr>
-        <p:cNvPr id="1" name=""/>
-        <p:cNvGrpSpPr/>
-        <p:nvPr/>
-      </p:nvGrpSpPr>
-      <p:grpSpPr>
-        <a:xfrm>
-          <a:off x="0" y="0"/>
-          <a:ext cx="0" cy="0"/>
-          <a:chOff x="0" y="0"/>
-          <a:chExt cx="0" cy="0"/>
-        </a:xfrm>
-      </p:grpSpPr>
-      <p:pic>
-        <p:nvPicPr>
-          <p:cNvPr id="5122" name="Picture 2"/>
-          <p:cNvPicPr>
-            <a:picLocks noChangeAspect="1" noChangeArrowheads="1"/>
-          </p:cNvPicPr>
-          <p:nvPr/>
-        </p:nvPicPr>
-        <p:blipFill>
-          <a:blip r:embed="rId2">
-            <a:extLst>
-              <a:ext uri="{28A0092B-C50C-407E-A947-70E740481C1C}">
-                <a14:useLocalDpi xmlns:a14="http://schemas.microsoft.com/office/drawing/2010/main" val="0"/>
-              </a:ext>
-            </a:extLst>
-          </a:blip>
-          <a:srcRect/>
-          <a:stretch>
-            <a:fillRect/>
-          </a:stretch>
-        </p:blipFill>
-        <p:spPr bwMode="auto">
-          <a:xfrm>
-            <a:off x="297924" y="719383"/>
-            <a:ext cx="11594565" cy="5445738"/>
-          </a:xfrm>
-          <a:prstGeom prst="rect">
-            <a:avLst/>
-          </a:prstGeom>
-          <a:noFill/>
-          <a:ln>
-            <a:noFill/>
-          </a:ln>
-          <a:extLst>
-            <a:ext uri="{909E8E84-426E-40DD-AFC4-6F175D3DCCD1}">
-              <a14:hiddenFill xmlns:a14="http://schemas.microsoft.com/office/drawing/2010/main">
-                <a:solidFill>
-                  <a:schemeClr val="accent1"/>
-                </a:solidFill>
-              </a14:hiddenFill>
-            </a:ext>
-            <a:ext uri="{91240B29-F687-4F45-9708-019B960494DF}">
-              <a14:hiddenLine xmlns:a14="http://schemas.microsoft.com/office/drawing/2010/main" w="9525">
-                <a:solidFill>
-                  <a:schemeClr val="tx1"/>
-                </a:solidFill>
-                <a:miter lim="800000"/>
-                <a:headEnd/>
-                <a:tailEnd/>
-              </a14:hiddenLine>
-            </a:ext>
-          </a:extLst>
-        </p:spPr>
-      </p:pic>
-    </p:spTree>
-    <p:extLst>
-      <p:ext uri="{BB962C8B-B14F-4D97-AF65-F5344CB8AC3E}">
-        <p14:creationId xmlns:p14="http://schemas.microsoft.com/office/powerpoint/2010/main" val="1499877092"/>
       </p:ext>
     </p:extLst>
   </p:cSld>
@@ -10091,7 +10630,7 @@
   <a:extraClrSchemeLst/>
   <a:extLst>
     <a:ext uri="{05A4C25C-085E-4340-85A3-A5531E510DB2}">
-      <thm15:themeFamily xmlns:thm15="http://schemas.microsoft.com/office/thememl/2012/main" xmlns="" name="Office Theme" id="{62F939B6-93AF-4DB8-9C6B-D6C7DFDC589F}" vid="{4A3C46E8-61CC-4603-A589-7422A47A8E4A}"/>
+      <thm15:themeFamily xmlns="" xmlns:thm15="http://schemas.microsoft.com/office/thememl/2012/main" name="Office Theme" id="{62F939B6-93AF-4DB8-9C6B-D6C7DFDC589F}" vid="{4A3C46E8-61CC-4603-A589-7422A47A8E4A}"/>
     </a:ext>
   </a:extLst>
 </a:theme>

--- a/doc/alameda.pptx
+++ b/doc/alameda.pptx
@@ -27,6 +27,7 @@
     <p:sldId id="271" r:id="rId21"/>
     <p:sldId id="273" r:id="rId22"/>
     <p:sldId id="276" r:id="rId23"/>
+    <p:sldId id="280" r:id="rId24"/>
   </p:sldIdLst>
   <p:sldSz cx="12192000" cy="6858000"/>
   <p:notesSz cx="6858000" cy="9144000"/>
@@ -127,7 +128,7 @@
   </p:defaultTextStyle>
   <p:extLst>
     <p:ext uri="{EFAFB233-063F-42B5-8137-9DF3F51BA10A}">
-      <p15:sldGuideLst xmlns="" xmlns:p15="http://schemas.microsoft.com/office/powerpoint/2012/main">
+      <p15:sldGuideLst xmlns:p15="http://schemas.microsoft.com/office/powerpoint/2012/main" xmlns="">
         <p15:guide id="1" orient="horz" pos="2160" userDrawn="1">
           <p15:clr>
             <a:srgbClr val="A4A3A4"/>
@@ -166,7 +167,7 @@
           <p:cNvPr id="2" name="Title 1">
             <a:extLst>
               <a:ext uri="{FF2B5EF4-FFF2-40B4-BE49-F238E27FC236}">
-                <a16:creationId xmlns="" xmlns:a16="http://schemas.microsoft.com/office/drawing/2014/main" id="{F54FFD6A-9F0D-4D8A-84E1-81529D4CB593}"/>
+                <a16:creationId xmlns:a16="http://schemas.microsoft.com/office/drawing/2014/main" xmlns="" id="{F54FFD6A-9F0D-4D8A-84E1-81529D4CB593}"/>
               </a:ext>
             </a:extLst>
           </p:cNvPr>
@@ -203,7 +204,7 @@
           <p:cNvPr id="3" name="Subtitle 2">
             <a:extLst>
               <a:ext uri="{FF2B5EF4-FFF2-40B4-BE49-F238E27FC236}">
-                <a16:creationId xmlns="" xmlns:a16="http://schemas.microsoft.com/office/drawing/2014/main" id="{CFAE37A4-1775-4045-B67A-A8A8CD1C0077}"/>
+                <a16:creationId xmlns:a16="http://schemas.microsoft.com/office/drawing/2014/main" xmlns="" id="{CFAE37A4-1775-4045-B67A-A8A8CD1C0077}"/>
               </a:ext>
             </a:extLst>
           </p:cNvPr>
@@ -273,7 +274,7 @@
           <p:cNvPr id="4" name="Date Placeholder 3">
             <a:extLst>
               <a:ext uri="{FF2B5EF4-FFF2-40B4-BE49-F238E27FC236}">
-                <a16:creationId xmlns="" xmlns:a16="http://schemas.microsoft.com/office/drawing/2014/main" id="{D356D301-2629-4101-A31A-A384A63091CA}"/>
+                <a16:creationId xmlns:a16="http://schemas.microsoft.com/office/drawing/2014/main" xmlns="" id="{D356D301-2629-4101-A31A-A384A63091CA}"/>
               </a:ext>
             </a:extLst>
           </p:cNvPr>
@@ -291,7 +292,7 @@
           <a:p>
             <a:fld id="{851AEE95-2569-4C43-9BD1-B77EE05EAFB8}" type="datetimeFigureOut">
               <a:rPr lang="en-US" smtClean="0"/>
-              <a:t>1/13/2021</a:t>
+              <a:t>1/25/2021</a:t>
             </a:fld>
             <a:endParaRPr lang="en-US"/>
           </a:p>
@@ -302,7 +303,7 @@
           <p:cNvPr id="5" name="Footer Placeholder 4">
             <a:extLst>
               <a:ext uri="{FF2B5EF4-FFF2-40B4-BE49-F238E27FC236}">
-                <a16:creationId xmlns="" xmlns:a16="http://schemas.microsoft.com/office/drawing/2014/main" id="{18A16A61-04B9-4B52-9737-788C611E4338}"/>
+                <a16:creationId xmlns:a16="http://schemas.microsoft.com/office/drawing/2014/main" xmlns="" id="{18A16A61-04B9-4B52-9737-788C611E4338}"/>
               </a:ext>
             </a:extLst>
           </p:cNvPr>
@@ -327,7 +328,7 @@
           <p:cNvPr id="6" name="Slide Number Placeholder 5">
             <a:extLst>
               <a:ext uri="{FF2B5EF4-FFF2-40B4-BE49-F238E27FC236}">
-                <a16:creationId xmlns="" xmlns:a16="http://schemas.microsoft.com/office/drawing/2014/main" id="{EE674C9F-2AC4-40E9-B637-C77B7FF0A318}"/>
+                <a16:creationId xmlns:a16="http://schemas.microsoft.com/office/drawing/2014/main" xmlns="" id="{EE674C9F-2AC4-40E9-B637-C77B7FF0A318}"/>
               </a:ext>
             </a:extLst>
           </p:cNvPr>
@@ -386,7 +387,7 @@
           <p:cNvPr id="2" name="Title 1">
             <a:extLst>
               <a:ext uri="{FF2B5EF4-FFF2-40B4-BE49-F238E27FC236}">
-                <a16:creationId xmlns="" xmlns:a16="http://schemas.microsoft.com/office/drawing/2014/main" id="{77E2478C-DF38-4E1A-9FC4-0AA4367A9A20}"/>
+                <a16:creationId xmlns:a16="http://schemas.microsoft.com/office/drawing/2014/main" xmlns="" id="{77E2478C-DF38-4E1A-9FC4-0AA4367A9A20}"/>
               </a:ext>
             </a:extLst>
           </p:cNvPr>
@@ -414,7 +415,7 @@
           <p:cNvPr id="3" name="Vertical Text Placeholder 2">
             <a:extLst>
               <a:ext uri="{FF2B5EF4-FFF2-40B4-BE49-F238E27FC236}">
-                <a16:creationId xmlns="" xmlns:a16="http://schemas.microsoft.com/office/drawing/2014/main" id="{F1F1E50C-6D22-49A6-8C43-46F5A084ABE6}"/>
+                <a16:creationId xmlns:a16="http://schemas.microsoft.com/office/drawing/2014/main" xmlns="" id="{F1F1E50C-6D22-49A6-8C43-46F5A084ABE6}"/>
               </a:ext>
             </a:extLst>
           </p:cNvPr>
@@ -471,7 +472,7 @@
           <p:cNvPr id="4" name="Date Placeholder 3">
             <a:extLst>
               <a:ext uri="{FF2B5EF4-FFF2-40B4-BE49-F238E27FC236}">
-                <a16:creationId xmlns="" xmlns:a16="http://schemas.microsoft.com/office/drawing/2014/main" id="{8852374A-E0D6-4DF0-B0C4-9B8E13A83AD1}"/>
+                <a16:creationId xmlns:a16="http://schemas.microsoft.com/office/drawing/2014/main" xmlns="" id="{8852374A-E0D6-4DF0-B0C4-9B8E13A83AD1}"/>
               </a:ext>
             </a:extLst>
           </p:cNvPr>
@@ -489,7 +490,7 @@
           <a:p>
             <a:fld id="{851AEE95-2569-4C43-9BD1-B77EE05EAFB8}" type="datetimeFigureOut">
               <a:rPr lang="en-US" smtClean="0"/>
-              <a:t>1/13/2021</a:t>
+              <a:t>1/25/2021</a:t>
             </a:fld>
             <a:endParaRPr lang="en-US"/>
           </a:p>
@@ -500,7 +501,7 @@
           <p:cNvPr id="5" name="Footer Placeholder 4">
             <a:extLst>
               <a:ext uri="{FF2B5EF4-FFF2-40B4-BE49-F238E27FC236}">
-                <a16:creationId xmlns="" xmlns:a16="http://schemas.microsoft.com/office/drawing/2014/main" id="{2EA2D46A-0441-42E3-9EB5-EFCBF29DA31E}"/>
+                <a16:creationId xmlns:a16="http://schemas.microsoft.com/office/drawing/2014/main" xmlns="" id="{2EA2D46A-0441-42E3-9EB5-EFCBF29DA31E}"/>
               </a:ext>
             </a:extLst>
           </p:cNvPr>
@@ -525,7 +526,7 @@
           <p:cNvPr id="6" name="Slide Number Placeholder 5">
             <a:extLst>
               <a:ext uri="{FF2B5EF4-FFF2-40B4-BE49-F238E27FC236}">
-                <a16:creationId xmlns="" xmlns:a16="http://schemas.microsoft.com/office/drawing/2014/main" id="{B2466100-BA18-47A3-BB37-A8E8F075E76F}"/>
+                <a16:creationId xmlns:a16="http://schemas.microsoft.com/office/drawing/2014/main" xmlns="" id="{B2466100-BA18-47A3-BB37-A8E8F075E76F}"/>
               </a:ext>
             </a:extLst>
           </p:cNvPr>
@@ -584,7 +585,7 @@
           <p:cNvPr id="2" name="Vertical Title 1">
             <a:extLst>
               <a:ext uri="{FF2B5EF4-FFF2-40B4-BE49-F238E27FC236}">
-                <a16:creationId xmlns="" xmlns:a16="http://schemas.microsoft.com/office/drawing/2014/main" id="{10A20E06-E938-4007-BE81-D314DFD8B0F7}"/>
+                <a16:creationId xmlns:a16="http://schemas.microsoft.com/office/drawing/2014/main" xmlns="" id="{10A20E06-E938-4007-BE81-D314DFD8B0F7}"/>
               </a:ext>
             </a:extLst>
           </p:cNvPr>
@@ -617,7 +618,7 @@
           <p:cNvPr id="3" name="Vertical Text Placeholder 2">
             <a:extLst>
               <a:ext uri="{FF2B5EF4-FFF2-40B4-BE49-F238E27FC236}">
-                <a16:creationId xmlns="" xmlns:a16="http://schemas.microsoft.com/office/drawing/2014/main" id="{75092203-FB07-4A4A-9207-FABBE8D24468}"/>
+                <a16:creationId xmlns:a16="http://schemas.microsoft.com/office/drawing/2014/main" xmlns="" id="{75092203-FB07-4A4A-9207-FABBE8D24468}"/>
               </a:ext>
             </a:extLst>
           </p:cNvPr>
@@ -679,7 +680,7 @@
           <p:cNvPr id="4" name="Date Placeholder 3">
             <a:extLst>
               <a:ext uri="{FF2B5EF4-FFF2-40B4-BE49-F238E27FC236}">
-                <a16:creationId xmlns="" xmlns:a16="http://schemas.microsoft.com/office/drawing/2014/main" id="{4CDAB42A-EF6A-4B3C-ADC7-4BEF4CE1FE38}"/>
+                <a16:creationId xmlns:a16="http://schemas.microsoft.com/office/drawing/2014/main" xmlns="" id="{4CDAB42A-EF6A-4B3C-ADC7-4BEF4CE1FE38}"/>
               </a:ext>
             </a:extLst>
           </p:cNvPr>
@@ -697,7 +698,7 @@
           <a:p>
             <a:fld id="{851AEE95-2569-4C43-9BD1-B77EE05EAFB8}" type="datetimeFigureOut">
               <a:rPr lang="en-US" smtClean="0"/>
-              <a:t>1/13/2021</a:t>
+              <a:t>1/25/2021</a:t>
             </a:fld>
             <a:endParaRPr lang="en-US"/>
           </a:p>
@@ -708,7 +709,7 @@
           <p:cNvPr id="5" name="Footer Placeholder 4">
             <a:extLst>
               <a:ext uri="{FF2B5EF4-FFF2-40B4-BE49-F238E27FC236}">
-                <a16:creationId xmlns="" xmlns:a16="http://schemas.microsoft.com/office/drawing/2014/main" id="{ED3083AF-644B-4CB9-9635-688353BEE1C9}"/>
+                <a16:creationId xmlns:a16="http://schemas.microsoft.com/office/drawing/2014/main" xmlns="" id="{ED3083AF-644B-4CB9-9635-688353BEE1C9}"/>
               </a:ext>
             </a:extLst>
           </p:cNvPr>
@@ -733,7 +734,7 @@
           <p:cNvPr id="6" name="Slide Number Placeholder 5">
             <a:extLst>
               <a:ext uri="{FF2B5EF4-FFF2-40B4-BE49-F238E27FC236}">
-                <a16:creationId xmlns="" xmlns:a16="http://schemas.microsoft.com/office/drawing/2014/main" id="{E7365CD1-1482-40D0-9111-7947FE585862}"/>
+                <a16:creationId xmlns:a16="http://schemas.microsoft.com/office/drawing/2014/main" xmlns="" id="{E7365CD1-1482-40D0-9111-7947FE585862}"/>
               </a:ext>
             </a:extLst>
           </p:cNvPr>
@@ -792,7 +793,7 @@
           <p:cNvPr id="2" name="Title 1">
             <a:extLst>
               <a:ext uri="{FF2B5EF4-FFF2-40B4-BE49-F238E27FC236}">
-                <a16:creationId xmlns="" xmlns:a16="http://schemas.microsoft.com/office/drawing/2014/main" id="{2DA429AD-08BB-4C0C-897F-07136E5A7154}"/>
+                <a16:creationId xmlns:a16="http://schemas.microsoft.com/office/drawing/2014/main" xmlns="" id="{2DA429AD-08BB-4C0C-897F-07136E5A7154}"/>
               </a:ext>
             </a:extLst>
           </p:cNvPr>
@@ -820,7 +821,7 @@
           <p:cNvPr id="3" name="Content Placeholder 2">
             <a:extLst>
               <a:ext uri="{FF2B5EF4-FFF2-40B4-BE49-F238E27FC236}">
-                <a16:creationId xmlns="" xmlns:a16="http://schemas.microsoft.com/office/drawing/2014/main" id="{5CCDAFFB-7004-4E4E-87F9-7429D1233047}"/>
+                <a16:creationId xmlns:a16="http://schemas.microsoft.com/office/drawing/2014/main" xmlns="" id="{5CCDAFFB-7004-4E4E-87F9-7429D1233047}"/>
               </a:ext>
             </a:extLst>
           </p:cNvPr>
@@ -877,7 +878,7 @@
           <p:cNvPr id="4" name="Date Placeholder 3">
             <a:extLst>
               <a:ext uri="{FF2B5EF4-FFF2-40B4-BE49-F238E27FC236}">
-                <a16:creationId xmlns="" xmlns:a16="http://schemas.microsoft.com/office/drawing/2014/main" id="{9D665D29-A45F-46B4-A8D6-43DD829CF911}"/>
+                <a16:creationId xmlns:a16="http://schemas.microsoft.com/office/drawing/2014/main" xmlns="" id="{9D665D29-A45F-46B4-A8D6-43DD829CF911}"/>
               </a:ext>
             </a:extLst>
           </p:cNvPr>
@@ -895,7 +896,7 @@
           <a:p>
             <a:fld id="{851AEE95-2569-4C43-9BD1-B77EE05EAFB8}" type="datetimeFigureOut">
               <a:rPr lang="en-US" smtClean="0"/>
-              <a:t>1/13/2021</a:t>
+              <a:t>1/25/2021</a:t>
             </a:fld>
             <a:endParaRPr lang="en-US"/>
           </a:p>
@@ -906,7 +907,7 @@
           <p:cNvPr id="5" name="Footer Placeholder 4">
             <a:extLst>
               <a:ext uri="{FF2B5EF4-FFF2-40B4-BE49-F238E27FC236}">
-                <a16:creationId xmlns="" xmlns:a16="http://schemas.microsoft.com/office/drawing/2014/main" id="{C28BC8E8-6B17-452D-9172-C63E2771D86C}"/>
+                <a16:creationId xmlns:a16="http://schemas.microsoft.com/office/drawing/2014/main" xmlns="" id="{C28BC8E8-6B17-452D-9172-C63E2771D86C}"/>
               </a:ext>
             </a:extLst>
           </p:cNvPr>
@@ -931,7 +932,7 @@
           <p:cNvPr id="6" name="Slide Number Placeholder 5">
             <a:extLst>
               <a:ext uri="{FF2B5EF4-FFF2-40B4-BE49-F238E27FC236}">
-                <a16:creationId xmlns="" xmlns:a16="http://schemas.microsoft.com/office/drawing/2014/main" id="{3CF95FD4-76E3-4D7E-BC02-201EA16636B7}"/>
+                <a16:creationId xmlns:a16="http://schemas.microsoft.com/office/drawing/2014/main" xmlns="" id="{3CF95FD4-76E3-4D7E-BC02-201EA16636B7}"/>
               </a:ext>
             </a:extLst>
           </p:cNvPr>
@@ -990,7 +991,7 @@
           <p:cNvPr id="2" name="Title 1">
             <a:extLst>
               <a:ext uri="{FF2B5EF4-FFF2-40B4-BE49-F238E27FC236}">
-                <a16:creationId xmlns="" xmlns:a16="http://schemas.microsoft.com/office/drawing/2014/main" id="{CCCC9B64-2F50-42A0-8A20-F63C72544EDA}"/>
+                <a16:creationId xmlns:a16="http://schemas.microsoft.com/office/drawing/2014/main" xmlns="" id="{CCCC9B64-2F50-42A0-8A20-F63C72544EDA}"/>
               </a:ext>
             </a:extLst>
           </p:cNvPr>
@@ -1027,7 +1028,7 @@
           <p:cNvPr id="3" name="Text Placeholder 2">
             <a:extLst>
               <a:ext uri="{FF2B5EF4-FFF2-40B4-BE49-F238E27FC236}">
-                <a16:creationId xmlns="" xmlns:a16="http://schemas.microsoft.com/office/drawing/2014/main" id="{7AEBB8E3-95B4-43DE-8929-0F95760675A6}"/>
+                <a16:creationId xmlns:a16="http://schemas.microsoft.com/office/drawing/2014/main" xmlns="" id="{7AEBB8E3-95B4-43DE-8929-0F95760675A6}"/>
               </a:ext>
             </a:extLst>
           </p:cNvPr>
@@ -1152,7 +1153,7 @@
           <p:cNvPr id="4" name="Date Placeholder 3">
             <a:extLst>
               <a:ext uri="{FF2B5EF4-FFF2-40B4-BE49-F238E27FC236}">
-                <a16:creationId xmlns="" xmlns:a16="http://schemas.microsoft.com/office/drawing/2014/main" id="{DF95555E-99B2-4706-B055-9074EFAEBA98}"/>
+                <a16:creationId xmlns:a16="http://schemas.microsoft.com/office/drawing/2014/main" xmlns="" id="{DF95555E-99B2-4706-B055-9074EFAEBA98}"/>
               </a:ext>
             </a:extLst>
           </p:cNvPr>
@@ -1170,7 +1171,7 @@
           <a:p>
             <a:fld id="{851AEE95-2569-4C43-9BD1-B77EE05EAFB8}" type="datetimeFigureOut">
               <a:rPr lang="en-US" smtClean="0"/>
-              <a:t>1/13/2021</a:t>
+              <a:t>1/25/2021</a:t>
             </a:fld>
             <a:endParaRPr lang="en-US"/>
           </a:p>
@@ -1181,7 +1182,7 @@
           <p:cNvPr id="5" name="Footer Placeholder 4">
             <a:extLst>
               <a:ext uri="{FF2B5EF4-FFF2-40B4-BE49-F238E27FC236}">
-                <a16:creationId xmlns="" xmlns:a16="http://schemas.microsoft.com/office/drawing/2014/main" id="{21F7E050-2D0D-4642-AEF7-AD59AED1346D}"/>
+                <a16:creationId xmlns:a16="http://schemas.microsoft.com/office/drawing/2014/main" xmlns="" id="{21F7E050-2D0D-4642-AEF7-AD59AED1346D}"/>
               </a:ext>
             </a:extLst>
           </p:cNvPr>
@@ -1206,7 +1207,7 @@
           <p:cNvPr id="6" name="Slide Number Placeholder 5">
             <a:extLst>
               <a:ext uri="{FF2B5EF4-FFF2-40B4-BE49-F238E27FC236}">
-                <a16:creationId xmlns="" xmlns:a16="http://schemas.microsoft.com/office/drawing/2014/main" id="{32985E12-035A-4231-B818-C4DE5B668235}"/>
+                <a16:creationId xmlns:a16="http://schemas.microsoft.com/office/drawing/2014/main" xmlns="" id="{32985E12-035A-4231-B818-C4DE5B668235}"/>
               </a:ext>
             </a:extLst>
           </p:cNvPr>
@@ -1265,7 +1266,7 @@
           <p:cNvPr id="2" name="Title 1">
             <a:extLst>
               <a:ext uri="{FF2B5EF4-FFF2-40B4-BE49-F238E27FC236}">
-                <a16:creationId xmlns="" xmlns:a16="http://schemas.microsoft.com/office/drawing/2014/main" id="{417AF47F-CC8F-42E5-889C-0482015B1F2D}"/>
+                <a16:creationId xmlns:a16="http://schemas.microsoft.com/office/drawing/2014/main" xmlns="" id="{417AF47F-CC8F-42E5-889C-0482015B1F2D}"/>
               </a:ext>
             </a:extLst>
           </p:cNvPr>
@@ -1293,7 +1294,7 @@
           <p:cNvPr id="3" name="Content Placeholder 2">
             <a:extLst>
               <a:ext uri="{FF2B5EF4-FFF2-40B4-BE49-F238E27FC236}">
-                <a16:creationId xmlns="" xmlns:a16="http://schemas.microsoft.com/office/drawing/2014/main" id="{AD5E1748-9751-40E1-B63A-0F2F876D0CC6}"/>
+                <a16:creationId xmlns:a16="http://schemas.microsoft.com/office/drawing/2014/main" xmlns="" id="{AD5E1748-9751-40E1-B63A-0F2F876D0CC6}"/>
               </a:ext>
             </a:extLst>
           </p:cNvPr>
@@ -1355,7 +1356,7 @@
           <p:cNvPr id="4" name="Content Placeholder 3">
             <a:extLst>
               <a:ext uri="{FF2B5EF4-FFF2-40B4-BE49-F238E27FC236}">
-                <a16:creationId xmlns="" xmlns:a16="http://schemas.microsoft.com/office/drawing/2014/main" id="{BE2FA331-3770-4558-8F05-9ABEE2062D98}"/>
+                <a16:creationId xmlns:a16="http://schemas.microsoft.com/office/drawing/2014/main" xmlns="" id="{BE2FA331-3770-4558-8F05-9ABEE2062D98}"/>
               </a:ext>
             </a:extLst>
           </p:cNvPr>
@@ -1417,7 +1418,7 @@
           <p:cNvPr id="5" name="Date Placeholder 4">
             <a:extLst>
               <a:ext uri="{FF2B5EF4-FFF2-40B4-BE49-F238E27FC236}">
-                <a16:creationId xmlns="" xmlns:a16="http://schemas.microsoft.com/office/drawing/2014/main" id="{B3F78E5C-C52E-4D07-AEFC-4AB4B810499E}"/>
+                <a16:creationId xmlns:a16="http://schemas.microsoft.com/office/drawing/2014/main" xmlns="" id="{B3F78E5C-C52E-4D07-AEFC-4AB4B810499E}"/>
               </a:ext>
             </a:extLst>
           </p:cNvPr>
@@ -1435,7 +1436,7 @@
           <a:p>
             <a:fld id="{851AEE95-2569-4C43-9BD1-B77EE05EAFB8}" type="datetimeFigureOut">
               <a:rPr lang="en-US" smtClean="0"/>
-              <a:t>1/13/2021</a:t>
+              <a:t>1/25/2021</a:t>
             </a:fld>
             <a:endParaRPr lang="en-US"/>
           </a:p>
@@ -1446,7 +1447,7 @@
           <p:cNvPr id="6" name="Footer Placeholder 5">
             <a:extLst>
               <a:ext uri="{FF2B5EF4-FFF2-40B4-BE49-F238E27FC236}">
-                <a16:creationId xmlns="" xmlns:a16="http://schemas.microsoft.com/office/drawing/2014/main" id="{98A13EF6-F3F1-44D6-9095-85674F6BE1C8}"/>
+                <a16:creationId xmlns:a16="http://schemas.microsoft.com/office/drawing/2014/main" xmlns="" id="{98A13EF6-F3F1-44D6-9095-85674F6BE1C8}"/>
               </a:ext>
             </a:extLst>
           </p:cNvPr>
@@ -1471,7 +1472,7 @@
           <p:cNvPr id="7" name="Slide Number Placeholder 6">
             <a:extLst>
               <a:ext uri="{FF2B5EF4-FFF2-40B4-BE49-F238E27FC236}">
-                <a16:creationId xmlns="" xmlns:a16="http://schemas.microsoft.com/office/drawing/2014/main" id="{7AF58DFD-7851-4EF4-9CE6-B5CC99D5227B}"/>
+                <a16:creationId xmlns:a16="http://schemas.microsoft.com/office/drawing/2014/main" xmlns="" id="{7AF58DFD-7851-4EF4-9CE6-B5CC99D5227B}"/>
               </a:ext>
             </a:extLst>
           </p:cNvPr>
@@ -1530,7 +1531,7 @@
           <p:cNvPr id="2" name="Title 1">
             <a:extLst>
               <a:ext uri="{FF2B5EF4-FFF2-40B4-BE49-F238E27FC236}">
-                <a16:creationId xmlns="" xmlns:a16="http://schemas.microsoft.com/office/drawing/2014/main" id="{DD193C23-E735-4CA3-B99D-6E9C8D371431}"/>
+                <a16:creationId xmlns:a16="http://schemas.microsoft.com/office/drawing/2014/main" xmlns="" id="{DD193C23-E735-4CA3-B99D-6E9C8D371431}"/>
               </a:ext>
             </a:extLst>
           </p:cNvPr>
@@ -1563,7 +1564,7 @@
           <p:cNvPr id="3" name="Text Placeholder 2">
             <a:extLst>
               <a:ext uri="{FF2B5EF4-FFF2-40B4-BE49-F238E27FC236}">
-                <a16:creationId xmlns="" xmlns:a16="http://schemas.microsoft.com/office/drawing/2014/main" id="{7D417A86-BFC8-4679-A716-739D8DC6E3DF}"/>
+                <a16:creationId xmlns:a16="http://schemas.microsoft.com/office/drawing/2014/main" xmlns="" id="{7D417A86-BFC8-4679-A716-739D8DC6E3DF}"/>
               </a:ext>
             </a:extLst>
           </p:cNvPr>
@@ -1634,7 +1635,7 @@
           <p:cNvPr id="4" name="Content Placeholder 3">
             <a:extLst>
               <a:ext uri="{FF2B5EF4-FFF2-40B4-BE49-F238E27FC236}">
-                <a16:creationId xmlns="" xmlns:a16="http://schemas.microsoft.com/office/drawing/2014/main" id="{2E60DB06-858A-403A-8E4B-EA3004B1E98E}"/>
+                <a16:creationId xmlns:a16="http://schemas.microsoft.com/office/drawing/2014/main" xmlns="" id="{2E60DB06-858A-403A-8E4B-EA3004B1E98E}"/>
               </a:ext>
             </a:extLst>
           </p:cNvPr>
@@ -1696,7 +1697,7 @@
           <p:cNvPr id="5" name="Text Placeholder 4">
             <a:extLst>
               <a:ext uri="{FF2B5EF4-FFF2-40B4-BE49-F238E27FC236}">
-                <a16:creationId xmlns="" xmlns:a16="http://schemas.microsoft.com/office/drawing/2014/main" id="{C5123883-EB0C-4B84-993E-972552AEAE0C}"/>
+                <a16:creationId xmlns:a16="http://schemas.microsoft.com/office/drawing/2014/main" xmlns="" id="{C5123883-EB0C-4B84-993E-972552AEAE0C}"/>
               </a:ext>
             </a:extLst>
           </p:cNvPr>
@@ -1767,7 +1768,7 @@
           <p:cNvPr id="6" name="Content Placeholder 5">
             <a:extLst>
               <a:ext uri="{FF2B5EF4-FFF2-40B4-BE49-F238E27FC236}">
-                <a16:creationId xmlns="" xmlns:a16="http://schemas.microsoft.com/office/drawing/2014/main" id="{1EB69384-704C-41C4-B3D0-217F0346A6D4}"/>
+                <a16:creationId xmlns:a16="http://schemas.microsoft.com/office/drawing/2014/main" xmlns="" id="{1EB69384-704C-41C4-B3D0-217F0346A6D4}"/>
               </a:ext>
             </a:extLst>
           </p:cNvPr>
@@ -1829,7 +1830,7 @@
           <p:cNvPr id="7" name="Date Placeholder 6">
             <a:extLst>
               <a:ext uri="{FF2B5EF4-FFF2-40B4-BE49-F238E27FC236}">
-                <a16:creationId xmlns="" xmlns:a16="http://schemas.microsoft.com/office/drawing/2014/main" id="{2FBCF45B-2148-4F32-96C1-067549EC4D1C}"/>
+                <a16:creationId xmlns:a16="http://schemas.microsoft.com/office/drawing/2014/main" xmlns="" id="{2FBCF45B-2148-4F32-96C1-067549EC4D1C}"/>
               </a:ext>
             </a:extLst>
           </p:cNvPr>
@@ -1847,7 +1848,7 @@
           <a:p>
             <a:fld id="{851AEE95-2569-4C43-9BD1-B77EE05EAFB8}" type="datetimeFigureOut">
               <a:rPr lang="en-US" smtClean="0"/>
-              <a:t>1/13/2021</a:t>
+              <a:t>1/25/2021</a:t>
             </a:fld>
             <a:endParaRPr lang="en-US"/>
           </a:p>
@@ -1858,7 +1859,7 @@
           <p:cNvPr id="8" name="Footer Placeholder 7">
             <a:extLst>
               <a:ext uri="{FF2B5EF4-FFF2-40B4-BE49-F238E27FC236}">
-                <a16:creationId xmlns="" xmlns:a16="http://schemas.microsoft.com/office/drawing/2014/main" id="{EC3CCD26-2089-4625-B84E-5DD367070E80}"/>
+                <a16:creationId xmlns:a16="http://schemas.microsoft.com/office/drawing/2014/main" xmlns="" id="{EC3CCD26-2089-4625-B84E-5DD367070E80}"/>
               </a:ext>
             </a:extLst>
           </p:cNvPr>
@@ -1883,7 +1884,7 @@
           <p:cNvPr id="9" name="Slide Number Placeholder 8">
             <a:extLst>
               <a:ext uri="{FF2B5EF4-FFF2-40B4-BE49-F238E27FC236}">
-                <a16:creationId xmlns="" xmlns:a16="http://schemas.microsoft.com/office/drawing/2014/main" id="{32C8C822-29E7-43E2-BF54-406350402DA3}"/>
+                <a16:creationId xmlns:a16="http://schemas.microsoft.com/office/drawing/2014/main" xmlns="" id="{32C8C822-29E7-43E2-BF54-406350402DA3}"/>
               </a:ext>
             </a:extLst>
           </p:cNvPr>
@@ -1942,7 +1943,7 @@
           <p:cNvPr id="2" name="Title 1">
             <a:extLst>
               <a:ext uri="{FF2B5EF4-FFF2-40B4-BE49-F238E27FC236}">
-                <a16:creationId xmlns="" xmlns:a16="http://schemas.microsoft.com/office/drawing/2014/main" id="{C2D2C844-30A7-4080-8B4F-3392EBE08434}"/>
+                <a16:creationId xmlns:a16="http://schemas.microsoft.com/office/drawing/2014/main" xmlns="" id="{C2D2C844-30A7-4080-8B4F-3392EBE08434}"/>
               </a:ext>
             </a:extLst>
           </p:cNvPr>
@@ -1970,7 +1971,7 @@
           <p:cNvPr id="3" name="Date Placeholder 2">
             <a:extLst>
               <a:ext uri="{FF2B5EF4-FFF2-40B4-BE49-F238E27FC236}">
-                <a16:creationId xmlns="" xmlns:a16="http://schemas.microsoft.com/office/drawing/2014/main" id="{1EDC5E67-C25C-4ADE-9CE5-DFED1C5B8299}"/>
+                <a16:creationId xmlns:a16="http://schemas.microsoft.com/office/drawing/2014/main" xmlns="" id="{1EDC5E67-C25C-4ADE-9CE5-DFED1C5B8299}"/>
               </a:ext>
             </a:extLst>
           </p:cNvPr>
@@ -1988,7 +1989,7 @@
           <a:p>
             <a:fld id="{851AEE95-2569-4C43-9BD1-B77EE05EAFB8}" type="datetimeFigureOut">
               <a:rPr lang="en-US" smtClean="0"/>
-              <a:t>1/13/2021</a:t>
+              <a:t>1/25/2021</a:t>
             </a:fld>
             <a:endParaRPr lang="en-US"/>
           </a:p>
@@ -1999,7 +2000,7 @@
           <p:cNvPr id="4" name="Footer Placeholder 3">
             <a:extLst>
               <a:ext uri="{FF2B5EF4-FFF2-40B4-BE49-F238E27FC236}">
-                <a16:creationId xmlns="" xmlns:a16="http://schemas.microsoft.com/office/drawing/2014/main" id="{FAA24DD6-0D58-4453-90AE-A254C2417D25}"/>
+                <a16:creationId xmlns:a16="http://schemas.microsoft.com/office/drawing/2014/main" xmlns="" id="{FAA24DD6-0D58-4453-90AE-A254C2417D25}"/>
               </a:ext>
             </a:extLst>
           </p:cNvPr>
@@ -2024,7 +2025,7 @@
           <p:cNvPr id="5" name="Slide Number Placeholder 4">
             <a:extLst>
               <a:ext uri="{FF2B5EF4-FFF2-40B4-BE49-F238E27FC236}">
-                <a16:creationId xmlns="" xmlns:a16="http://schemas.microsoft.com/office/drawing/2014/main" id="{79D0054B-8E41-4FD4-B888-27EBBB98826B}"/>
+                <a16:creationId xmlns:a16="http://schemas.microsoft.com/office/drawing/2014/main" xmlns="" id="{79D0054B-8E41-4FD4-B888-27EBBB98826B}"/>
               </a:ext>
             </a:extLst>
           </p:cNvPr>
@@ -2083,7 +2084,7 @@
           <p:cNvPr id="2" name="Date Placeholder 1">
             <a:extLst>
               <a:ext uri="{FF2B5EF4-FFF2-40B4-BE49-F238E27FC236}">
-                <a16:creationId xmlns="" xmlns:a16="http://schemas.microsoft.com/office/drawing/2014/main" id="{91803B2D-DBE1-4A99-83DA-ED67EAC41501}"/>
+                <a16:creationId xmlns:a16="http://schemas.microsoft.com/office/drawing/2014/main" xmlns="" id="{91803B2D-DBE1-4A99-83DA-ED67EAC41501}"/>
               </a:ext>
             </a:extLst>
           </p:cNvPr>
@@ -2101,7 +2102,7 @@
           <a:p>
             <a:fld id="{851AEE95-2569-4C43-9BD1-B77EE05EAFB8}" type="datetimeFigureOut">
               <a:rPr lang="en-US" smtClean="0"/>
-              <a:t>1/13/2021</a:t>
+              <a:t>1/25/2021</a:t>
             </a:fld>
             <a:endParaRPr lang="en-US"/>
           </a:p>
@@ -2112,7 +2113,7 @@
           <p:cNvPr id="3" name="Footer Placeholder 2">
             <a:extLst>
               <a:ext uri="{FF2B5EF4-FFF2-40B4-BE49-F238E27FC236}">
-                <a16:creationId xmlns="" xmlns:a16="http://schemas.microsoft.com/office/drawing/2014/main" id="{E26E4841-9D6B-4AB4-8804-10887325B933}"/>
+                <a16:creationId xmlns:a16="http://schemas.microsoft.com/office/drawing/2014/main" xmlns="" id="{E26E4841-9D6B-4AB4-8804-10887325B933}"/>
               </a:ext>
             </a:extLst>
           </p:cNvPr>
@@ -2137,7 +2138,7 @@
           <p:cNvPr id="4" name="Slide Number Placeholder 3">
             <a:extLst>
               <a:ext uri="{FF2B5EF4-FFF2-40B4-BE49-F238E27FC236}">
-                <a16:creationId xmlns="" xmlns:a16="http://schemas.microsoft.com/office/drawing/2014/main" id="{0DA365B6-7102-4EB1-BEA5-E495079F7769}"/>
+                <a16:creationId xmlns:a16="http://schemas.microsoft.com/office/drawing/2014/main" xmlns="" id="{0DA365B6-7102-4EB1-BEA5-E495079F7769}"/>
               </a:ext>
             </a:extLst>
           </p:cNvPr>
@@ -2196,7 +2197,7 @@
           <p:cNvPr id="2" name="Title 1">
             <a:extLst>
               <a:ext uri="{FF2B5EF4-FFF2-40B4-BE49-F238E27FC236}">
-                <a16:creationId xmlns="" xmlns:a16="http://schemas.microsoft.com/office/drawing/2014/main" id="{33CC50AE-60D2-4E0A-817D-B35289ED8AB2}"/>
+                <a16:creationId xmlns:a16="http://schemas.microsoft.com/office/drawing/2014/main" xmlns="" id="{33CC50AE-60D2-4E0A-817D-B35289ED8AB2}"/>
               </a:ext>
             </a:extLst>
           </p:cNvPr>
@@ -2233,7 +2234,7 @@
           <p:cNvPr id="3" name="Content Placeholder 2">
             <a:extLst>
               <a:ext uri="{FF2B5EF4-FFF2-40B4-BE49-F238E27FC236}">
-                <a16:creationId xmlns="" xmlns:a16="http://schemas.microsoft.com/office/drawing/2014/main" id="{AC50B48C-28AF-4196-AD35-A5FC5768D566}"/>
+                <a16:creationId xmlns:a16="http://schemas.microsoft.com/office/drawing/2014/main" xmlns="" id="{AC50B48C-28AF-4196-AD35-A5FC5768D566}"/>
               </a:ext>
             </a:extLst>
           </p:cNvPr>
@@ -2323,7 +2324,7 @@
           <p:cNvPr id="4" name="Text Placeholder 3">
             <a:extLst>
               <a:ext uri="{FF2B5EF4-FFF2-40B4-BE49-F238E27FC236}">
-                <a16:creationId xmlns="" xmlns:a16="http://schemas.microsoft.com/office/drawing/2014/main" id="{AA44DA92-1B2F-49DB-97E6-C7527BB6E16D}"/>
+                <a16:creationId xmlns:a16="http://schemas.microsoft.com/office/drawing/2014/main" xmlns="" id="{AA44DA92-1B2F-49DB-97E6-C7527BB6E16D}"/>
               </a:ext>
             </a:extLst>
           </p:cNvPr>
@@ -2394,7 +2395,7 @@
           <p:cNvPr id="5" name="Date Placeholder 4">
             <a:extLst>
               <a:ext uri="{FF2B5EF4-FFF2-40B4-BE49-F238E27FC236}">
-                <a16:creationId xmlns="" xmlns:a16="http://schemas.microsoft.com/office/drawing/2014/main" id="{0C372378-8A9A-4743-B9B5-D37F937B30A2}"/>
+                <a16:creationId xmlns:a16="http://schemas.microsoft.com/office/drawing/2014/main" xmlns="" id="{0C372378-8A9A-4743-B9B5-D37F937B30A2}"/>
               </a:ext>
             </a:extLst>
           </p:cNvPr>
@@ -2412,7 +2413,7 @@
           <a:p>
             <a:fld id="{851AEE95-2569-4C43-9BD1-B77EE05EAFB8}" type="datetimeFigureOut">
               <a:rPr lang="en-US" smtClean="0"/>
-              <a:t>1/13/2021</a:t>
+              <a:t>1/25/2021</a:t>
             </a:fld>
             <a:endParaRPr lang="en-US"/>
           </a:p>
@@ -2423,7 +2424,7 @@
           <p:cNvPr id="6" name="Footer Placeholder 5">
             <a:extLst>
               <a:ext uri="{FF2B5EF4-FFF2-40B4-BE49-F238E27FC236}">
-                <a16:creationId xmlns="" xmlns:a16="http://schemas.microsoft.com/office/drawing/2014/main" id="{BEA62CD4-C8D2-4FFA-8E26-363939C821EB}"/>
+                <a16:creationId xmlns:a16="http://schemas.microsoft.com/office/drawing/2014/main" xmlns="" id="{BEA62CD4-C8D2-4FFA-8E26-363939C821EB}"/>
               </a:ext>
             </a:extLst>
           </p:cNvPr>
@@ -2448,7 +2449,7 @@
           <p:cNvPr id="7" name="Slide Number Placeholder 6">
             <a:extLst>
               <a:ext uri="{FF2B5EF4-FFF2-40B4-BE49-F238E27FC236}">
-                <a16:creationId xmlns="" xmlns:a16="http://schemas.microsoft.com/office/drawing/2014/main" id="{54D64F31-1FCC-4C28-9744-A7F3670F45A6}"/>
+                <a16:creationId xmlns:a16="http://schemas.microsoft.com/office/drawing/2014/main" xmlns="" id="{54D64F31-1FCC-4C28-9744-A7F3670F45A6}"/>
               </a:ext>
             </a:extLst>
           </p:cNvPr>
@@ -2507,7 +2508,7 @@
           <p:cNvPr id="2" name="Title 1">
             <a:extLst>
               <a:ext uri="{FF2B5EF4-FFF2-40B4-BE49-F238E27FC236}">
-                <a16:creationId xmlns="" xmlns:a16="http://schemas.microsoft.com/office/drawing/2014/main" id="{B24E4D75-6E3E-4263-AA63-1EF0D6B0CCC5}"/>
+                <a16:creationId xmlns:a16="http://schemas.microsoft.com/office/drawing/2014/main" xmlns="" id="{B24E4D75-6E3E-4263-AA63-1EF0D6B0CCC5}"/>
               </a:ext>
             </a:extLst>
           </p:cNvPr>
@@ -2544,7 +2545,7 @@
           <p:cNvPr id="3" name="Picture Placeholder 2">
             <a:extLst>
               <a:ext uri="{FF2B5EF4-FFF2-40B4-BE49-F238E27FC236}">
-                <a16:creationId xmlns="" xmlns:a16="http://schemas.microsoft.com/office/drawing/2014/main" id="{1A91D5BF-B85E-4853-B600-048FC4B2F0A4}"/>
+                <a16:creationId xmlns:a16="http://schemas.microsoft.com/office/drawing/2014/main" xmlns="" id="{1A91D5BF-B85E-4853-B600-048FC4B2F0A4}"/>
               </a:ext>
             </a:extLst>
           </p:cNvPr>
@@ -2611,7 +2612,7 @@
           <p:cNvPr id="4" name="Text Placeholder 3">
             <a:extLst>
               <a:ext uri="{FF2B5EF4-FFF2-40B4-BE49-F238E27FC236}">
-                <a16:creationId xmlns="" xmlns:a16="http://schemas.microsoft.com/office/drawing/2014/main" id="{2041D79E-753D-4BF0-AD30-511EE5C52127}"/>
+                <a16:creationId xmlns:a16="http://schemas.microsoft.com/office/drawing/2014/main" xmlns="" id="{2041D79E-753D-4BF0-AD30-511EE5C52127}"/>
               </a:ext>
             </a:extLst>
           </p:cNvPr>
@@ -2682,7 +2683,7 @@
           <p:cNvPr id="5" name="Date Placeholder 4">
             <a:extLst>
               <a:ext uri="{FF2B5EF4-FFF2-40B4-BE49-F238E27FC236}">
-                <a16:creationId xmlns="" xmlns:a16="http://schemas.microsoft.com/office/drawing/2014/main" id="{14341DD3-67FC-464D-A0DD-ECD4C34D4F00}"/>
+                <a16:creationId xmlns:a16="http://schemas.microsoft.com/office/drawing/2014/main" xmlns="" id="{14341DD3-67FC-464D-A0DD-ECD4C34D4F00}"/>
               </a:ext>
             </a:extLst>
           </p:cNvPr>
@@ -2700,7 +2701,7 @@
           <a:p>
             <a:fld id="{851AEE95-2569-4C43-9BD1-B77EE05EAFB8}" type="datetimeFigureOut">
               <a:rPr lang="en-US" smtClean="0"/>
-              <a:t>1/13/2021</a:t>
+              <a:t>1/25/2021</a:t>
             </a:fld>
             <a:endParaRPr lang="en-US"/>
           </a:p>
@@ -2711,7 +2712,7 @@
           <p:cNvPr id="6" name="Footer Placeholder 5">
             <a:extLst>
               <a:ext uri="{FF2B5EF4-FFF2-40B4-BE49-F238E27FC236}">
-                <a16:creationId xmlns="" xmlns:a16="http://schemas.microsoft.com/office/drawing/2014/main" id="{E29EBDB0-254E-47C1-BC7C-5E8318B57FE8}"/>
+                <a16:creationId xmlns:a16="http://schemas.microsoft.com/office/drawing/2014/main" xmlns="" id="{E29EBDB0-254E-47C1-BC7C-5E8318B57FE8}"/>
               </a:ext>
             </a:extLst>
           </p:cNvPr>
@@ -2736,7 +2737,7 @@
           <p:cNvPr id="7" name="Slide Number Placeholder 6">
             <a:extLst>
               <a:ext uri="{FF2B5EF4-FFF2-40B4-BE49-F238E27FC236}">
-                <a16:creationId xmlns="" xmlns:a16="http://schemas.microsoft.com/office/drawing/2014/main" id="{C75F04FB-52DE-4C28-8DFD-42F93303A96A}"/>
+                <a16:creationId xmlns:a16="http://schemas.microsoft.com/office/drawing/2014/main" xmlns="" id="{C75F04FB-52DE-4C28-8DFD-42F93303A96A}"/>
               </a:ext>
             </a:extLst>
           </p:cNvPr>
@@ -2800,7 +2801,7 @@
           <p:cNvPr id="2" name="Title Placeholder 1">
             <a:extLst>
               <a:ext uri="{FF2B5EF4-FFF2-40B4-BE49-F238E27FC236}">
-                <a16:creationId xmlns="" xmlns:a16="http://schemas.microsoft.com/office/drawing/2014/main" id="{D25BF6FD-3DAC-4C5A-A93C-A83C4981516E}"/>
+                <a16:creationId xmlns:a16="http://schemas.microsoft.com/office/drawing/2014/main" xmlns="" id="{D25BF6FD-3DAC-4C5A-A93C-A83C4981516E}"/>
               </a:ext>
             </a:extLst>
           </p:cNvPr>
@@ -2838,7 +2839,7 @@
           <p:cNvPr id="3" name="Text Placeholder 2">
             <a:extLst>
               <a:ext uri="{FF2B5EF4-FFF2-40B4-BE49-F238E27FC236}">
-                <a16:creationId xmlns="" xmlns:a16="http://schemas.microsoft.com/office/drawing/2014/main" id="{A2646C98-22A4-4CCF-962E-6678DB707F94}"/>
+                <a16:creationId xmlns:a16="http://schemas.microsoft.com/office/drawing/2014/main" xmlns="" id="{A2646C98-22A4-4CCF-962E-6678DB707F94}"/>
               </a:ext>
             </a:extLst>
           </p:cNvPr>
@@ -2905,7 +2906,7 @@
           <p:cNvPr id="4" name="Date Placeholder 3">
             <a:extLst>
               <a:ext uri="{FF2B5EF4-FFF2-40B4-BE49-F238E27FC236}">
-                <a16:creationId xmlns="" xmlns:a16="http://schemas.microsoft.com/office/drawing/2014/main" id="{26711597-2F2B-4663-B85F-6301103CB7C0}"/>
+                <a16:creationId xmlns:a16="http://schemas.microsoft.com/office/drawing/2014/main" xmlns="" id="{26711597-2F2B-4663-B85F-6301103CB7C0}"/>
               </a:ext>
             </a:extLst>
           </p:cNvPr>
@@ -2941,7 +2942,7 @@
           <a:p>
             <a:fld id="{851AEE95-2569-4C43-9BD1-B77EE05EAFB8}" type="datetimeFigureOut">
               <a:rPr lang="en-US" smtClean="0"/>
-              <a:t>1/13/2021</a:t>
+              <a:t>1/25/2021</a:t>
             </a:fld>
             <a:endParaRPr lang="en-US"/>
           </a:p>
@@ -2952,7 +2953,7 @@
           <p:cNvPr id="5" name="Footer Placeholder 4">
             <a:extLst>
               <a:ext uri="{FF2B5EF4-FFF2-40B4-BE49-F238E27FC236}">
-                <a16:creationId xmlns="" xmlns:a16="http://schemas.microsoft.com/office/drawing/2014/main" id="{31D8BA64-E5A1-4696-9E19-A3BA3EA85928}"/>
+                <a16:creationId xmlns:a16="http://schemas.microsoft.com/office/drawing/2014/main" xmlns="" id="{31D8BA64-E5A1-4696-9E19-A3BA3EA85928}"/>
               </a:ext>
             </a:extLst>
           </p:cNvPr>
@@ -2995,7 +2996,7 @@
           <p:cNvPr id="6" name="Slide Number Placeholder 5">
             <a:extLst>
               <a:ext uri="{FF2B5EF4-FFF2-40B4-BE49-F238E27FC236}">
-                <a16:creationId xmlns="" xmlns:a16="http://schemas.microsoft.com/office/drawing/2014/main" id="{AFF95F3E-43EA-43F9-9A42-1F1AFB84B6B1}"/>
+                <a16:creationId xmlns:a16="http://schemas.microsoft.com/office/drawing/2014/main" xmlns="" id="{AFF95F3E-43EA-43F9-9A42-1F1AFB84B6B1}"/>
               </a:ext>
             </a:extLst>
           </p:cNvPr>
@@ -6242,6 +6243,132 @@
 </p:sld>
 </file>
 
+<file path=ppt/slides/slide23.xml><?xml version="1.0" encoding="utf-8"?>
+<p:sld xmlns:a="http://schemas.openxmlformats.org/drawingml/2006/main" xmlns:r="http://schemas.openxmlformats.org/officeDocument/2006/relationships" xmlns:p="http://schemas.openxmlformats.org/presentationml/2006/main">
+  <p:cSld>
+    <p:spTree>
+      <p:nvGrpSpPr>
+        <p:cNvPr id="1" name=""/>
+        <p:cNvGrpSpPr/>
+        <p:nvPr/>
+      </p:nvGrpSpPr>
+      <p:grpSpPr>
+        <a:xfrm>
+          <a:off x="0" y="0"/>
+          <a:ext cx="0" cy="0"/>
+          <a:chOff x="0" y="0"/>
+          <a:chExt cx="0" cy="0"/>
+        </a:xfrm>
+      </p:grpSpPr>
+      <p:sp>
+        <p:nvSpPr>
+          <p:cNvPr id="2" name="标题 1"/>
+          <p:cNvSpPr txBox="1">
+            <a:spLocks/>
+          </p:cNvSpPr>
+          <p:nvPr/>
+        </p:nvSpPr>
+        <p:spPr>
+          <a:xfrm>
+            <a:off x="457200" y="274638"/>
+            <a:ext cx="8229600" cy="1143000"/>
+          </a:xfrm>
+          <a:prstGeom prst="rect">
+            <a:avLst/>
+          </a:prstGeom>
+        </p:spPr>
+        <p:txBody>
+          <a:bodyPr/>
+          <a:lstStyle>
+            <a:lvl1pPr algn="l" defTabSz="914400" rtl="0" eaLnBrk="1" latinLnBrk="0" hangingPunct="1">
+              <a:lnSpc>
+                <a:spcPct val="90000"/>
+              </a:lnSpc>
+              <a:spcBef>
+                <a:spcPct val="0"/>
+              </a:spcBef>
+              <a:buNone/>
+              <a:defRPr sz="4400" kern="1200">
+                <a:solidFill>
+                  <a:schemeClr val="tx1"/>
+                </a:solidFill>
+                <a:latin typeface="+mj-lt"/>
+                <a:ea typeface="+mj-ea"/>
+                <a:cs typeface="+mj-cs"/>
+              </a:defRPr>
+            </a:lvl1pPr>
+          </a:lstStyle>
+          <a:p>
+            <a:r>
+              <a:rPr lang="zh-CN" altLang="en-US" smtClean="0"/>
+              <a:t>容量 </a:t>
+            </a:r>
+            <a:r>
+              <a:rPr lang="en-US" altLang="zh-CN" smtClean="0"/>
+              <a:t>vs. </a:t>
+            </a:r>
+            <a:r>
+              <a:rPr lang="zh-CN" altLang="en-US" smtClean="0"/>
+              <a:t>利用率曲线</a:t>
+            </a:r>
+            <a:endParaRPr lang="zh-CN" altLang="en-US" dirty="0"/>
+          </a:p>
+        </p:txBody>
+      </p:sp>
+      <p:pic>
+        <p:nvPicPr>
+          <p:cNvPr id="3" name="Picture 2" descr="https://lh3.googleusercontent.com/proxy/xkCsp409JBEYxZGAtQ92iMYFMtEzE0SCBe23ZP0DqVSpoGYXj6dDpa1Z-RZoiXw9tfXyw6uqjImCugNDg4O__hEqA5kIimh_MhJiYOURDrQWfVw"/>
+          <p:cNvPicPr>
+            <a:picLocks noChangeAspect="1" noChangeArrowheads="1"/>
+          </p:cNvPicPr>
+          <p:nvPr/>
+        </p:nvPicPr>
+        <p:blipFill>
+          <a:blip r:embed="rId2">
+            <a:extLst>
+              <a:ext uri="{28A0092B-C50C-407E-A947-70E740481C1C}">
+                <a14:useLocalDpi xmlns:a14="http://schemas.microsoft.com/office/drawing/2010/main" val="0"/>
+              </a:ext>
+            </a:extLst>
+          </a:blip>
+          <a:srcRect/>
+          <a:stretch>
+            <a:fillRect/>
+          </a:stretch>
+        </p:blipFill>
+        <p:spPr bwMode="auto">
+          <a:xfrm>
+            <a:off x="989842" y="1440200"/>
+            <a:ext cx="7110550" cy="5400600"/>
+          </a:xfrm>
+          <a:prstGeom prst="rect">
+            <a:avLst/>
+          </a:prstGeom>
+          <a:noFill/>
+          <a:extLst>
+            <a:ext uri="{909E8E84-426E-40DD-AFC4-6F175D3DCCD1}">
+              <a14:hiddenFill xmlns:a14="http://schemas.microsoft.com/office/drawing/2010/main">
+                <a:solidFill>
+                  <a:srgbClr val="FFFFFF"/>
+                </a:solidFill>
+              </a14:hiddenFill>
+            </a:ext>
+          </a:extLst>
+        </p:spPr>
+      </p:pic>
+    </p:spTree>
+    <p:extLst>
+      <p:ext uri="{BB962C8B-B14F-4D97-AF65-F5344CB8AC3E}">
+        <p14:creationId xmlns:p14="http://schemas.microsoft.com/office/powerpoint/2010/main" val="134677142"/>
+      </p:ext>
+    </p:extLst>
+  </p:cSld>
+  <p:clrMapOvr>
+    <a:masterClrMapping/>
+  </p:clrMapOvr>
+</p:sld>
+</file>
+
 <file path=ppt/slides/slide3.xml><?xml version="1.0" encoding="utf-8"?>
 <p:sld xmlns:a="http://schemas.openxmlformats.org/drawingml/2006/main" xmlns:r="http://schemas.openxmlformats.org/officeDocument/2006/relationships" xmlns:p="http://schemas.openxmlformats.org/presentationml/2006/main">
   <p:cSld>
@@ -6866,7 +6993,7 @@
           <p:cNvPr id="54" name="Straight Arrow Connector 53">
             <a:extLst>
               <a:ext uri="{FF2B5EF4-FFF2-40B4-BE49-F238E27FC236}">
-                <a16:creationId xmlns="" xmlns:a16="http://schemas.microsoft.com/office/drawing/2014/main" id="{E639245F-1D08-4D0F-B40B-3BE83552BCBE}"/>
+                <a16:creationId xmlns:a16="http://schemas.microsoft.com/office/drawing/2014/main" xmlns="" id="{E639245F-1D08-4D0F-B40B-3BE83552BCBE}"/>
               </a:ext>
             </a:extLst>
           </p:cNvPr>
@@ -6907,7 +7034,7 @@
           <p:cNvPr id="53" name="TextBox 52">
             <a:extLst>
               <a:ext uri="{FF2B5EF4-FFF2-40B4-BE49-F238E27FC236}">
-                <a16:creationId xmlns="" xmlns:a16="http://schemas.microsoft.com/office/drawing/2014/main" id="{8E9C385B-B477-483A-8D1A-DF40B00C49D5}"/>
+                <a16:creationId xmlns:a16="http://schemas.microsoft.com/office/drawing/2014/main" xmlns="" id="{8E9C385B-B477-483A-8D1A-DF40B00C49D5}"/>
               </a:ext>
             </a:extLst>
           </p:cNvPr>
@@ -6974,7 +7101,7 @@
           <p:cNvPr id="49" name="Straight Arrow Connector 48">
             <a:extLst>
               <a:ext uri="{FF2B5EF4-FFF2-40B4-BE49-F238E27FC236}">
-                <a16:creationId xmlns="" xmlns:a16="http://schemas.microsoft.com/office/drawing/2014/main" id="{84D7813A-581B-4C31-94B9-996630CD8520}"/>
+                <a16:creationId xmlns:a16="http://schemas.microsoft.com/office/drawing/2014/main" xmlns="" id="{84D7813A-581B-4C31-94B9-996630CD8520}"/>
               </a:ext>
             </a:extLst>
           </p:cNvPr>
@@ -7015,7 +7142,7 @@
           <p:cNvPr id="28" name="Straight Arrow Connector 27">
             <a:extLst>
               <a:ext uri="{FF2B5EF4-FFF2-40B4-BE49-F238E27FC236}">
-                <a16:creationId xmlns="" xmlns:a16="http://schemas.microsoft.com/office/drawing/2014/main" id="{9114EE52-F362-4D6F-92B3-CFD94DAD0581}"/>
+                <a16:creationId xmlns:a16="http://schemas.microsoft.com/office/drawing/2014/main" xmlns="" id="{9114EE52-F362-4D6F-92B3-CFD94DAD0581}"/>
               </a:ext>
             </a:extLst>
           </p:cNvPr>
@@ -7056,7 +7183,7 @@
           <p:cNvPr id="7" name="Rectangle 6">
             <a:extLst>
               <a:ext uri="{FF2B5EF4-FFF2-40B4-BE49-F238E27FC236}">
-                <a16:creationId xmlns="" xmlns:a16="http://schemas.microsoft.com/office/drawing/2014/main" id="{24395C30-C4DD-42F2-9970-6AA850F38E11}"/>
+                <a16:creationId xmlns:a16="http://schemas.microsoft.com/office/drawing/2014/main" xmlns="" id="{24395C30-C4DD-42F2-9970-6AA850F38E11}"/>
               </a:ext>
             </a:extLst>
           </p:cNvPr>
@@ -7115,7 +7242,7 @@
           <p:cNvPr id="8" name="Rectangle 7">
             <a:extLst>
               <a:ext uri="{FF2B5EF4-FFF2-40B4-BE49-F238E27FC236}">
-                <a16:creationId xmlns="" xmlns:a16="http://schemas.microsoft.com/office/drawing/2014/main" id="{BF710F7A-F8E4-474E-90D3-AA515DC901D3}"/>
+                <a16:creationId xmlns:a16="http://schemas.microsoft.com/office/drawing/2014/main" xmlns="" id="{BF710F7A-F8E4-474E-90D3-AA515DC901D3}"/>
               </a:ext>
             </a:extLst>
           </p:cNvPr>
@@ -7179,7 +7306,7 @@
           <p:cNvPr id="9" name="Rectangle 8">
             <a:extLst>
               <a:ext uri="{FF2B5EF4-FFF2-40B4-BE49-F238E27FC236}">
-                <a16:creationId xmlns="" xmlns:a16="http://schemas.microsoft.com/office/drawing/2014/main" id="{C431FE78-489F-4BA6-81C0-FE6F69D725DB}"/>
+                <a16:creationId xmlns:a16="http://schemas.microsoft.com/office/drawing/2014/main" xmlns="" id="{C431FE78-489F-4BA6-81C0-FE6F69D725DB}"/>
               </a:ext>
             </a:extLst>
           </p:cNvPr>
@@ -7306,7 +7433,7 @@
           <p:cNvPr id="11" name="Straight Arrow Connector 10">
             <a:extLst>
               <a:ext uri="{FF2B5EF4-FFF2-40B4-BE49-F238E27FC236}">
-                <a16:creationId xmlns="" xmlns:a16="http://schemas.microsoft.com/office/drawing/2014/main" id="{3BD5C017-8570-4CF5-A62C-3FA92A178C51}"/>
+                <a16:creationId xmlns:a16="http://schemas.microsoft.com/office/drawing/2014/main" xmlns="" id="{3BD5C017-8570-4CF5-A62C-3FA92A178C51}"/>
               </a:ext>
             </a:extLst>
           </p:cNvPr>
@@ -7348,7 +7475,7 @@
           <p:cNvPr id="14" name="Straight Arrow Connector 13">
             <a:extLst>
               <a:ext uri="{FF2B5EF4-FFF2-40B4-BE49-F238E27FC236}">
-                <a16:creationId xmlns="" xmlns:a16="http://schemas.microsoft.com/office/drawing/2014/main" id="{4050B6AF-2A26-468F-8759-B09AA714312A}"/>
+                <a16:creationId xmlns:a16="http://schemas.microsoft.com/office/drawing/2014/main" xmlns="" id="{4050B6AF-2A26-468F-8759-B09AA714312A}"/>
               </a:ext>
             </a:extLst>
           </p:cNvPr>
@@ -7389,7 +7516,7 @@
           <p:cNvPr id="18" name="TextBox 17">
             <a:extLst>
               <a:ext uri="{FF2B5EF4-FFF2-40B4-BE49-F238E27FC236}">
-                <a16:creationId xmlns="" xmlns:a16="http://schemas.microsoft.com/office/drawing/2014/main" id="{642BF4AE-75AC-44BD-9DAB-1E324194E3D1}"/>
+                <a16:creationId xmlns:a16="http://schemas.microsoft.com/office/drawing/2014/main" xmlns="" id="{642BF4AE-75AC-44BD-9DAB-1E324194E3D1}"/>
               </a:ext>
             </a:extLst>
           </p:cNvPr>
@@ -7436,7 +7563,7 @@
           <p:cNvPr id="19" name="TextBox 18">
             <a:extLst>
               <a:ext uri="{FF2B5EF4-FFF2-40B4-BE49-F238E27FC236}">
-                <a16:creationId xmlns="" xmlns:a16="http://schemas.microsoft.com/office/drawing/2014/main" id="{440F0FD9-D441-4B78-A38E-540362E4DEE5}"/>
+                <a16:creationId xmlns:a16="http://schemas.microsoft.com/office/drawing/2014/main" xmlns="" id="{440F0FD9-D441-4B78-A38E-540362E4DEE5}"/>
               </a:ext>
             </a:extLst>
           </p:cNvPr>
@@ -7476,7 +7603,7 @@
           <p:cNvPr id="20" name="Flowchart: Connector 19">
             <a:extLst>
               <a:ext uri="{FF2B5EF4-FFF2-40B4-BE49-F238E27FC236}">
-                <a16:creationId xmlns="" xmlns:a16="http://schemas.microsoft.com/office/drawing/2014/main" id="{BBF6734B-FA81-4DB1-B041-3C5C8FFFE092}"/>
+                <a16:creationId xmlns:a16="http://schemas.microsoft.com/office/drawing/2014/main" xmlns="" id="{BBF6734B-FA81-4DB1-B041-3C5C8FFFE092}"/>
               </a:ext>
             </a:extLst>
           </p:cNvPr>
@@ -7525,7 +7652,7 @@
           <p:cNvPr id="22" name="Flowchart: Connector 21">
             <a:extLst>
               <a:ext uri="{FF2B5EF4-FFF2-40B4-BE49-F238E27FC236}">
-                <a16:creationId xmlns="" xmlns:a16="http://schemas.microsoft.com/office/drawing/2014/main" id="{A3876B00-282A-4DF3-8A35-FD6B75B4FC80}"/>
+                <a16:creationId xmlns:a16="http://schemas.microsoft.com/office/drawing/2014/main" xmlns="" id="{A3876B00-282A-4DF3-8A35-FD6B75B4FC80}"/>
               </a:ext>
             </a:extLst>
           </p:cNvPr>
@@ -7574,7 +7701,7 @@
           <p:cNvPr id="27" name="Flowchart: Connector 26">
             <a:extLst>
               <a:ext uri="{FF2B5EF4-FFF2-40B4-BE49-F238E27FC236}">
-                <a16:creationId xmlns="" xmlns:a16="http://schemas.microsoft.com/office/drawing/2014/main" id="{D3233759-1ED5-44D2-B5F6-387E1E794A37}"/>
+                <a16:creationId xmlns:a16="http://schemas.microsoft.com/office/drawing/2014/main" xmlns="" id="{D3233759-1ED5-44D2-B5F6-387E1E794A37}"/>
               </a:ext>
             </a:extLst>
           </p:cNvPr>
@@ -7623,7 +7750,7 @@
           <p:cNvPr id="31" name="TextBox 30">
             <a:extLst>
               <a:ext uri="{FF2B5EF4-FFF2-40B4-BE49-F238E27FC236}">
-                <a16:creationId xmlns="" xmlns:a16="http://schemas.microsoft.com/office/drawing/2014/main" id="{77CBE75D-1670-4709-A510-06BA5E87D18A}"/>
+                <a16:creationId xmlns:a16="http://schemas.microsoft.com/office/drawing/2014/main" xmlns="" id="{77CBE75D-1670-4709-A510-06BA5E87D18A}"/>
               </a:ext>
             </a:extLst>
           </p:cNvPr>
@@ -7663,7 +7790,7 @@
           <p:cNvPr id="36" name="Table 36">
             <a:extLst>
               <a:ext uri="{FF2B5EF4-FFF2-40B4-BE49-F238E27FC236}">
-                <a16:creationId xmlns="" xmlns:a16="http://schemas.microsoft.com/office/drawing/2014/main" id="{0953DDE9-15B5-4283-A62B-E0B612B15147}"/>
+                <a16:creationId xmlns:a16="http://schemas.microsoft.com/office/drawing/2014/main" xmlns="" id="{0953DDE9-15B5-4283-A62B-E0B612B15147}"/>
               </a:ext>
             </a:extLst>
           </p:cNvPr>
@@ -7692,42 +7819,42 @@
                 <a:gridCol w="896467">
                   <a:extLst>
                     <a:ext uri="{9D8B030D-6E8A-4147-A177-3AD203B41FA5}">
-                      <a16:colId xmlns="" xmlns:a16="http://schemas.microsoft.com/office/drawing/2014/main" val="3256965434"/>
+                      <a16:colId xmlns:a16="http://schemas.microsoft.com/office/drawing/2014/main" xmlns="" val="3256965434"/>
                     </a:ext>
                   </a:extLst>
                 </a:gridCol>
                 <a:gridCol w="1302300">
                   <a:extLst>
                     <a:ext uri="{9D8B030D-6E8A-4147-A177-3AD203B41FA5}">
-                      <a16:colId xmlns="" xmlns:a16="http://schemas.microsoft.com/office/drawing/2014/main" val="3060366294"/>
+                      <a16:colId xmlns:a16="http://schemas.microsoft.com/office/drawing/2014/main" xmlns="" val="3060366294"/>
                     </a:ext>
                   </a:extLst>
                 </a:gridCol>
                 <a:gridCol w="1262891">
                   <a:extLst>
                     <a:ext uri="{9D8B030D-6E8A-4147-A177-3AD203B41FA5}">
-                      <a16:colId xmlns="" xmlns:a16="http://schemas.microsoft.com/office/drawing/2014/main" val="51315490"/>
+                      <a16:colId xmlns:a16="http://schemas.microsoft.com/office/drawing/2014/main" xmlns="" val="51315490"/>
                     </a:ext>
                   </a:extLst>
                 </a:gridCol>
                 <a:gridCol w="1305367">
                   <a:extLst>
                     <a:ext uri="{9D8B030D-6E8A-4147-A177-3AD203B41FA5}">
-                      <a16:colId xmlns="" xmlns:a16="http://schemas.microsoft.com/office/drawing/2014/main" val="813429945"/>
+                      <a16:colId xmlns:a16="http://schemas.microsoft.com/office/drawing/2014/main" xmlns="" val="813429945"/>
                     </a:ext>
                   </a:extLst>
                 </a:gridCol>
                 <a:gridCol w="274051">
                   <a:extLst>
                     <a:ext uri="{9D8B030D-6E8A-4147-A177-3AD203B41FA5}">
-                      <a16:colId xmlns="" xmlns:a16="http://schemas.microsoft.com/office/drawing/2014/main" val="2222218256"/>
+                      <a16:colId xmlns:a16="http://schemas.microsoft.com/office/drawing/2014/main" xmlns="" val="2222218256"/>
                     </a:ext>
                   </a:extLst>
                 </a:gridCol>
                 <a:gridCol w="1276596">
                   <a:extLst>
                     <a:ext uri="{9D8B030D-6E8A-4147-A177-3AD203B41FA5}">
-                      <a16:colId xmlns="" xmlns:a16="http://schemas.microsoft.com/office/drawing/2014/main" val="3416483484"/>
+                      <a16:colId xmlns:a16="http://schemas.microsoft.com/office/drawing/2014/main" xmlns="" val="3416483484"/>
                     </a:ext>
                   </a:extLst>
                 </a:gridCol>
@@ -7836,7 +7963,7 @@
                 </a:tc>
                 <a:extLst>
                   <a:ext uri="{0D108BD9-81ED-4DB2-BD59-A6C34878D82A}">
-                    <a16:rowId xmlns="" xmlns:a16="http://schemas.microsoft.com/office/drawing/2014/main" val="4033338659"/>
+                    <a16:rowId xmlns:a16="http://schemas.microsoft.com/office/drawing/2014/main" xmlns="" val="4033338659"/>
                   </a:ext>
                 </a:extLst>
               </a:tr>
@@ -7944,7 +8071,7 @@
                 </a:tc>
                 <a:extLst>
                   <a:ext uri="{0D108BD9-81ED-4DB2-BD59-A6C34878D82A}">
-                    <a16:rowId xmlns="" xmlns:a16="http://schemas.microsoft.com/office/drawing/2014/main" val="2592489538"/>
+                    <a16:rowId xmlns:a16="http://schemas.microsoft.com/office/drawing/2014/main" xmlns="" val="2592489538"/>
                   </a:ext>
                 </a:extLst>
               </a:tr>
@@ -8226,7 +8353,7 @@
                 </a:tc>
                 <a:extLst>
                   <a:ext uri="{0D108BD9-81ED-4DB2-BD59-A6C34878D82A}">
-                    <a16:rowId xmlns="" xmlns:a16="http://schemas.microsoft.com/office/drawing/2014/main" val="3303360143"/>
+                    <a16:rowId xmlns:a16="http://schemas.microsoft.com/office/drawing/2014/main" xmlns="" val="3303360143"/>
                   </a:ext>
                 </a:extLst>
               </a:tr>
@@ -8239,7 +8366,7 @@
           <p:cNvPr id="43" name="TextBox 42">
             <a:extLst>
               <a:ext uri="{FF2B5EF4-FFF2-40B4-BE49-F238E27FC236}">
-                <a16:creationId xmlns="" xmlns:a16="http://schemas.microsoft.com/office/drawing/2014/main" id="{B2EEFB7D-1780-42A5-92FA-AF36B1A7170C}"/>
+                <a16:creationId xmlns:a16="http://schemas.microsoft.com/office/drawing/2014/main" xmlns="" id="{B2EEFB7D-1780-42A5-92FA-AF36B1A7170C}"/>
               </a:ext>
             </a:extLst>
           </p:cNvPr>
@@ -8279,7 +8406,7 @@
           <p:cNvPr id="44" name="TextBox 43">
             <a:extLst>
               <a:ext uri="{FF2B5EF4-FFF2-40B4-BE49-F238E27FC236}">
-                <a16:creationId xmlns="" xmlns:a16="http://schemas.microsoft.com/office/drawing/2014/main" id="{4C568B08-12A0-4E09-B926-AC6DD856FAFE}"/>
+                <a16:creationId xmlns:a16="http://schemas.microsoft.com/office/drawing/2014/main" xmlns="" id="{4C568B08-12A0-4E09-B926-AC6DD856FAFE}"/>
               </a:ext>
             </a:extLst>
           </p:cNvPr>
@@ -8344,7 +8471,7 @@
           <p:cNvPr id="45" name="Flowchart: Connector 44">
             <a:extLst>
               <a:ext uri="{FF2B5EF4-FFF2-40B4-BE49-F238E27FC236}">
-                <a16:creationId xmlns="" xmlns:a16="http://schemas.microsoft.com/office/drawing/2014/main" id="{A4454098-8AC0-4A48-90EA-CA74C8785074}"/>
+                <a16:creationId xmlns:a16="http://schemas.microsoft.com/office/drawing/2014/main" xmlns="" id="{A4454098-8AC0-4A48-90EA-CA74C8785074}"/>
               </a:ext>
             </a:extLst>
           </p:cNvPr>
@@ -8393,7 +8520,7 @@
           <p:cNvPr id="52" name="Flowchart: Connector 51">
             <a:extLst>
               <a:ext uri="{FF2B5EF4-FFF2-40B4-BE49-F238E27FC236}">
-                <a16:creationId xmlns="" xmlns:a16="http://schemas.microsoft.com/office/drawing/2014/main" id="{38D3927D-60FD-46E6-915E-84B68FB48C61}"/>
+                <a16:creationId xmlns:a16="http://schemas.microsoft.com/office/drawing/2014/main" xmlns="" id="{38D3927D-60FD-46E6-915E-84B68FB48C61}"/>
               </a:ext>
             </a:extLst>
           </p:cNvPr>
@@ -8442,7 +8569,7 @@
           <p:cNvPr id="59" name="Flowchart: Connector 58">
             <a:extLst>
               <a:ext uri="{FF2B5EF4-FFF2-40B4-BE49-F238E27FC236}">
-                <a16:creationId xmlns="" xmlns:a16="http://schemas.microsoft.com/office/drawing/2014/main" id="{A99F686F-062C-4441-83DA-791F7726DE29}"/>
+                <a16:creationId xmlns:a16="http://schemas.microsoft.com/office/drawing/2014/main" xmlns="" id="{A99F686F-062C-4441-83DA-791F7726DE29}"/>
               </a:ext>
             </a:extLst>
           </p:cNvPr>
@@ -8491,7 +8618,7 @@
           <p:cNvPr id="62" name="TextBox 61">
             <a:extLst>
               <a:ext uri="{FF2B5EF4-FFF2-40B4-BE49-F238E27FC236}">
-                <a16:creationId xmlns="" xmlns:a16="http://schemas.microsoft.com/office/drawing/2014/main" id="{A17E813B-CFE7-4C47-9BBE-F356D83A02EF}"/>
+                <a16:creationId xmlns:a16="http://schemas.microsoft.com/office/drawing/2014/main" xmlns="" id="{A17E813B-CFE7-4C47-9BBE-F356D83A02EF}"/>
               </a:ext>
             </a:extLst>
           </p:cNvPr>
@@ -8539,7 +8666,7 @@
           <p:cNvPr id="63" name="TextBox 62">
             <a:extLst>
               <a:ext uri="{FF2B5EF4-FFF2-40B4-BE49-F238E27FC236}">
-                <a16:creationId xmlns="" xmlns:a16="http://schemas.microsoft.com/office/drawing/2014/main" id="{31CF2BD5-0230-4B01-A858-EB442FF58F6C}"/>
+                <a16:creationId xmlns:a16="http://schemas.microsoft.com/office/drawing/2014/main" xmlns="" id="{31CF2BD5-0230-4B01-A858-EB442FF58F6C}"/>
               </a:ext>
             </a:extLst>
           </p:cNvPr>
@@ -8575,7 +8702,7 @@
           <p:cNvPr id="64" name="Table 36">
             <a:extLst>
               <a:ext uri="{FF2B5EF4-FFF2-40B4-BE49-F238E27FC236}">
-                <a16:creationId xmlns="" xmlns:a16="http://schemas.microsoft.com/office/drawing/2014/main" id="{4F741B30-D54E-4F5A-ADE5-382397CCF575}"/>
+                <a16:creationId xmlns:a16="http://schemas.microsoft.com/office/drawing/2014/main" xmlns="" id="{4F741B30-D54E-4F5A-ADE5-382397CCF575}"/>
               </a:ext>
             </a:extLst>
           </p:cNvPr>
@@ -8604,14 +8731,14 @@
                 <a:gridCol w="943737">
                   <a:extLst>
                     <a:ext uri="{9D8B030D-6E8A-4147-A177-3AD203B41FA5}">
-                      <a16:colId xmlns="" xmlns:a16="http://schemas.microsoft.com/office/drawing/2014/main" val="3256965434"/>
+                      <a16:colId xmlns:a16="http://schemas.microsoft.com/office/drawing/2014/main" xmlns="" val="3256965434"/>
                     </a:ext>
                   </a:extLst>
                 </a:gridCol>
                 <a:gridCol w="1343907">
                   <a:extLst>
                     <a:ext uri="{9D8B030D-6E8A-4147-A177-3AD203B41FA5}">
-                      <a16:colId xmlns="" xmlns:a16="http://schemas.microsoft.com/office/drawing/2014/main" val="3416483484"/>
+                      <a16:colId xmlns:a16="http://schemas.microsoft.com/office/drawing/2014/main" xmlns="" val="3416483484"/>
                     </a:ext>
                   </a:extLst>
                 </a:gridCol>
@@ -8714,7 +8841,7 @@
                 </a:tc>
                 <a:extLst>
                   <a:ext uri="{0D108BD9-81ED-4DB2-BD59-A6C34878D82A}">
-                    <a16:rowId xmlns="" xmlns:a16="http://schemas.microsoft.com/office/drawing/2014/main" val="3303360143"/>
+                    <a16:rowId xmlns:a16="http://schemas.microsoft.com/office/drawing/2014/main" xmlns="" val="3303360143"/>
                   </a:ext>
                 </a:extLst>
               </a:tr>
@@ -8727,7 +8854,7 @@
           <p:cNvPr id="29" name="Rectangle 28">
             <a:extLst>
               <a:ext uri="{FF2B5EF4-FFF2-40B4-BE49-F238E27FC236}">
-                <a16:creationId xmlns="" xmlns:a16="http://schemas.microsoft.com/office/drawing/2014/main" id="{2B619487-847E-4B38-AAF8-CC98B5845628}"/>
+                <a16:creationId xmlns:a16="http://schemas.microsoft.com/office/drawing/2014/main" xmlns="" id="{2B619487-847E-4B38-AAF8-CC98B5845628}"/>
               </a:ext>
             </a:extLst>
           </p:cNvPr>
@@ -8791,7 +8918,7 @@
           <p:cNvPr id="30" name="Straight Arrow Connector 29">
             <a:extLst>
               <a:ext uri="{FF2B5EF4-FFF2-40B4-BE49-F238E27FC236}">
-                <a16:creationId xmlns="" xmlns:a16="http://schemas.microsoft.com/office/drawing/2014/main" id="{6FF4CE29-0926-484A-A863-5A6D931DBB62}"/>
+                <a16:creationId xmlns:a16="http://schemas.microsoft.com/office/drawing/2014/main" xmlns="" id="{6FF4CE29-0926-484A-A863-5A6D931DBB62}"/>
               </a:ext>
             </a:extLst>
           </p:cNvPr>
@@ -8832,7 +8959,7 @@
           <p:cNvPr id="32" name="Flowchart: Connector 31">
             <a:extLst>
               <a:ext uri="{FF2B5EF4-FFF2-40B4-BE49-F238E27FC236}">
-                <a16:creationId xmlns="" xmlns:a16="http://schemas.microsoft.com/office/drawing/2014/main" id="{BA7C9F43-16FD-4511-9E87-245B3E036C35}"/>
+                <a16:creationId xmlns:a16="http://schemas.microsoft.com/office/drawing/2014/main" xmlns="" id="{BA7C9F43-16FD-4511-9E87-245B3E036C35}"/>
               </a:ext>
             </a:extLst>
           </p:cNvPr>
@@ -8881,7 +9008,7 @@
           <p:cNvPr id="33" name="TextBox 32">
             <a:extLst>
               <a:ext uri="{FF2B5EF4-FFF2-40B4-BE49-F238E27FC236}">
-                <a16:creationId xmlns="" xmlns:a16="http://schemas.microsoft.com/office/drawing/2014/main" id="{6CB1F636-1909-4A62-9000-26FD7AE03A88}"/>
+                <a16:creationId xmlns:a16="http://schemas.microsoft.com/office/drawing/2014/main" xmlns="" id="{6CB1F636-1909-4A62-9000-26FD7AE03A88}"/>
               </a:ext>
             </a:extLst>
           </p:cNvPr>
@@ -8921,7 +9048,7 @@
           <p:cNvPr id="5" name="Straight Arrow Connector 4">
             <a:extLst>
               <a:ext uri="{FF2B5EF4-FFF2-40B4-BE49-F238E27FC236}">
-                <a16:creationId xmlns="" xmlns:a16="http://schemas.microsoft.com/office/drawing/2014/main" id="{84BC61FD-CFE3-423B-B4AC-3F78F9C9A9E5}"/>
+                <a16:creationId xmlns:a16="http://schemas.microsoft.com/office/drawing/2014/main" xmlns="" id="{84BC61FD-CFE3-423B-B4AC-3F78F9C9A9E5}"/>
               </a:ext>
             </a:extLst>
           </p:cNvPr>
@@ -8962,7 +9089,7 @@
           <p:cNvPr id="12" name="Straight Connector 11">
             <a:extLst>
               <a:ext uri="{FF2B5EF4-FFF2-40B4-BE49-F238E27FC236}">
-                <a16:creationId xmlns="" xmlns:a16="http://schemas.microsoft.com/office/drawing/2014/main" id="{35112823-D001-4960-84F6-746A7C87F7DA}"/>
+                <a16:creationId xmlns:a16="http://schemas.microsoft.com/office/drawing/2014/main" xmlns="" id="{35112823-D001-4960-84F6-746A7C87F7DA}"/>
               </a:ext>
             </a:extLst>
           </p:cNvPr>
@@ -8999,7 +9126,7 @@
           <p:cNvPr id="41" name="Straight Connector 40">
             <a:extLst>
               <a:ext uri="{FF2B5EF4-FFF2-40B4-BE49-F238E27FC236}">
-                <a16:creationId xmlns="" xmlns:a16="http://schemas.microsoft.com/office/drawing/2014/main" id="{2A730419-0C8F-4DA5-9C4C-AEF56AF0F459}"/>
+                <a16:creationId xmlns:a16="http://schemas.microsoft.com/office/drawing/2014/main" xmlns="" id="{2A730419-0C8F-4DA5-9C4C-AEF56AF0F459}"/>
               </a:ext>
             </a:extLst>
           </p:cNvPr>
@@ -9036,7 +9163,7 @@
           <p:cNvPr id="42" name="Straight Connector 41">
             <a:extLst>
               <a:ext uri="{FF2B5EF4-FFF2-40B4-BE49-F238E27FC236}">
-                <a16:creationId xmlns="" xmlns:a16="http://schemas.microsoft.com/office/drawing/2014/main" id="{7E37862B-8C7A-43AA-9059-E9F6E3BAA9F7}"/>
+                <a16:creationId xmlns:a16="http://schemas.microsoft.com/office/drawing/2014/main" xmlns="" id="{7E37862B-8C7A-43AA-9059-E9F6E3BAA9F7}"/>
               </a:ext>
             </a:extLst>
           </p:cNvPr>
@@ -9073,7 +9200,7 @@
           <p:cNvPr id="46" name="Straight Connector 45">
             <a:extLst>
               <a:ext uri="{FF2B5EF4-FFF2-40B4-BE49-F238E27FC236}">
-                <a16:creationId xmlns="" xmlns:a16="http://schemas.microsoft.com/office/drawing/2014/main" id="{32EB01D7-D11B-49BE-97FF-5B91CFF9D516}"/>
+                <a16:creationId xmlns:a16="http://schemas.microsoft.com/office/drawing/2014/main" xmlns="" id="{32EB01D7-D11B-49BE-97FF-5B91CFF9D516}"/>
               </a:ext>
             </a:extLst>
           </p:cNvPr>
@@ -9110,7 +9237,7 @@
           <p:cNvPr id="56" name="Straight Connector 55">
             <a:extLst>
               <a:ext uri="{FF2B5EF4-FFF2-40B4-BE49-F238E27FC236}">
-                <a16:creationId xmlns="" xmlns:a16="http://schemas.microsoft.com/office/drawing/2014/main" id="{3CA235E4-21DC-4C08-84FE-3A8EFE80AC11}"/>
+                <a16:creationId xmlns:a16="http://schemas.microsoft.com/office/drawing/2014/main" xmlns="" id="{3CA235E4-21DC-4C08-84FE-3A8EFE80AC11}"/>
               </a:ext>
             </a:extLst>
           </p:cNvPr>
@@ -9147,7 +9274,7 @@
           <p:cNvPr id="57" name="Straight Connector 56">
             <a:extLst>
               <a:ext uri="{FF2B5EF4-FFF2-40B4-BE49-F238E27FC236}">
-                <a16:creationId xmlns="" xmlns:a16="http://schemas.microsoft.com/office/drawing/2014/main" id="{DBCF14D2-C2CD-45FF-AEDA-6D2AC1CC95A1}"/>
+                <a16:creationId xmlns:a16="http://schemas.microsoft.com/office/drawing/2014/main" xmlns="" id="{DBCF14D2-C2CD-45FF-AEDA-6D2AC1CC95A1}"/>
               </a:ext>
             </a:extLst>
           </p:cNvPr>
@@ -9184,7 +9311,7 @@
           <p:cNvPr id="13" name="TextBox 12">
             <a:extLst>
               <a:ext uri="{FF2B5EF4-FFF2-40B4-BE49-F238E27FC236}">
-                <a16:creationId xmlns="" xmlns:a16="http://schemas.microsoft.com/office/drawing/2014/main" id="{31F550F2-9054-4CA6-B0EE-05053D0D654A}"/>
+                <a16:creationId xmlns:a16="http://schemas.microsoft.com/office/drawing/2014/main" xmlns="" id="{31F550F2-9054-4CA6-B0EE-05053D0D654A}"/>
               </a:ext>
             </a:extLst>
           </p:cNvPr>
@@ -9244,7 +9371,7 @@
           <p:cNvPr id="58" name="TextBox 57">
             <a:extLst>
               <a:ext uri="{FF2B5EF4-FFF2-40B4-BE49-F238E27FC236}">
-                <a16:creationId xmlns="" xmlns:a16="http://schemas.microsoft.com/office/drawing/2014/main" id="{F49B56CA-8B54-4479-B2E4-746A0BDE749C}"/>
+                <a16:creationId xmlns:a16="http://schemas.microsoft.com/office/drawing/2014/main" xmlns="" id="{F49B56CA-8B54-4479-B2E4-746A0BDE749C}"/>
               </a:ext>
             </a:extLst>
           </p:cNvPr>
@@ -9304,7 +9431,7 @@
           <p:cNvPr id="65" name="TextBox 64">
             <a:extLst>
               <a:ext uri="{FF2B5EF4-FFF2-40B4-BE49-F238E27FC236}">
-                <a16:creationId xmlns="" xmlns:a16="http://schemas.microsoft.com/office/drawing/2014/main" id="{05401156-05AE-4192-92DE-E3A3435796F6}"/>
+                <a16:creationId xmlns:a16="http://schemas.microsoft.com/office/drawing/2014/main" xmlns="" id="{05401156-05AE-4192-92DE-E3A3435796F6}"/>
               </a:ext>
             </a:extLst>
           </p:cNvPr>
@@ -9340,7 +9467,7 @@
           <p:cNvPr id="16" name="Straight Arrow Connector 15">
             <a:extLst>
               <a:ext uri="{FF2B5EF4-FFF2-40B4-BE49-F238E27FC236}">
-                <a16:creationId xmlns="" xmlns:a16="http://schemas.microsoft.com/office/drawing/2014/main" id="{D2F8B902-AC04-4BEA-A5A6-5E242A48E6DA}"/>
+                <a16:creationId xmlns:a16="http://schemas.microsoft.com/office/drawing/2014/main" xmlns="" id="{D2F8B902-AC04-4BEA-A5A6-5E242A48E6DA}"/>
               </a:ext>
             </a:extLst>
           </p:cNvPr>
@@ -9382,7 +9509,7 @@
           <p:cNvPr id="66" name="TextBox 65">
             <a:extLst>
               <a:ext uri="{FF2B5EF4-FFF2-40B4-BE49-F238E27FC236}">
-                <a16:creationId xmlns="" xmlns:a16="http://schemas.microsoft.com/office/drawing/2014/main" id="{A936CDA1-2727-43E8-8C32-BD2FD4F96CD4}"/>
+                <a16:creationId xmlns:a16="http://schemas.microsoft.com/office/drawing/2014/main" xmlns="" id="{A936CDA1-2727-43E8-8C32-BD2FD4F96CD4}"/>
               </a:ext>
             </a:extLst>
           </p:cNvPr>
@@ -9450,7 +9577,7 @@
           <p:cNvPr id="67" name="TextBox 66">
             <a:extLst>
               <a:ext uri="{FF2B5EF4-FFF2-40B4-BE49-F238E27FC236}">
-                <a16:creationId xmlns="" xmlns:a16="http://schemas.microsoft.com/office/drawing/2014/main" id="{BF311376-2326-4B1D-83FA-5F3B7107D813}"/>
+                <a16:creationId xmlns:a16="http://schemas.microsoft.com/office/drawing/2014/main" xmlns="" id="{BF311376-2326-4B1D-83FA-5F3B7107D813}"/>
               </a:ext>
             </a:extLst>
           </p:cNvPr>
@@ -9486,7 +9613,7 @@
           <p:cNvPr id="68" name="TextBox 67">
             <a:extLst>
               <a:ext uri="{FF2B5EF4-FFF2-40B4-BE49-F238E27FC236}">
-                <a16:creationId xmlns="" xmlns:a16="http://schemas.microsoft.com/office/drawing/2014/main" id="{44BE4952-36AE-4788-93D2-60192DD6F610}"/>
+                <a16:creationId xmlns:a16="http://schemas.microsoft.com/office/drawing/2014/main" xmlns="" id="{44BE4952-36AE-4788-93D2-60192DD6F610}"/>
               </a:ext>
             </a:extLst>
           </p:cNvPr>
@@ -9546,7 +9673,7 @@
           <p:cNvPr id="69" name="TextBox 68">
             <a:extLst>
               <a:ext uri="{FF2B5EF4-FFF2-40B4-BE49-F238E27FC236}">
-                <a16:creationId xmlns="" xmlns:a16="http://schemas.microsoft.com/office/drawing/2014/main" id="{1D7658CF-1969-4E52-A899-AEAB82D48E51}"/>
+                <a16:creationId xmlns:a16="http://schemas.microsoft.com/office/drawing/2014/main" xmlns="" id="{1D7658CF-1969-4E52-A899-AEAB82D48E51}"/>
               </a:ext>
             </a:extLst>
           </p:cNvPr>
@@ -9610,7 +9737,7 @@
           <p:cNvPr id="70" name="TextBox 69">
             <a:extLst>
               <a:ext uri="{FF2B5EF4-FFF2-40B4-BE49-F238E27FC236}">
-                <a16:creationId xmlns="" xmlns:a16="http://schemas.microsoft.com/office/drawing/2014/main" id="{1C408405-9293-47D0-8225-596CF4AF831F}"/>
+                <a16:creationId xmlns:a16="http://schemas.microsoft.com/office/drawing/2014/main" xmlns="" id="{1C408405-9293-47D0-8225-596CF4AF831F}"/>
               </a:ext>
             </a:extLst>
           </p:cNvPr>
@@ -9670,7 +9797,7 @@
           <p:cNvPr id="72" name="TextBox 71">
             <a:extLst>
               <a:ext uri="{FF2B5EF4-FFF2-40B4-BE49-F238E27FC236}">
-                <a16:creationId xmlns="" xmlns:a16="http://schemas.microsoft.com/office/drawing/2014/main" id="{88F12AFC-32B9-4196-B3C3-D383B3894C82}"/>
+                <a16:creationId xmlns:a16="http://schemas.microsoft.com/office/drawing/2014/main" xmlns="" id="{88F12AFC-32B9-4196-B3C3-D383B3894C82}"/>
               </a:ext>
             </a:extLst>
           </p:cNvPr>
@@ -9706,7 +9833,7 @@
           <p:cNvPr id="55" name="TextBox 54">
             <a:extLst>
               <a:ext uri="{FF2B5EF4-FFF2-40B4-BE49-F238E27FC236}">
-                <a16:creationId xmlns="" xmlns:a16="http://schemas.microsoft.com/office/drawing/2014/main" id="{BC7114C6-6EE4-40C0-8956-8FCB809A04AD}"/>
+                <a16:creationId xmlns:a16="http://schemas.microsoft.com/office/drawing/2014/main" xmlns="" id="{BC7114C6-6EE4-40C0-8956-8FCB809A04AD}"/>
               </a:ext>
             </a:extLst>
           </p:cNvPr>
@@ -9742,7 +9869,7 @@
           <p:cNvPr id="60" name="TextBox 59">
             <a:extLst>
               <a:ext uri="{FF2B5EF4-FFF2-40B4-BE49-F238E27FC236}">
-                <a16:creationId xmlns="" xmlns:a16="http://schemas.microsoft.com/office/drawing/2014/main" id="{31D121CB-E9A6-4377-8EC7-996DCE7FE7F0}"/>
+                <a16:creationId xmlns:a16="http://schemas.microsoft.com/office/drawing/2014/main" xmlns="" id="{31D121CB-E9A6-4377-8EC7-996DCE7FE7F0}"/>
               </a:ext>
             </a:extLst>
           </p:cNvPr>
@@ -9798,7 +9925,7 @@
           <p:cNvPr id="61" name="TextBox 60">
             <a:extLst>
               <a:ext uri="{FF2B5EF4-FFF2-40B4-BE49-F238E27FC236}">
-                <a16:creationId xmlns="" xmlns:a16="http://schemas.microsoft.com/office/drawing/2014/main" id="{9B4F65B1-838F-4233-AB9F-17D7266A0A61}"/>
+                <a16:creationId xmlns:a16="http://schemas.microsoft.com/office/drawing/2014/main" xmlns="" id="{9B4F65B1-838F-4233-AB9F-17D7266A0A61}"/>
               </a:ext>
             </a:extLst>
           </p:cNvPr>
@@ -9834,7 +9961,7 @@
           <p:cNvPr id="71" name="TextBox 70">
             <a:extLst>
               <a:ext uri="{FF2B5EF4-FFF2-40B4-BE49-F238E27FC236}">
-                <a16:creationId xmlns="" xmlns:a16="http://schemas.microsoft.com/office/drawing/2014/main" id="{4D617EB8-F045-43AF-929B-A0B60FED8684}"/>
+                <a16:creationId xmlns:a16="http://schemas.microsoft.com/office/drawing/2014/main" xmlns="" id="{4D617EB8-F045-43AF-929B-A0B60FED8684}"/>
               </a:ext>
             </a:extLst>
           </p:cNvPr>
@@ -9870,7 +9997,7 @@
           <p:cNvPr id="34" name="Rectangle 33">
             <a:extLst>
               <a:ext uri="{FF2B5EF4-FFF2-40B4-BE49-F238E27FC236}">
-                <a16:creationId xmlns="" xmlns:a16="http://schemas.microsoft.com/office/drawing/2014/main" id="{8D55A658-EF6A-403D-AD82-5D812BA0E7FF}"/>
+                <a16:creationId xmlns:a16="http://schemas.microsoft.com/office/drawing/2014/main" xmlns="" id="{8D55A658-EF6A-403D-AD82-5D812BA0E7FF}"/>
               </a:ext>
             </a:extLst>
           </p:cNvPr>
@@ -9919,7 +10046,7 @@
           <p:cNvPr id="26" name="TextBox 25">
             <a:extLst>
               <a:ext uri="{FF2B5EF4-FFF2-40B4-BE49-F238E27FC236}">
-                <a16:creationId xmlns="" xmlns:a16="http://schemas.microsoft.com/office/drawing/2014/main" id="{F321309D-A351-4898-B9AB-57E1A05DFE86}"/>
+                <a16:creationId xmlns:a16="http://schemas.microsoft.com/office/drawing/2014/main" xmlns="" id="{F321309D-A351-4898-B9AB-57E1A05DFE86}"/>
               </a:ext>
             </a:extLst>
           </p:cNvPr>
@@ -10037,7 +10164,7 @@
           <p:cNvPr id="73" name="TextBox 72">
             <a:extLst>
               <a:ext uri="{FF2B5EF4-FFF2-40B4-BE49-F238E27FC236}">
-                <a16:creationId xmlns="" xmlns:a16="http://schemas.microsoft.com/office/drawing/2014/main" id="{0DB575F4-55E1-4346-A54B-4CE7421E81A3}"/>
+                <a16:creationId xmlns:a16="http://schemas.microsoft.com/office/drawing/2014/main" xmlns="" id="{0DB575F4-55E1-4346-A54B-4CE7421E81A3}"/>
               </a:ext>
             </a:extLst>
           </p:cNvPr>
@@ -10072,7 +10199,7 @@
           <p:cNvPr id="74" name="Straight Arrow Connector 73">
             <a:extLst>
               <a:ext uri="{FF2B5EF4-FFF2-40B4-BE49-F238E27FC236}">
-                <a16:creationId xmlns="" xmlns:a16="http://schemas.microsoft.com/office/drawing/2014/main" id="{32B9A1BC-DA09-4C47-8B52-71AFC36D1287}"/>
+                <a16:creationId xmlns:a16="http://schemas.microsoft.com/office/drawing/2014/main" xmlns="" id="{32B9A1BC-DA09-4C47-8B52-71AFC36D1287}"/>
               </a:ext>
             </a:extLst>
           </p:cNvPr>
@@ -10114,7 +10241,7 @@
           <p:cNvPr id="75" name="Flowchart: Connector 74">
             <a:extLst>
               <a:ext uri="{FF2B5EF4-FFF2-40B4-BE49-F238E27FC236}">
-                <a16:creationId xmlns="" xmlns:a16="http://schemas.microsoft.com/office/drawing/2014/main" id="{7C771497-424E-43E0-81FE-FAE2DEB88FA1}"/>
+                <a16:creationId xmlns:a16="http://schemas.microsoft.com/office/drawing/2014/main" xmlns="" id="{7C771497-424E-43E0-81FE-FAE2DEB88FA1}"/>
               </a:ext>
             </a:extLst>
           </p:cNvPr>
@@ -10163,7 +10290,7 @@
           <p:cNvPr id="76" name="Straight Arrow Connector 75">
             <a:extLst>
               <a:ext uri="{FF2B5EF4-FFF2-40B4-BE49-F238E27FC236}">
-                <a16:creationId xmlns="" xmlns:a16="http://schemas.microsoft.com/office/drawing/2014/main" id="{026B2301-C0E2-497F-91BB-00422EBB02BA}"/>
+                <a16:creationId xmlns:a16="http://schemas.microsoft.com/office/drawing/2014/main" xmlns="" id="{026B2301-C0E2-497F-91BB-00422EBB02BA}"/>
               </a:ext>
             </a:extLst>
           </p:cNvPr>
@@ -10204,7 +10331,7 @@
           <p:cNvPr id="82" name="TextBox 81">
             <a:extLst>
               <a:ext uri="{FF2B5EF4-FFF2-40B4-BE49-F238E27FC236}">
-                <a16:creationId xmlns="" xmlns:a16="http://schemas.microsoft.com/office/drawing/2014/main" id="{68683C05-4105-487F-9BA4-03485595111C}"/>
+                <a16:creationId xmlns:a16="http://schemas.microsoft.com/office/drawing/2014/main" xmlns="" id="{68683C05-4105-487F-9BA4-03485595111C}"/>
               </a:ext>
             </a:extLst>
           </p:cNvPr>
@@ -10244,7 +10371,7 @@
           <p:cNvPr id="83" name="Flowchart: Connector 82">
             <a:extLst>
               <a:ext uri="{FF2B5EF4-FFF2-40B4-BE49-F238E27FC236}">
-                <a16:creationId xmlns="" xmlns:a16="http://schemas.microsoft.com/office/drawing/2014/main" id="{17C7495C-033F-4719-A0D0-C4F6BB1129B5}"/>
+                <a16:creationId xmlns:a16="http://schemas.microsoft.com/office/drawing/2014/main" xmlns="" id="{17C7495C-033F-4719-A0D0-C4F6BB1129B5}"/>
               </a:ext>
             </a:extLst>
           </p:cNvPr>
@@ -10293,7 +10420,7 @@
           <p:cNvPr id="84" name="TextBox 83">
             <a:extLst>
               <a:ext uri="{FF2B5EF4-FFF2-40B4-BE49-F238E27FC236}">
-                <a16:creationId xmlns="" xmlns:a16="http://schemas.microsoft.com/office/drawing/2014/main" id="{90636DAF-6FB7-4EE4-B1C6-3BD109D8A6E9}"/>
+                <a16:creationId xmlns:a16="http://schemas.microsoft.com/office/drawing/2014/main" xmlns="" id="{90636DAF-6FB7-4EE4-B1C6-3BD109D8A6E9}"/>
               </a:ext>
             </a:extLst>
           </p:cNvPr>
@@ -10630,7 +10757,7 @@
   <a:extraClrSchemeLst/>
   <a:extLst>
     <a:ext uri="{05A4C25C-085E-4340-85A3-A5531E510DB2}">
-      <thm15:themeFamily xmlns="" xmlns:thm15="http://schemas.microsoft.com/office/thememl/2012/main" name="Office Theme" id="{62F939B6-93AF-4DB8-9C6B-D6C7DFDC589F}" vid="{4A3C46E8-61CC-4603-A589-7422A47A8E4A}"/>
+      <thm15:themeFamily xmlns:thm15="http://schemas.microsoft.com/office/thememl/2012/main" xmlns="" name="Office Theme" id="{62F939B6-93AF-4DB8-9C6B-D6C7DFDC589F}" vid="{4A3C46E8-61CC-4603-A589-7422A47A8E4A}"/>
     </a:ext>
   </a:extLst>
 </a:theme>
